--- a/PresentazioneEs6.pptx
+++ b/PresentazioneEs6.pptx
@@ -1,28 +1,123 @@
 
 <file path=ppt/presentation.xml><?xml version="1.0" encoding="utf-8"?>
-<p:presentation xmlns:a="http://schemas.openxmlformats.org/drawingml/2006/main" xmlns:p="http://schemas.openxmlformats.org/presentationml/2006/main" xmlns:r="http://schemas.openxmlformats.org/officeDocument/2006/relationships" xmlns:p14="http://schemas.microsoft.com/office/powerpoint/2010/main" xmlns:p15="http://schemas.microsoft.com/office/powerpoint/2012/main" xmlns:mc="http://schemas.openxmlformats.org/markup-compatibility/2006">
+<p:presentation xmlns:a="http://schemas.openxmlformats.org/drawingml/2006/main" xmlns:r="http://schemas.openxmlformats.org/officeDocument/2006/relationships" xmlns:p="http://schemas.openxmlformats.org/presentationml/2006/main">
   <p:sldMasterIdLst>
-    <p:sldMasterId id="2147483648" r:id="rId2"/>
-    <p:sldMasterId id="2147483661" r:id="rId3"/>
+    <p:sldMasterId id="2147483648" r:id="rId1"/>
+    <p:sldMasterId id="2147483661" r:id="rId2"/>
   </p:sldMasterIdLst>
   <p:sldIdLst>
-    <p:sldId id="256" r:id="rId4"/>
-    <p:sldId id="257" r:id="rId5"/>
-    <p:sldId id="258" r:id="rId6"/>
-    <p:sldId id="259" r:id="rId7"/>
-    <p:sldId id="260" r:id="rId8"/>
-    <p:sldId id="261" r:id="rId9"/>
-    <p:sldId id="262" r:id="rId10"/>
-    <p:sldId id="263" r:id="rId11"/>
-    <p:sldId id="264" r:id="rId12"/>
+    <p:sldId id="256" r:id="rId3"/>
+    <p:sldId id="257" r:id="rId4"/>
+    <p:sldId id="258" r:id="rId5"/>
+    <p:sldId id="259" r:id="rId6"/>
+    <p:sldId id="260" r:id="rId7"/>
+    <p:sldId id="261" r:id="rId8"/>
+    <p:sldId id="262" r:id="rId9"/>
+    <p:sldId id="263" r:id="rId10"/>
+    <p:sldId id="264" r:id="rId11"/>
   </p:sldIdLst>
-  <p:sldSz cx="9144000" cy="5143500"/>
+  <p:sldSz cx="9144000" cy="5143500" type="screen16x9"/>
   <p:notesSz cx="6858000" cy="9144000"/>
+  <p:defaultTextStyle>
+    <a:defPPr>
+      <a:defRPr lang="it-IT"/>
+    </a:defPPr>
+    <a:lvl1pPr marL="0" algn="l" defTabSz="914400" rtl="0" eaLnBrk="1" latinLnBrk="0" hangingPunct="1">
+      <a:defRPr sz="1800" kern="1200">
+        <a:solidFill>
+          <a:schemeClr val="tx1"/>
+        </a:solidFill>
+        <a:latin typeface="+mn-lt"/>
+        <a:ea typeface="+mn-ea"/>
+        <a:cs typeface="+mn-cs"/>
+      </a:defRPr>
+    </a:lvl1pPr>
+    <a:lvl2pPr marL="457200" algn="l" defTabSz="914400" rtl="0" eaLnBrk="1" latinLnBrk="0" hangingPunct="1">
+      <a:defRPr sz="1800" kern="1200">
+        <a:solidFill>
+          <a:schemeClr val="tx1"/>
+        </a:solidFill>
+        <a:latin typeface="+mn-lt"/>
+        <a:ea typeface="+mn-ea"/>
+        <a:cs typeface="+mn-cs"/>
+      </a:defRPr>
+    </a:lvl2pPr>
+    <a:lvl3pPr marL="914400" algn="l" defTabSz="914400" rtl="0" eaLnBrk="1" latinLnBrk="0" hangingPunct="1">
+      <a:defRPr sz="1800" kern="1200">
+        <a:solidFill>
+          <a:schemeClr val="tx1"/>
+        </a:solidFill>
+        <a:latin typeface="+mn-lt"/>
+        <a:ea typeface="+mn-ea"/>
+        <a:cs typeface="+mn-cs"/>
+      </a:defRPr>
+    </a:lvl3pPr>
+    <a:lvl4pPr marL="1371600" algn="l" defTabSz="914400" rtl="0" eaLnBrk="1" latinLnBrk="0" hangingPunct="1">
+      <a:defRPr sz="1800" kern="1200">
+        <a:solidFill>
+          <a:schemeClr val="tx1"/>
+        </a:solidFill>
+        <a:latin typeface="+mn-lt"/>
+        <a:ea typeface="+mn-ea"/>
+        <a:cs typeface="+mn-cs"/>
+      </a:defRPr>
+    </a:lvl4pPr>
+    <a:lvl5pPr marL="1828800" algn="l" defTabSz="914400" rtl="0" eaLnBrk="1" latinLnBrk="0" hangingPunct="1">
+      <a:defRPr sz="1800" kern="1200">
+        <a:solidFill>
+          <a:schemeClr val="tx1"/>
+        </a:solidFill>
+        <a:latin typeface="+mn-lt"/>
+        <a:ea typeface="+mn-ea"/>
+        <a:cs typeface="+mn-cs"/>
+      </a:defRPr>
+    </a:lvl5pPr>
+    <a:lvl6pPr marL="2286000" algn="l" defTabSz="914400" rtl="0" eaLnBrk="1" latinLnBrk="0" hangingPunct="1">
+      <a:defRPr sz="1800" kern="1200">
+        <a:solidFill>
+          <a:schemeClr val="tx1"/>
+        </a:solidFill>
+        <a:latin typeface="+mn-lt"/>
+        <a:ea typeface="+mn-ea"/>
+        <a:cs typeface="+mn-cs"/>
+      </a:defRPr>
+    </a:lvl6pPr>
+    <a:lvl7pPr marL="2743200" algn="l" defTabSz="914400" rtl="0" eaLnBrk="1" latinLnBrk="0" hangingPunct="1">
+      <a:defRPr sz="1800" kern="1200">
+        <a:solidFill>
+          <a:schemeClr val="tx1"/>
+        </a:solidFill>
+        <a:latin typeface="+mn-lt"/>
+        <a:ea typeface="+mn-ea"/>
+        <a:cs typeface="+mn-cs"/>
+      </a:defRPr>
+    </a:lvl7pPr>
+    <a:lvl8pPr marL="3200400" algn="l" defTabSz="914400" rtl="0" eaLnBrk="1" latinLnBrk="0" hangingPunct="1">
+      <a:defRPr sz="1800" kern="1200">
+        <a:solidFill>
+          <a:schemeClr val="tx1"/>
+        </a:solidFill>
+        <a:latin typeface="+mn-lt"/>
+        <a:ea typeface="+mn-ea"/>
+        <a:cs typeface="+mn-cs"/>
+      </a:defRPr>
+    </a:lvl8pPr>
+    <a:lvl9pPr marL="3657600" algn="l" defTabSz="914400" rtl="0" eaLnBrk="1" latinLnBrk="0" hangingPunct="1">
+      <a:defRPr sz="1800" kern="1200">
+        <a:solidFill>
+          <a:schemeClr val="tx1"/>
+        </a:solidFill>
+        <a:latin typeface="+mn-lt"/>
+        <a:ea typeface="+mn-ea"/>
+        <a:cs typeface="+mn-cs"/>
+      </a:defRPr>
+    </a:lvl9pPr>
+  </p:defaultTextStyle>
 </p:presentation>
 </file>
 
 <file path=ppt/slideLayouts/slideLayout1.xml><?xml version="1.0" encoding="utf-8"?>
-<p:sldLayout xmlns:a="http://schemas.openxmlformats.org/drawingml/2006/main" xmlns:p="http://schemas.openxmlformats.org/presentationml/2006/main" xmlns:r="http://schemas.openxmlformats.org/officeDocument/2006/relationships" xmlns:p14="http://schemas.microsoft.com/office/powerpoint/2010/main" xmlns:p15="http://schemas.microsoft.com/office/powerpoint/2012/main" xmlns:mc="http://schemas.openxmlformats.org/markup-compatibility/2006" type="blank" preserve="1">
+<p:sldLayout xmlns:a="http://schemas.openxmlformats.org/drawingml/2006/main" xmlns:r="http://schemas.openxmlformats.org/officeDocument/2006/relationships" xmlns:p="http://schemas.openxmlformats.org/presentationml/2006/main" type="blank" preserve="1">
   <p:cSld name="Blank Slide">
     <p:spTree>
       <p:nvGrpSpPr>
@@ -40,11 +135,14 @@
       </p:grpSpPr>
     </p:spTree>
   </p:cSld>
+  <p:clrMapOvr>
+    <a:masterClrMapping/>
+  </p:clrMapOvr>
 </p:sldLayout>
 </file>
 
 <file path=ppt/slideLayouts/slideLayout10.xml><?xml version="1.0" encoding="utf-8"?>
-<p:sldLayout xmlns:a="http://schemas.openxmlformats.org/drawingml/2006/main" xmlns:p="http://schemas.openxmlformats.org/presentationml/2006/main" xmlns:r="http://schemas.openxmlformats.org/officeDocument/2006/relationships" xmlns:p14="http://schemas.microsoft.com/office/powerpoint/2010/main" xmlns:p15="http://schemas.microsoft.com/office/powerpoint/2012/main" xmlns:mc="http://schemas.openxmlformats.org/markup-compatibility/2006" type="objOverTx" preserve="1">
+<p:sldLayout xmlns:a="http://schemas.openxmlformats.org/drawingml/2006/main" xmlns:r="http://schemas.openxmlformats.org/officeDocument/2006/relationships" xmlns:p="http://schemas.openxmlformats.org/presentationml/2006/main" type="objOverTx" preserve="1">
   <p:cSld name="Title, Content over Content">
     <p:spTree>
       <p:nvGrpSpPr>
@@ -80,11 +178,12 @@
           </a:prstGeom>
         </p:spPr>
         <p:txBody>
-          <a:bodyPr lIns="0" rIns="0" tIns="0" bIns="0" anchor="ctr">
+          <a:bodyPr lIns="0" tIns="0" rIns="0" bIns="0" anchor="ctr">
             <a:noAutofit/>
           </a:bodyPr>
-          <a:p>
-            <a:endParaRPr b="0" lang="en-US" sz="1400" spc="-1" strike="noStrike">
+          <a:lstStyle/>
+          <a:p>
+            <a:endParaRPr lang="en-US" sz="1400" b="0" strike="noStrike" spc="-1">
               <a:solidFill>
                 <a:srgbClr val="000000"/>
               </a:solidFill>
@@ -113,11 +212,12 @@
           </a:prstGeom>
         </p:spPr>
         <p:txBody>
-          <a:bodyPr lIns="0" rIns="0" tIns="0" bIns="0">
+          <a:bodyPr lIns="0" tIns="0" rIns="0" bIns="0">
             <a:normAutofit/>
           </a:bodyPr>
-          <a:p>
-            <a:endParaRPr b="0" lang="en-US" sz="1400" spc="-1" strike="noStrike">
+          <a:lstStyle/>
+          <a:p>
+            <a:endParaRPr lang="en-US" sz="1400" b="0" strike="noStrike" spc="-1">
               <a:solidFill>
                 <a:srgbClr val="000000"/>
               </a:solidFill>
@@ -146,11 +246,12 @@
           </a:prstGeom>
         </p:spPr>
         <p:txBody>
-          <a:bodyPr lIns="0" rIns="0" tIns="0" bIns="0">
+          <a:bodyPr lIns="0" tIns="0" rIns="0" bIns="0">
             <a:normAutofit/>
           </a:bodyPr>
-          <a:p>
-            <a:endParaRPr b="0" lang="en-US" sz="1400" spc="-1" strike="noStrike">
+          <a:lstStyle/>
+          <a:p>
+            <a:endParaRPr lang="en-US" sz="1400" b="0" strike="noStrike" spc="-1">
               <a:solidFill>
                 <a:srgbClr val="000000"/>
               </a:solidFill>
@@ -161,11 +262,14 @@
       </p:sp>
     </p:spTree>
   </p:cSld>
+  <p:clrMapOvr>
+    <a:masterClrMapping/>
+  </p:clrMapOvr>
 </p:sldLayout>
 </file>
 
 <file path=ppt/slideLayouts/slideLayout11.xml><?xml version="1.0" encoding="utf-8"?>
-<p:sldLayout xmlns:a="http://schemas.openxmlformats.org/drawingml/2006/main" xmlns:p="http://schemas.openxmlformats.org/presentationml/2006/main" xmlns:r="http://schemas.openxmlformats.org/officeDocument/2006/relationships" xmlns:p14="http://schemas.microsoft.com/office/powerpoint/2010/main" xmlns:p15="http://schemas.microsoft.com/office/powerpoint/2012/main" xmlns:mc="http://schemas.openxmlformats.org/markup-compatibility/2006" type="fourObj" preserve="1">
+<p:sldLayout xmlns:a="http://schemas.openxmlformats.org/drawingml/2006/main" xmlns:r="http://schemas.openxmlformats.org/officeDocument/2006/relationships" xmlns:p="http://schemas.openxmlformats.org/presentationml/2006/main" type="fourObj" preserve="1">
   <p:cSld name="Title, 4 Content">
     <p:spTree>
       <p:nvGrpSpPr>
@@ -201,11 +305,12 @@
           </a:prstGeom>
         </p:spPr>
         <p:txBody>
-          <a:bodyPr lIns="0" rIns="0" tIns="0" bIns="0" anchor="ctr">
+          <a:bodyPr lIns="0" tIns="0" rIns="0" bIns="0" anchor="ctr">
             <a:noAutofit/>
           </a:bodyPr>
-          <a:p>
-            <a:endParaRPr b="0" lang="en-US" sz="1400" spc="-1" strike="noStrike">
+          <a:lstStyle/>
+          <a:p>
+            <a:endParaRPr lang="en-US" sz="1400" b="0" strike="noStrike" spc="-1">
               <a:solidFill>
                 <a:srgbClr val="000000"/>
               </a:solidFill>
@@ -234,11 +339,12 @@
           </a:prstGeom>
         </p:spPr>
         <p:txBody>
-          <a:bodyPr lIns="0" rIns="0" tIns="0" bIns="0">
+          <a:bodyPr lIns="0" tIns="0" rIns="0" bIns="0">
             <a:normAutofit/>
           </a:bodyPr>
-          <a:p>
-            <a:endParaRPr b="0" lang="en-US" sz="1400" spc="-1" strike="noStrike">
+          <a:lstStyle/>
+          <a:p>
+            <a:endParaRPr lang="en-US" sz="1400" b="0" strike="noStrike" spc="-1">
               <a:solidFill>
                 <a:srgbClr val="000000"/>
               </a:solidFill>
@@ -267,11 +373,12 @@
           </a:prstGeom>
         </p:spPr>
         <p:txBody>
-          <a:bodyPr lIns="0" rIns="0" tIns="0" bIns="0">
+          <a:bodyPr lIns="0" tIns="0" rIns="0" bIns="0">
             <a:normAutofit/>
           </a:bodyPr>
-          <a:p>
-            <a:endParaRPr b="0" lang="en-US" sz="1400" spc="-1" strike="noStrike">
+          <a:lstStyle/>
+          <a:p>
+            <a:endParaRPr lang="en-US" sz="1400" b="0" strike="noStrike" spc="-1">
               <a:solidFill>
                 <a:srgbClr val="000000"/>
               </a:solidFill>
@@ -300,11 +407,12 @@
           </a:prstGeom>
         </p:spPr>
         <p:txBody>
-          <a:bodyPr lIns="0" rIns="0" tIns="0" bIns="0">
+          <a:bodyPr lIns="0" tIns="0" rIns="0" bIns="0">
             <a:normAutofit/>
           </a:bodyPr>
-          <a:p>
-            <a:endParaRPr b="0" lang="en-US" sz="1400" spc="-1" strike="noStrike">
+          <a:lstStyle/>
+          <a:p>
+            <a:endParaRPr lang="en-US" sz="1400" b="0" strike="noStrike" spc="-1">
               <a:solidFill>
                 <a:srgbClr val="000000"/>
               </a:solidFill>
@@ -333,11 +441,12 @@
           </a:prstGeom>
         </p:spPr>
         <p:txBody>
-          <a:bodyPr lIns="0" rIns="0" tIns="0" bIns="0">
+          <a:bodyPr lIns="0" tIns="0" rIns="0" bIns="0">
             <a:normAutofit/>
           </a:bodyPr>
-          <a:p>
-            <a:endParaRPr b="0" lang="en-US" sz="1400" spc="-1" strike="noStrike">
+          <a:lstStyle/>
+          <a:p>
+            <a:endParaRPr lang="en-US" sz="1400" b="0" strike="noStrike" spc="-1">
               <a:solidFill>
                 <a:srgbClr val="000000"/>
               </a:solidFill>
@@ -348,11 +457,14 @@
       </p:sp>
     </p:spTree>
   </p:cSld>
+  <p:clrMapOvr>
+    <a:masterClrMapping/>
+  </p:clrMapOvr>
 </p:sldLayout>
 </file>
 
 <file path=ppt/slideLayouts/slideLayout12.xml><?xml version="1.0" encoding="utf-8"?>
-<p:sldLayout xmlns:a="http://schemas.openxmlformats.org/drawingml/2006/main" xmlns:p="http://schemas.openxmlformats.org/presentationml/2006/main" xmlns:r="http://schemas.openxmlformats.org/officeDocument/2006/relationships" xmlns:p14="http://schemas.microsoft.com/office/powerpoint/2010/main" xmlns:p15="http://schemas.microsoft.com/office/powerpoint/2012/main" xmlns:mc="http://schemas.openxmlformats.org/markup-compatibility/2006" type="blank" preserve="1">
+<p:sldLayout xmlns:a="http://schemas.openxmlformats.org/drawingml/2006/main" xmlns:r="http://schemas.openxmlformats.org/officeDocument/2006/relationships" xmlns:p="http://schemas.openxmlformats.org/presentationml/2006/main" type="blank" preserve="1">
   <p:cSld name="Title, 6 Content">
     <p:spTree>
       <p:nvGrpSpPr>
@@ -388,11 +500,12 @@
           </a:prstGeom>
         </p:spPr>
         <p:txBody>
-          <a:bodyPr lIns="0" rIns="0" tIns="0" bIns="0" anchor="ctr">
+          <a:bodyPr lIns="0" tIns="0" rIns="0" bIns="0" anchor="ctr">
             <a:noAutofit/>
           </a:bodyPr>
-          <a:p>
-            <a:endParaRPr b="0" lang="en-US" sz="1400" spc="-1" strike="noStrike">
+          <a:lstStyle/>
+          <a:p>
+            <a:endParaRPr lang="en-US" sz="1400" b="0" strike="noStrike" spc="-1">
               <a:solidFill>
                 <a:srgbClr val="000000"/>
               </a:solidFill>
@@ -421,11 +534,12 @@
           </a:prstGeom>
         </p:spPr>
         <p:txBody>
-          <a:bodyPr lIns="0" rIns="0" tIns="0" bIns="0">
+          <a:bodyPr lIns="0" tIns="0" rIns="0" bIns="0">
             <a:normAutofit/>
           </a:bodyPr>
-          <a:p>
-            <a:endParaRPr b="0" lang="en-US" sz="1400" spc="-1" strike="noStrike">
+          <a:lstStyle/>
+          <a:p>
+            <a:endParaRPr lang="en-US" sz="1400" b="0" strike="noStrike" spc="-1">
               <a:solidFill>
                 <a:srgbClr val="000000"/>
               </a:solidFill>
@@ -454,11 +568,12 @@
           </a:prstGeom>
         </p:spPr>
         <p:txBody>
-          <a:bodyPr lIns="0" rIns="0" tIns="0" bIns="0">
+          <a:bodyPr lIns="0" tIns="0" rIns="0" bIns="0">
             <a:normAutofit/>
           </a:bodyPr>
-          <a:p>
-            <a:endParaRPr b="0" lang="en-US" sz="1400" spc="-1" strike="noStrike">
+          <a:lstStyle/>
+          <a:p>
+            <a:endParaRPr lang="en-US" sz="1400" b="0" strike="noStrike" spc="-1">
               <a:solidFill>
                 <a:srgbClr val="000000"/>
               </a:solidFill>
@@ -487,11 +602,12 @@
           </a:prstGeom>
         </p:spPr>
         <p:txBody>
-          <a:bodyPr lIns="0" rIns="0" tIns="0" bIns="0">
+          <a:bodyPr lIns="0" tIns="0" rIns="0" bIns="0">
             <a:normAutofit/>
           </a:bodyPr>
-          <a:p>
-            <a:endParaRPr b="0" lang="en-US" sz="1400" spc="-1" strike="noStrike">
+          <a:lstStyle/>
+          <a:p>
+            <a:endParaRPr lang="en-US" sz="1400" b="0" strike="noStrike" spc="-1">
               <a:solidFill>
                 <a:srgbClr val="000000"/>
               </a:solidFill>
@@ -520,11 +636,12 @@
           </a:prstGeom>
         </p:spPr>
         <p:txBody>
-          <a:bodyPr lIns="0" rIns="0" tIns="0" bIns="0">
+          <a:bodyPr lIns="0" tIns="0" rIns="0" bIns="0">
             <a:normAutofit/>
           </a:bodyPr>
-          <a:p>
-            <a:endParaRPr b="0" lang="en-US" sz="1400" spc="-1" strike="noStrike">
+          <a:lstStyle/>
+          <a:p>
+            <a:endParaRPr lang="en-US" sz="1400" b="0" strike="noStrike" spc="-1">
               <a:solidFill>
                 <a:srgbClr val="000000"/>
               </a:solidFill>
@@ -553,11 +670,12 @@
           </a:prstGeom>
         </p:spPr>
         <p:txBody>
-          <a:bodyPr lIns="0" rIns="0" tIns="0" bIns="0">
+          <a:bodyPr lIns="0" tIns="0" rIns="0" bIns="0">
             <a:normAutofit/>
           </a:bodyPr>
-          <a:p>
-            <a:endParaRPr b="0" lang="en-US" sz="1400" spc="-1" strike="noStrike">
+          <a:lstStyle/>
+          <a:p>
+            <a:endParaRPr lang="en-US" sz="1400" b="0" strike="noStrike" spc="-1">
               <a:solidFill>
                 <a:srgbClr val="000000"/>
               </a:solidFill>
@@ -586,11 +704,12 @@
           </a:prstGeom>
         </p:spPr>
         <p:txBody>
-          <a:bodyPr lIns="0" rIns="0" tIns="0" bIns="0">
+          <a:bodyPr lIns="0" tIns="0" rIns="0" bIns="0">
             <a:normAutofit/>
           </a:bodyPr>
-          <a:p>
-            <a:endParaRPr b="0" lang="en-US" sz="1400" spc="-1" strike="noStrike">
+          <a:lstStyle/>
+          <a:p>
+            <a:endParaRPr lang="en-US" sz="1400" b="0" strike="noStrike" spc="-1">
               <a:solidFill>
                 <a:srgbClr val="000000"/>
               </a:solidFill>
@@ -601,11 +720,14 @@
       </p:sp>
     </p:spTree>
   </p:cSld>
+  <p:clrMapOvr>
+    <a:masterClrMapping/>
+  </p:clrMapOvr>
 </p:sldLayout>
 </file>
 
 <file path=ppt/slideLayouts/slideLayout13.xml><?xml version="1.0" encoding="utf-8"?>
-<p:sldLayout xmlns:a="http://schemas.openxmlformats.org/drawingml/2006/main" xmlns:p="http://schemas.openxmlformats.org/presentationml/2006/main" xmlns:r="http://schemas.openxmlformats.org/officeDocument/2006/relationships" xmlns:p14="http://schemas.microsoft.com/office/powerpoint/2010/main" xmlns:p15="http://schemas.microsoft.com/office/powerpoint/2012/main" xmlns:mc="http://schemas.openxmlformats.org/markup-compatibility/2006" type="blank" preserve="1">
+<p:sldLayout xmlns:a="http://schemas.openxmlformats.org/drawingml/2006/main" xmlns:r="http://schemas.openxmlformats.org/officeDocument/2006/relationships" xmlns:p="http://schemas.openxmlformats.org/presentationml/2006/main" type="blank" preserve="1">
   <p:cSld name="Blank Slide">
     <p:spTree>
       <p:nvGrpSpPr>
@@ -623,11 +745,14 @@
       </p:grpSpPr>
     </p:spTree>
   </p:cSld>
+  <p:clrMapOvr>
+    <a:masterClrMapping/>
+  </p:clrMapOvr>
 </p:sldLayout>
 </file>
 
 <file path=ppt/slideLayouts/slideLayout14.xml><?xml version="1.0" encoding="utf-8"?>
-<p:sldLayout xmlns:a="http://schemas.openxmlformats.org/drawingml/2006/main" xmlns:p="http://schemas.openxmlformats.org/presentationml/2006/main" xmlns:r="http://schemas.openxmlformats.org/officeDocument/2006/relationships" xmlns:p14="http://schemas.microsoft.com/office/powerpoint/2010/main" xmlns:p15="http://schemas.microsoft.com/office/powerpoint/2012/main" xmlns:mc="http://schemas.openxmlformats.org/markup-compatibility/2006" type="tx" preserve="1">
+<p:sldLayout xmlns:a="http://schemas.openxmlformats.org/drawingml/2006/main" xmlns:r="http://schemas.openxmlformats.org/officeDocument/2006/relationships" xmlns:p="http://schemas.openxmlformats.org/presentationml/2006/main" type="tx" preserve="1">
   <p:cSld name="Title Slide">
     <p:spTree>
       <p:nvGrpSpPr>
@@ -663,11 +788,12 @@
           </a:prstGeom>
         </p:spPr>
         <p:txBody>
-          <a:bodyPr lIns="0" rIns="0" tIns="0" bIns="0" anchor="ctr">
+          <a:bodyPr lIns="0" tIns="0" rIns="0" bIns="0" anchor="ctr">
             <a:noAutofit/>
           </a:bodyPr>
-          <a:p>
-            <a:endParaRPr b="0" lang="en-US" sz="1400" spc="-1" strike="noStrike">
+          <a:lstStyle/>
+          <a:p>
+            <a:endParaRPr lang="en-US" sz="1400" b="0" strike="noStrike" spc="-1">
               <a:solidFill>
                 <a:srgbClr val="000000"/>
               </a:solidFill>
@@ -696,12 +822,13 @@
           </a:prstGeom>
         </p:spPr>
         <p:txBody>
-          <a:bodyPr lIns="0" rIns="0" tIns="0" bIns="0" anchor="ctr">
+          <a:bodyPr lIns="0" tIns="0" rIns="0" bIns="0" anchor="ctr">
             <a:noAutofit/>
           </a:bodyPr>
+          <a:lstStyle/>
           <a:p>
             <a:pPr algn="ctr"/>
-            <a:endParaRPr b="0" lang="en-US" sz="3200" spc="-1" strike="noStrike">
+            <a:endParaRPr lang="en-US" sz="3200" b="0" strike="noStrike" spc="-1">
               <a:latin typeface="Arial"/>
             </a:endParaRPr>
           </a:p>
@@ -709,11 +836,14 @@
       </p:sp>
     </p:spTree>
   </p:cSld>
+  <p:clrMapOvr>
+    <a:masterClrMapping/>
+  </p:clrMapOvr>
 </p:sldLayout>
 </file>
 
 <file path=ppt/slideLayouts/slideLayout15.xml><?xml version="1.0" encoding="utf-8"?>
-<p:sldLayout xmlns:a="http://schemas.openxmlformats.org/drawingml/2006/main" xmlns:p="http://schemas.openxmlformats.org/presentationml/2006/main" xmlns:r="http://schemas.openxmlformats.org/officeDocument/2006/relationships" xmlns:p14="http://schemas.microsoft.com/office/powerpoint/2010/main" xmlns:p15="http://schemas.microsoft.com/office/powerpoint/2012/main" xmlns:mc="http://schemas.openxmlformats.org/markup-compatibility/2006" type="obj" preserve="1">
+<p:sldLayout xmlns:a="http://schemas.openxmlformats.org/drawingml/2006/main" xmlns:r="http://schemas.openxmlformats.org/officeDocument/2006/relationships" xmlns:p="http://schemas.openxmlformats.org/presentationml/2006/main" type="obj" preserve="1">
   <p:cSld name="Title, Content">
     <p:spTree>
       <p:nvGrpSpPr>
@@ -749,11 +879,12 @@
           </a:prstGeom>
         </p:spPr>
         <p:txBody>
-          <a:bodyPr lIns="0" rIns="0" tIns="0" bIns="0" anchor="ctr">
+          <a:bodyPr lIns="0" tIns="0" rIns="0" bIns="0" anchor="ctr">
             <a:noAutofit/>
           </a:bodyPr>
-          <a:p>
-            <a:endParaRPr b="0" lang="en-US" sz="1400" spc="-1" strike="noStrike">
+          <a:lstStyle/>
+          <a:p>
+            <a:endParaRPr lang="en-US" sz="1400" b="0" strike="noStrike" spc="-1">
               <a:solidFill>
                 <a:srgbClr val="000000"/>
               </a:solidFill>
@@ -782,11 +913,12 @@
           </a:prstGeom>
         </p:spPr>
         <p:txBody>
-          <a:bodyPr lIns="0" rIns="0" tIns="0" bIns="0">
+          <a:bodyPr lIns="0" tIns="0" rIns="0" bIns="0">
             <a:normAutofit/>
           </a:bodyPr>
-          <a:p>
-            <a:endParaRPr b="0" lang="en-US" sz="1400" spc="-1" strike="noStrike">
+          <a:lstStyle/>
+          <a:p>
+            <a:endParaRPr lang="en-US" sz="1400" b="0" strike="noStrike" spc="-1">
               <a:solidFill>
                 <a:srgbClr val="000000"/>
               </a:solidFill>
@@ -797,11 +929,14 @@
       </p:sp>
     </p:spTree>
   </p:cSld>
+  <p:clrMapOvr>
+    <a:masterClrMapping/>
+  </p:clrMapOvr>
 </p:sldLayout>
 </file>
 
 <file path=ppt/slideLayouts/slideLayout16.xml><?xml version="1.0" encoding="utf-8"?>
-<p:sldLayout xmlns:a="http://schemas.openxmlformats.org/drawingml/2006/main" xmlns:p="http://schemas.openxmlformats.org/presentationml/2006/main" xmlns:r="http://schemas.openxmlformats.org/officeDocument/2006/relationships" xmlns:p14="http://schemas.microsoft.com/office/powerpoint/2010/main" xmlns:p15="http://schemas.microsoft.com/office/powerpoint/2012/main" xmlns:mc="http://schemas.openxmlformats.org/markup-compatibility/2006" type="twoObj" preserve="1">
+<p:sldLayout xmlns:a="http://schemas.openxmlformats.org/drawingml/2006/main" xmlns:r="http://schemas.openxmlformats.org/officeDocument/2006/relationships" xmlns:p="http://schemas.openxmlformats.org/presentationml/2006/main" type="twoObj" preserve="1">
   <p:cSld name="Title, 2 Content">
     <p:spTree>
       <p:nvGrpSpPr>
@@ -837,11 +972,12 @@
           </a:prstGeom>
         </p:spPr>
         <p:txBody>
-          <a:bodyPr lIns="0" rIns="0" tIns="0" bIns="0" anchor="ctr">
+          <a:bodyPr lIns="0" tIns="0" rIns="0" bIns="0" anchor="ctr">
             <a:noAutofit/>
           </a:bodyPr>
-          <a:p>
-            <a:endParaRPr b="0" lang="en-US" sz="1400" spc="-1" strike="noStrike">
+          <a:lstStyle/>
+          <a:p>
+            <a:endParaRPr lang="en-US" sz="1400" b="0" strike="noStrike" spc="-1">
               <a:solidFill>
                 <a:srgbClr val="000000"/>
               </a:solidFill>
@@ -870,11 +1006,12 @@
           </a:prstGeom>
         </p:spPr>
         <p:txBody>
-          <a:bodyPr lIns="0" rIns="0" tIns="0" bIns="0">
+          <a:bodyPr lIns="0" tIns="0" rIns="0" bIns="0">
             <a:normAutofit/>
           </a:bodyPr>
-          <a:p>
-            <a:endParaRPr b="0" lang="en-US" sz="1400" spc="-1" strike="noStrike">
+          <a:lstStyle/>
+          <a:p>
+            <a:endParaRPr lang="en-US" sz="1400" b="0" strike="noStrike" spc="-1">
               <a:solidFill>
                 <a:srgbClr val="000000"/>
               </a:solidFill>
@@ -903,11 +1040,12 @@
           </a:prstGeom>
         </p:spPr>
         <p:txBody>
-          <a:bodyPr lIns="0" rIns="0" tIns="0" bIns="0">
+          <a:bodyPr lIns="0" tIns="0" rIns="0" bIns="0">
             <a:normAutofit/>
           </a:bodyPr>
-          <a:p>
-            <a:endParaRPr b="0" lang="en-US" sz="1400" spc="-1" strike="noStrike">
+          <a:lstStyle/>
+          <a:p>
+            <a:endParaRPr lang="en-US" sz="1400" b="0" strike="noStrike" spc="-1">
               <a:solidFill>
                 <a:srgbClr val="000000"/>
               </a:solidFill>
@@ -918,11 +1056,14 @@
       </p:sp>
     </p:spTree>
   </p:cSld>
+  <p:clrMapOvr>
+    <a:masterClrMapping/>
+  </p:clrMapOvr>
 </p:sldLayout>
 </file>
 
 <file path=ppt/slideLayouts/slideLayout17.xml><?xml version="1.0" encoding="utf-8"?>
-<p:sldLayout xmlns:a="http://schemas.openxmlformats.org/drawingml/2006/main" xmlns:p="http://schemas.openxmlformats.org/presentationml/2006/main" xmlns:r="http://schemas.openxmlformats.org/officeDocument/2006/relationships" xmlns:p14="http://schemas.microsoft.com/office/powerpoint/2010/main" xmlns:p15="http://schemas.microsoft.com/office/powerpoint/2012/main" xmlns:mc="http://schemas.openxmlformats.org/markup-compatibility/2006" type="titleOnly" preserve="1">
+<p:sldLayout xmlns:a="http://schemas.openxmlformats.org/drawingml/2006/main" xmlns:r="http://schemas.openxmlformats.org/officeDocument/2006/relationships" xmlns:p="http://schemas.openxmlformats.org/presentationml/2006/main" type="titleOnly" preserve="1">
   <p:cSld name="Title Only">
     <p:spTree>
       <p:nvGrpSpPr>
@@ -958,11 +1099,12 @@
           </a:prstGeom>
         </p:spPr>
         <p:txBody>
-          <a:bodyPr lIns="0" rIns="0" tIns="0" bIns="0" anchor="ctr">
+          <a:bodyPr lIns="0" tIns="0" rIns="0" bIns="0" anchor="ctr">
             <a:noAutofit/>
           </a:bodyPr>
-          <a:p>
-            <a:endParaRPr b="0" lang="en-US" sz="1400" spc="-1" strike="noStrike">
+          <a:lstStyle/>
+          <a:p>
+            <a:endParaRPr lang="en-US" sz="1400" b="0" strike="noStrike" spc="-1">
               <a:solidFill>
                 <a:srgbClr val="000000"/>
               </a:solidFill>
@@ -973,11 +1115,14 @@
       </p:sp>
     </p:spTree>
   </p:cSld>
+  <p:clrMapOvr>
+    <a:masterClrMapping/>
+  </p:clrMapOvr>
 </p:sldLayout>
 </file>
 
 <file path=ppt/slideLayouts/slideLayout18.xml><?xml version="1.0" encoding="utf-8"?>
-<p:sldLayout xmlns:a="http://schemas.openxmlformats.org/drawingml/2006/main" xmlns:p="http://schemas.openxmlformats.org/presentationml/2006/main" xmlns:r="http://schemas.openxmlformats.org/officeDocument/2006/relationships" xmlns:p14="http://schemas.microsoft.com/office/powerpoint/2010/main" xmlns:p15="http://schemas.microsoft.com/office/powerpoint/2012/main" xmlns:mc="http://schemas.openxmlformats.org/markup-compatibility/2006" type="objOnly" preserve="1">
+<p:sldLayout xmlns:a="http://schemas.openxmlformats.org/drawingml/2006/main" xmlns:r="http://schemas.openxmlformats.org/officeDocument/2006/relationships" xmlns:p="http://schemas.openxmlformats.org/presentationml/2006/main" type="objOnly" preserve="1">
   <p:cSld name="Centered Text">
     <p:spTree>
       <p:nvGrpSpPr>
@@ -1013,12 +1158,13 @@
           </a:prstGeom>
         </p:spPr>
         <p:txBody>
-          <a:bodyPr lIns="0" rIns="0" tIns="0" bIns="0" anchor="ctr">
+          <a:bodyPr lIns="0" tIns="0" rIns="0" bIns="0" anchor="ctr">
             <a:noAutofit/>
           </a:bodyPr>
+          <a:lstStyle/>
           <a:p>
             <a:pPr algn="ctr"/>
-            <a:endParaRPr b="0" lang="en-US" sz="3200" spc="-1" strike="noStrike">
+            <a:endParaRPr lang="en-US" sz="3200" b="0" strike="noStrike" spc="-1">
               <a:latin typeface="Arial"/>
             </a:endParaRPr>
           </a:p>
@@ -1026,11 +1172,14 @@
       </p:sp>
     </p:spTree>
   </p:cSld>
+  <p:clrMapOvr>
+    <a:masterClrMapping/>
+  </p:clrMapOvr>
 </p:sldLayout>
 </file>
 
 <file path=ppt/slideLayouts/slideLayout19.xml><?xml version="1.0" encoding="utf-8"?>
-<p:sldLayout xmlns:a="http://schemas.openxmlformats.org/drawingml/2006/main" xmlns:p="http://schemas.openxmlformats.org/presentationml/2006/main" xmlns:r="http://schemas.openxmlformats.org/officeDocument/2006/relationships" xmlns:p14="http://schemas.microsoft.com/office/powerpoint/2010/main" xmlns:p15="http://schemas.microsoft.com/office/powerpoint/2012/main" xmlns:mc="http://schemas.openxmlformats.org/markup-compatibility/2006" type="twoObjAndObj" preserve="1">
+<p:sldLayout xmlns:a="http://schemas.openxmlformats.org/drawingml/2006/main" xmlns:r="http://schemas.openxmlformats.org/officeDocument/2006/relationships" xmlns:p="http://schemas.openxmlformats.org/presentationml/2006/main" type="twoObjAndObj" preserve="1">
   <p:cSld name="Title, 2 Content and Content">
     <p:spTree>
       <p:nvGrpSpPr>
@@ -1066,11 +1215,12 @@
           </a:prstGeom>
         </p:spPr>
         <p:txBody>
-          <a:bodyPr lIns="0" rIns="0" tIns="0" bIns="0" anchor="ctr">
+          <a:bodyPr lIns="0" tIns="0" rIns="0" bIns="0" anchor="ctr">
             <a:noAutofit/>
           </a:bodyPr>
-          <a:p>
-            <a:endParaRPr b="0" lang="en-US" sz="1400" spc="-1" strike="noStrike">
+          <a:lstStyle/>
+          <a:p>
+            <a:endParaRPr lang="en-US" sz="1400" b="0" strike="noStrike" spc="-1">
               <a:solidFill>
                 <a:srgbClr val="000000"/>
               </a:solidFill>
@@ -1099,11 +1249,12 @@
           </a:prstGeom>
         </p:spPr>
         <p:txBody>
-          <a:bodyPr lIns="0" rIns="0" tIns="0" bIns="0">
+          <a:bodyPr lIns="0" tIns="0" rIns="0" bIns="0">
             <a:normAutofit/>
           </a:bodyPr>
-          <a:p>
-            <a:endParaRPr b="0" lang="en-US" sz="1400" spc="-1" strike="noStrike">
+          <a:lstStyle/>
+          <a:p>
+            <a:endParaRPr lang="en-US" sz="1400" b="0" strike="noStrike" spc="-1">
               <a:solidFill>
                 <a:srgbClr val="000000"/>
               </a:solidFill>
@@ -1132,11 +1283,12 @@
           </a:prstGeom>
         </p:spPr>
         <p:txBody>
-          <a:bodyPr lIns="0" rIns="0" tIns="0" bIns="0">
+          <a:bodyPr lIns="0" tIns="0" rIns="0" bIns="0">
             <a:normAutofit/>
           </a:bodyPr>
-          <a:p>
-            <a:endParaRPr b="0" lang="en-US" sz="1400" spc="-1" strike="noStrike">
+          <a:lstStyle/>
+          <a:p>
+            <a:endParaRPr lang="en-US" sz="1400" b="0" strike="noStrike" spc="-1">
               <a:solidFill>
                 <a:srgbClr val="000000"/>
               </a:solidFill>
@@ -1165,11 +1317,12 @@
           </a:prstGeom>
         </p:spPr>
         <p:txBody>
-          <a:bodyPr lIns="0" rIns="0" tIns="0" bIns="0">
+          <a:bodyPr lIns="0" tIns="0" rIns="0" bIns="0">
             <a:normAutofit/>
           </a:bodyPr>
-          <a:p>
-            <a:endParaRPr b="0" lang="en-US" sz="1400" spc="-1" strike="noStrike">
+          <a:lstStyle/>
+          <a:p>
+            <a:endParaRPr lang="en-US" sz="1400" b="0" strike="noStrike" spc="-1">
               <a:solidFill>
                 <a:srgbClr val="000000"/>
               </a:solidFill>
@@ -1180,11 +1333,14 @@
       </p:sp>
     </p:spTree>
   </p:cSld>
+  <p:clrMapOvr>
+    <a:masterClrMapping/>
+  </p:clrMapOvr>
 </p:sldLayout>
 </file>
 
 <file path=ppt/slideLayouts/slideLayout2.xml><?xml version="1.0" encoding="utf-8"?>
-<p:sldLayout xmlns:a="http://schemas.openxmlformats.org/drawingml/2006/main" xmlns:p="http://schemas.openxmlformats.org/presentationml/2006/main" xmlns:r="http://schemas.openxmlformats.org/officeDocument/2006/relationships" xmlns:p14="http://schemas.microsoft.com/office/powerpoint/2010/main" xmlns:p15="http://schemas.microsoft.com/office/powerpoint/2012/main" xmlns:mc="http://schemas.openxmlformats.org/markup-compatibility/2006" type="tx" preserve="1">
+<p:sldLayout xmlns:a="http://schemas.openxmlformats.org/drawingml/2006/main" xmlns:r="http://schemas.openxmlformats.org/officeDocument/2006/relationships" xmlns:p="http://schemas.openxmlformats.org/presentationml/2006/main" type="tx" preserve="1">
   <p:cSld name="Title Slide">
     <p:spTree>
       <p:nvGrpSpPr>
@@ -1220,11 +1376,12 @@
           </a:prstGeom>
         </p:spPr>
         <p:txBody>
-          <a:bodyPr lIns="0" rIns="0" tIns="0" bIns="0" anchor="ctr">
+          <a:bodyPr lIns="0" tIns="0" rIns="0" bIns="0" anchor="ctr">
             <a:noAutofit/>
           </a:bodyPr>
-          <a:p>
-            <a:endParaRPr b="0" lang="en-US" sz="1400" spc="-1" strike="noStrike">
+          <a:lstStyle/>
+          <a:p>
+            <a:endParaRPr lang="en-US" sz="1400" b="0" strike="noStrike" spc="-1">
               <a:solidFill>
                 <a:srgbClr val="000000"/>
               </a:solidFill>
@@ -1253,12 +1410,13 @@
           </a:prstGeom>
         </p:spPr>
         <p:txBody>
-          <a:bodyPr lIns="0" rIns="0" tIns="0" bIns="0" anchor="ctr">
+          <a:bodyPr lIns="0" tIns="0" rIns="0" bIns="0" anchor="ctr">
             <a:noAutofit/>
           </a:bodyPr>
+          <a:lstStyle/>
           <a:p>
             <a:pPr algn="ctr"/>
-            <a:endParaRPr b="0" lang="en-US" sz="3200" spc="-1" strike="noStrike">
+            <a:endParaRPr lang="en-US" sz="3200" b="0" strike="noStrike" spc="-1">
               <a:latin typeface="Arial"/>
             </a:endParaRPr>
           </a:p>
@@ -1266,11 +1424,14 @@
       </p:sp>
     </p:spTree>
   </p:cSld>
+  <p:clrMapOvr>
+    <a:masterClrMapping/>
+  </p:clrMapOvr>
 </p:sldLayout>
 </file>
 
 <file path=ppt/slideLayouts/slideLayout20.xml><?xml version="1.0" encoding="utf-8"?>
-<p:sldLayout xmlns:a="http://schemas.openxmlformats.org/drawingml/2006/main" xmlns:p="http://schemas.openxmlformats.org/presentationml/2006/main" xmlns:r="http://schemas.openxmlformats.org/officeDocument/2006/relationships" xmlns:p14="http://schemas.microsoft.com/office/powerpoint/2010/main" xmlns:p15="http://schemas.microsoft.com/office/powerpoint/2012/main" xmlns:mc="http://schemas.openxmlformats.org/markup-compatibility/2006" type="objAndTwoObj" preserve="1">
+<p:sldLayout xmlns:a="http://schemas.openxmlformats.org/drawingml/2006/main" xmlns:r="http://schemas.openxmlformats.org/officeDocument/2006/relationships" xmlns:p="http://schemas.openxmlformats.org/presentationml/2006/main" type="objAndTwoObj" preserve="1">
   <p:cSld name="Title Content and 2 Content">
     <p:spTree>
       <p:nvGrpSpPr>
@@ -1306,11 +1467,12 @@
           </a:prstGeom>
         </p:spPr>
         <p:txBody>
-          <a:bodyPr lIns="0" rIns="0" tIns="0" bIns="0" anchor="ctr">
+          <a:bodyPr lIns="0" tIns="0" rIns="0" bIns="0" anchor="ctr">
             <a:noAutofit/>
           </a:bodyPr>
-          <a:p>
-            <a:endParaRPr b="0" lang="en-US" sz="1400" spc="-1" strike="noStrike">
+          <a:lstStyle/>
+          <a:p>
+            <a:endParaRPr lang="en-US" sz="1400" b="0" strike="noStrike" spc="-1">
               <a:solidFill>
                 <a:srgbClr val="000000"/>
               </a:solidFill>
@@ -1339,11 +1501,12 @@
           </a:prstGeom>
         </p:spPr>
         <p:txBody>
-          <a:bodyPr lIns="0" rIns="0" tIns="0" bIns="0">
+          <a:bodyPr lIns="0" tIns="0" rIns="0" bIns="0">
             <a:normAutofit/>
           </a:bodyPr>
-          <a:p>
-            <a:endParaRPr b="0" lang="en-US" sz="1400" spc="-1" strike="noStrike">
+          <a:lstStyle/>
+          <a:p>
+            <a:endParaRPr lang="en-US" sz="1400" b="0" strike="noStrike" spc="-1">
               <a:solidFill>
                 <a:srgbClr val="000000"/>
               </a:solidFill>
@@ -1372,11 +1535,12 @@
           </a:prstGeom>
         </p:spPr>
         <p:txBody>
-          <a:bodyPr lIns="0" rIns="0" tIns="0" bIns="0">
+          <a:bodyPr lIns="0" tIns="0" rIns="0" bIns="0">
             <a:normAutofit/>
           </a:bodyPr>
-          <a:p>
-            <a:endParaRPr b="0" lang="en-US" sz="1400" spc="-1" strike="noStrike">
+          <a:lstStyle/>
+          <a:p>
+            <a:endParaRPr lang="en-US" sz="1400" b="0" strike="noStrike" spc="-1">
               <a:solidFill>
                 <a:srgbClr val="000000"/>
               </a:solidFill>
@@ -1405,11 +1569,12 @@
           </a:prstGeom>
         </p:spPr>
         <p:txBody>
-          <a:bodyPr lIns="0" rIns="0" tIns="0" bIns="0">
+          <a:bodyPr lIns="0" tIns="0" rIns="0" bIns="0">
             <a:normAutofit/>
           </a:bodyPr>
-          <a:p>
-            <a:endParaRPr b="0" lang="en-US" sz="1400" spc="-1" strike="noStrike">
+          <a:lstStyle/>
+          <a:p>
+            <a:endParaRPr lang="en-US" sz="1400" b="0" strike="noStrike" spc="-1">
               <a:solidFill>
                 <a:srgbClr val="000000"/>
               </a:solidFill>
@@ -1420,11 +1585,14 @@
       </p:sp>
     </p:spTree>
   </p:cSld>
+  <p:clrMapOvr>
+    <a:masterClrMapping/>
+  </p:clrMapOvr>
 </p:sldLayout>
 </file>
 
 <file path=ppt/slideLayouts/slideLayout21.xml><?xml version="1.0" encoding="utf-8"?>
-<p:sldLayout xmlns:a="http://schemas.openxmlformats.org/drawingml/2006/main" xmlns:p="http://schemas.openxmlformats.org/presentationml/2006/main" xmlns:r="http://schemas.openxmlformats.org/officeDocument/2006/relationships" xmlns:p14="http://schemas.microsoft.com/office/powerpoint/2010/main" xmlns:p15="http://schemas.microsoft.com/office/powerpoint/2012/main" xmlns:mc="http://schemas.openxmlformats.org/markup-compatibility/2006" type="twoObjOverTx" preserve="1">
+<p:sldLayout xmlns:a="http://schemas.openxmlformats.org/drawingml/2006/main" xmlns:r="http://schemas.openxmlformats.org/officeDocument/2006/relationships" xmlns:p="http://schemas.openxmlformats.org/presentationml/2006/main" type="twoObjOverTx" preserve="1">
   <p:cSld name="Title, 2 Content over Content">
     <p:spTree>
       <p:nvGrpSpPr>
@@ -1460,11 +1628,12 @@
           </a:prstGeom>
         </p:spPr>
         <p:txBody>
-          <a:bodyPr lIns="0" rIns="0" tIns="0" bIns="0" anchor="ctr">
+          <a:bodyPr lIns="0" tIns="0" rIns="0" bIns="0" anchor="ctr">
             <a:noAutofit/>
           </a:bodyPr>
-          <a:p>
-            <a:endParaRPr b="0" lang="en-US" sz="1400" spc="-1" strike="noStrike">
+          <a:lstStyle/>
+          <a:p>
+            <a:endParaRPr lang="en-US" sz="1400" b="0" strike="noStrike" spc="-1">
               <a:solidFill>
                 <a:srgbClr val="000000"/>
               </a:solidFill>
@@ -1493,11 +1662,12 @@
           </a:prstGeom>
         </p:spPr>
         <p:txBody>
-          <a:bodyPr lIns="0" rIns="0" tIns="0" bIns="0">
+          <a:bodyPr lIns="0" tIns="0" rIns="0" bIns="0">
             <a:normAutofit/>
           </a:bodyPr>
-          <a:p>
-            <a:endParaRPr b="0" lang="en-US" sz="1400" spc="-1" strike="noStrike">
+          <a:lstStyle/>
+          <a:p>
+            <a:endParaRPr lang="en-US" sz="1400" b="0" strike="noStrike" spc="-1">
               <a:solidFill>
                 <a:srgbClr val="000000"/>
               </a:solidFill>
@@ -1526,11 +1696,12 @@
           </a:prstGeom>
         </p:spPr>
         <p:txBody>
-          <a:bodyPr lIns="0" rIns="0" tIns="0" bIns="0">
+          <a:bodyPr lIns="0" tIns="0" rIns="0" bIns="0">
             <a:normAutofit/>
           </a:bodyPr>
-          <a:p>
-            <a:endParaRPr b="0" lang="en-US" sz="1400" spc="-1" strike="noStrike">
+          <a:lstStyle/>
+          <a:p>
+            <a:endParaRPr lang="en-US" sz="1400" b="0" strike="noStrike" spc="-1">
               <a:solidFill>
                 <a:srgbClr val="000000"/>
               </a:solidFill>
@@ -1559,11 +1730,12 @@
           </a:prstGeom>
         </p:spPr>
         <p:txBody>
-          <a:bodyPr lIns="0" rIns="0" tIns="0" bIns="0">
+          <a:bodyPr lIns="0" tIns="0" rIns="0" bIns="0">
             <a:normAutofit/>
           </a:bodyPr>
-          <a:p>
-            <a:endParaRPr b="0" lang="en-US" sz="1400" spc="-1" strike="noStrike">
+          <a:lstStyle/>
+          <a:p>
+            <a:endParaRPr lang="en-US" sz="1400" b="0" strike="noStrike" spc="-1">
               <a:solidFill>
                 <a:srgbClr val="000000"/>
               </a:solidFill>
@@ -1574,11 +1746,14 @@
       </p:sp>
     </p:spTree>
   </p:cSld>
+  <p:clrMapOvr>
+    <a:masterClrMapping/>
+  </p:clrMapOvr>
 </p:sldLayout>
 </file>
 
 <file path=ppt/slideLayouts/slideLayout22.xml><?xml version="1.0" encoding="utf-8"?>
-<p:sldLayout xmlns:a="http://schemas.openxmlformats.org/drawingml/2006/main" xmlns:p="http://schemas.openxmlformats.org/presentationml/2006/main" xmlns:r="http://schemas.openxmlformats.org/officeDocument/2006/relationships" xmlns:p14="http://schemas.microsoft.com/office/powerpoint/2010/main" xmlns:p15="http://schemas.microsoft.com/office/powerpoint/2012/main" xmlns:mc="http://schemas.openxmlformats.org/markup-compatibility/2006" type="objOverTx" preserve="1">
+<p:sldLayout xmlns:a="http://schemas.openxmlformats.org/drawingml/2006/main" xmlns:r="http://schemas.openxmlformats.org/officeDocument/2006/relationships" xmlns:p="http://schemas.openxmlformats.org/presentationml/2006/main" type="objOverTx" preserve="1">
   <p:cSld name="Title, Content over Content">
     <p:spTree>
       <p:nvGrpSpPr>
@@ -1614,11 +1789,12 @@
           </a:prstGeom>
         </p:spPr>
         <p:txBody>
-          <a:bodyPr lIns="0" rIns="0" tIns="0" bIns="0" anchor="ctr">
+          <a:bodyPr lIns="0" tIns="0" rIns="0" bIns="0" anchor="ctr">
             <a:noAutofit/>
           </a:bodyPr>
-          <a:p>
-            <a:endParaRPr b="0" lang="en-US" sz="1400" spc="-1" strike="noStrike">
+          <a:lstStyle/>
+          <a:p>
+            <a:endParaRPr lang="en-US" sz="1400" b="0" strike="noStrike" spc="-1">
               <a:solidFill>
                 <a:srgbClr val="000000"/>
               </a:solidFill>
@@ -1647,11 +1823,12 @@
           </a:prstGeom>
         </p:spPr>
         <p:txBody>
-          <a:bodyPr lIns="0" rIns="0" tIns="0" bIns="0">
+          <a:bodyPr lIns="0" tIns="0" rIns="0" bIns="0">
             <a:normAutofit/>
           </a:bodyPr>
-          <a:p>
-            <a:endParaRPr b="0" lang="en-US" sz="1400" spc="-1" strike="noStrike">
+          <a:lstStyle/>
+          <a:p>
+            <a:endParaRPr lang="en-US" sz="1400" b="0" strike="noStrike" spc="-1">
               <a:solidFill>
                 <a:srgbClr val="000000"/>
               </a:solidFill>
@@ -1680,11 +1857,12 @@
           </a:prstGeom>
         </p:spPr>
         <p:txBody>
-          <a:bodyPr lIns="0" rIns="0" tIns="0" bIns="0">
+          <a:bodyPr lIns="0" tIns="0" rIns="0" bIns="0">
             <a:normAutofit/>
           </a:bodyPr>
-          <a:p>
-            <a:endParaRPr b="0" lang="en-US" sz="1400" spc="-1" strike="noStrike">
+          <a:lstStyle/>
+          <a:p>
+            <a:endParaRPr lang="en-US" sz="1400" b="0" strike="noStrike" spc="-1">
               <a:solidFill>
                 <a:srgbClr val="000000"/>
               </a:solidFill>
@@ -1695,11 +1873,14 @@
       </p:sp>
     </p:spTree>
   </p:cSld>
+  <p:clrMapOvr>
+    <a:masterClrMapping/>
+  </p:clrMapOvr>
 </p:sldLayout>
 </file>
 
 <file path=ppt/slideLayouts/slideLayout23.xml><?xml version="1.0" encoding="utf-8"?>
-<p:sldLayout xmlns:a="http://schemas.openxmlformats.org/drawingml/2006/main" xmlns:p="http://schemas.openxmlformats.org/presentationml/2006/main" xmlns:r="http://schemas.openxmlformats.org/officeDocument/2006/relationships" xmlns:p14="http://schemas.microsoft.com/office/powerpoint/2010/main" xmlns:p15="http://schemas.microsoft.com/office/powerpoint/2012/main" xmlns:mc="http://schemas.openxmlformats.org/markup-compatibility/2006" type="fourObj" preserve="1">
+<p:sldLayout xmlns:a="http://schemas.openxmlformats.org/drawingml/2006/main" xmlns:r="http://schemas.openxmlformats.org/officeDocument/2006/relationships" xmlns:p="http://schemas.openxmlformats.org/presentationml/2006/main" type="fourObj" preserve="1">
   <p:cSld name="Title, 4 Content">
     <p:spTree>
       <p:nvGrpSpPr>
@@ -1735,11 +1916,12 @@
           </a:prstGeom>
         </p:spPr>
         <p:txBody>
-          <a:bodyPr lIns="0" rIns="0" tIns="0" bIns="0" anchor="ctr">
+          <a:bodyPr lIns="0" tIns="0" rIns="0" bIns="0" anchor="ctr">
             <a:noAutofit/>
           </a:bodyPr>
-          <a:p>
-            <a:endParaRPr b="0" lang="en-US" sz="1400" spc="-1" strike="noStrike">
+          <a:lstStyle/>
+          <a:p>
+            <a:endParaRPr lang="en-US" sz="1400" b="0" strike="noStrike" spc="-1">
               <a:solidFill>
                 <a:srgbClr val="000000"/>
               </a:solidFill>
@@ -1768,11 +1950,12 @@
           </a:prstGeom>
         </p:spPr>
         <p:txBody>
-          <a:bodyPr lIns="0" rIns="0" tIns="0" bIns="0">
+          <a:bodyPr lIns="0" tIns="0" rIns="0" bIns="0">
             <a:normAutofit/>
           </a:bodyPr>
-          <a:p>
-            <a:endParaRPr b="0" lang="en-US" sz="1400" spc="-1" strike="noStrike">
+          <a:lstStyle/>
+          <a:p>
+            <a:endParaRPr lang="en-US" sz="1400" b="0" strike="noStrike" spc="-1">
               <a:solidFill>
                 <a:srgbClr val="000000"/>
               </a:solidFill>
@@ -1801,11 +1984,12 @@
           </a:prstGeom>
         </p:spPr>
         <p:txBody>
-          <a:bodyPr lIns="0" rIns="0" tIns="0" bIns="0">
+          <a:bodyPr lIns="0" tIns="0" rIns="0" bIns="0">
             <a:normAutofit/>
           </a:bodyPr>
-          <a:p>
-            <a:endParaRPr b="0" lang="en-US" sz="1400" spc="-1" strike="noStrike">
+          <a:lstStyle/>
+          <a:p>
+            <a:endParaRPr lang="en-US" sz="1400" b="0" strike="noStrike" spc="-1">
               <a:solidFill>
                 <a:srgbClr val="000000"/>
               </a:solidFill>
@@ -1834,11 +2018,12 @@
           </a:prstGeom>
         </p:spPr>
         <p:txBody>
-          <a:bodyPr lIns="0" rIns="0" tIns="0" bIns="0">
+          <a:bodyPr lIns="0" tIns="0" rIns="0" bIns="0">
             <a:normAutofit/>
           </a:bodyPr>
-          <a:p>
-            <a:endParaRPr b="0" lang="en-US" sz="1400" spc="-1" strike="noStrike">
+          <a:lstStyle/>
+          <a:p>
+            <a:endParaRPr lang="en-US" sz="1400" b="0" strike="noStrike" spc="-1">
               <a:solidFill>
                 <a:srgbClr val="000000"/>
               </a:solidFill>
@@ -1867,11 +2052,12 @@
           </a:prstGeom>
         </p:spPr>
         <p:txBody>
-          <a:bodyPr lIns="0" rIns="0" tIns="0" bIns="0">
+          <a:bodyPr lIns="0" tIns="0" rIns="0" bIns="0">
             <a:normAutofit/>
           </a:bodyPr>
-          <a:p>
-            <a:endParaRPr b="0" lang="en-US" sz="1400" spc="-1" strike="noStrike">
+          <a:lstStyle/>
+          <a:p>
+            <a:endParaRPr lang="en-US" sz="1400" b="0" strike="noStrike" spc="-1">
               <a:solidFill>
                 <a:srgbClr val="000000"/>
               </a:solidFill>
@@ -1882,11 +2068,14 @@
       </p:sp>
     </p:spTree>
   </p:cSld>
+  <p:clrMapOvr>
+    <a:masterClrMapping/>
+  </p:clrMapOvr>
 </p:sldLayout>
 </file>
 
 <file path=ppt/slideLayouts/slideLayout24.xml><?xml version="1.0" encoding="utf-8"?>
-<p:sldLayout xmlns:a="http://schemas.openxmlformats.org/drawingml/2006/main" xmlns:p="http://schemas.openxmlformats.org/presentationml/2006/main" xmlns:r="http://schemas.openxmlformats.org/officeDocument/2006/relationships" xmlns:p14="http://schemas.microsoft.com/office/powerpoint/2010/main" xmlns:p15="http://schemas.microsoft.com/office/powerpoint/2012/main" xmlns:mc="http://schemas.openxmlformats.org/markup-compatibility/2006" type="blank" preserve="1">
+<p:sldLayout xmlns:a="http://schemas.openxmlformats.org/drawingml/2006/main" xmlns:r="http://schemas.openxmlformats.org/officeDocument/2006/relationships" xmlns:p="http://schemas.openxmlformats.org/presentationml/2006/main" type="blank" preserve="1">
   <p:cSld name="Title, 6 Content">
     <p:spTree>
       <p:nvGrpSpPr>
@@ -1922,11 +2111,12 @@
           </a:prstGeom>
         </p:spPr>
         <p:txBody>
-          <a:bodyPr lIns="0" rIns="0" tIns="0" bIns="0" anchor="ctr">
+          <a:bodyPr lIns="0" tIns="0" rIns="0" bIns="0" anchor="ctr">
             <a:noAutofit/>
           </a:bodyPr>
-          <a:p>
-            <a:endParaRPr b="0" lang="en-US" sz="1400" spc="-1" strike="noStrike">
+          <a:lstStyle/>
+          <a:p>
+            <a:endParaRPr lang="en-US" sz="1400" b="0" strike="noStrike" spc="-1">
               <a:solidFill>
                 <a:srgbClr val="000000"/>
               </a:solidFill>
@@ -1955,11 +2145,12 @@
           </a:prstGeom>
         </p:spPr>
         <p:txBody>
-          <a:bodyPr lIns="0" rIns="0" tIns="0" bIns="0">
+          <a:bodyPr lIns="0" tIns="0" rIns="0" bIns="0">
             <a:normAutofit/>
           </a:bodyPr>
-          <a:p>
-            <a:endParaRPr b="0" lang="en-US" sz="1400" spc="-1" strike="noStrike">
+          <a:lstStyle/>
+          <a:p>
+            <a:endParaRPr lang="en-US" sz="1400" b="0" strike="noStrike" spc="-1">
               <a:solidFill>
                 <a:srgbClr val="000000"/>
               </a:solidFill>
@@ -1988,11 +2179,12 @@
           </a:prstGeom>
         </p:spPr>
         <p:txBody>
-          <a:bodyPr lIns="0" rIns="0" tIns="0" bIns="0">
+          <a:bodyPr lIns="0" tIns="0" rIns="0" bIns="0">
             <a:normAutofit/>
           </a:bodyPr>
-          <a:p>
-            <a:endParaRPr b="0" lang="en-US" sz="1400" spc="-1" strike="noStrike">
+          <a:lstStyle/>
+          <a:p>
+            <a:endParaRPr lang="en-US" sz="1400" b="0" strike="noStrike" spc="-1">
               <a:solidFill>
                 <a:srgbClr val="000000"/>
               </a:solidFill>
@@ -2021,11 +2213,12 @@
           </a:prstGeom>
         </p:spPr>
         <p:txBody>
-          <a:bodyPr lIns="0" rIns="0" tIns="0" bIns="0">
+          <a:bodyPr lIns="0" tIns="0" rIns="0" bIns="0">
             <a:normAutofit/>
           </a:bodyPr>
-          <a:p>
-            <a:endParaRPr b="0" lang="en-US" sz="1400" spc="-1" strike="noStrike">
+          <a:lstStyle/>
+          <a:p>
+            <a:endParaRPr lang="en-US" sz="1400" b="0" strike="noStrike" spc="-1">
               <a:solidFill>
                 <a:srgbClr val="000000"/>
               </a:solidFill>
@@ -2054,11 +2247,12 @@
           </a:prstGeom>
         </p:spPr>
         <p:txBody>
-          <a:bodyPr lIns="0" rIns="0" tIns="0" bIns="0">
+          <a:bodyPr lIns="0" tIns="0" rIns="0" bIns="0">
             <a:normAutofit/>
           </a:bodyPr>
-          <a:p>
-            <a:endParaRPr b="0" lang="en-US" sz="1400" spc="-1" strike="noStrike">
+          <a:lstStyle/>
+          <a:p>
+            <a:endParaRPr lang="en-US" sz="1400" b="0" strike="noStrike" spc="-1">
               <a:solidFill>
                 <a:srgbClr val="000000"/>
               </a:solidFill>
@@ -2087,11 +2281,12 @@
           </a:prstGeom>
         </p:spPr>
         <p:txBody>
-          <a:bodyPr lIns="0" rIns="0" tIns="0" bIns="0">
+          <a:bodyPr lIns="0" tIns="0" rIns="0" bIns="0">
             <a:normAutofit/>
           </a:bodyPr>
-          <a:p>
-            <a:endParaRPr b="0" lang="en-US" sz="1400" spc="-1" strike="noStrike">
+          <a:lstStyle/>
+          <a:p>
+            <a:endParaRPr lang="en-US" sz="1400" b="0" strike="noStrike" spc="-1">
               <a:solidFill>
                 <a:srgbClr val="000000"/>
               </a:solidFill>
@@ -2120,11 +2315,12 @@
           </a:prstGeom>
         </p:spPr>
         <p:txBody>
-          <a:bodyPr lIns="0" rIns="0" tIns="0" bIns="0">
+          <a:bodyPr lIns="0" tIns="0" rIns="0" bIns="0">
             <a:normAutofit/>
           </a:bodyPr>
-          <a:p>
-            <a:endParaRPr b="0" lang="en-US" sz="1400" spc="-1" strike="noStrike">
+          <a:lstStyle/>
+          <a:p>
+            <a:endParaRPr lang="en-US" sz="1400" b="0" strike="noStrike" spc="-1">
               <a:solidFill>
                 <a:srgbClr val="000000"/>
               </a:solidFill>
@@ -2135,11 +2331,14 @@
       </p:sp>
     </p:spTree>
   </p:cSld>
+  <p:clrMapOvr>
+    <a:masterClrMapping/>
+  </p:clrMapOvr>
 </p:sldLayout>
 </file>
 
 <file path=ppt/slideLayouts/slideLayout3.xml><?xml version="1.0" encoding="utf-8"?>
-<p:sldLayout xmlns:a="http://schemas.openxmlformats.org/drawingml/2006/main" xmlns:p="http://schemas.openxmlformats.org/presentationml/2006/main" xmlns:r="http://schemas.openxmlformats.org/officeDocument/2006/relationships" xmlns:p14="http://schemas.microsoft.com/office/powerpoint/2010/main" xmlns:p15="http://schemas.microsoft.com/office/powerpoint/2012/main" xmlns:mc="http://schemas.openxmlformats.org/markup-compatibility/2006" type="obj" preserve="1">
+<p:sldLayout xmlns:a="http://schemas.openxmlformats.org/drawingml/2006/main" xmlns:r="http://schemas.openxmlformats.org/officeDocument/2006/relationships" xmlns:p="http://schemas.openxmlformats.org/presentationml/2006/main" type="obj" preserve="1">
   <p:cSld name="Title, Content">
     <p:spTree>
       <p:nvGrpSpPr>
@@ -2175,11 +2374,12 @@
           </a:prstGeom>
         </p:spPr>
         <p:txBody>
-          <a:bodyPr lIns="0" rIns="0" tIns="0" bIns="0" anchor="ctr">
+          <a:bodyPr lIns="0" tIns="0" rIns="0" bIns="0" anchor="ctr">
             <a:noAutofit/>
           </a:bodyPr>
-          <a:p>
-            <a:endParaRPr b="0" lang="en-US" sz="1400" spc="-1" strike="noStrike">
+          <a:lstStyle/>
+          <a:p>
+            <a:endParaRPr lang="en-US" sz="1400" b="0" strike="noStrike" spc="-1">
               <a:solidFill>
                 <a:srgbClr val="000000"/>
               </a:solidFill>
@@ -2208,11 +2408,12 @@
           </a:prstGeom>
         </p:spPr>
         <p:txBody>
-          <a:bodyPr lIns="0" rIns="0" tIns="0" bIns="0">
+          <a:bodyPr lIns="0" tIns="0" rIns="0" bIns="0">
             <a:normAutofit/>
           </a:bodyPr>
-          <a:p>
-            <a:endParaRPr b="0" lang="en-US" sz="1400" spc="-1" strike="noStrike">
+          <a:lstStyle/>
+          <a:p>
+            <a:endParaRPr lang="en-US" sz="1400" b="0" strike="noStrike" spc="-1">
               <a:solidFill>
                 <a:srgbClr val="000000"/>
               </a:solidFill>
@@ -2223,11 +2424,14 @@
       </p:sp>
     </p:spTree>
   </p:cSld>
+  <p:clrMapOvr>
+    <a:masterClrMapping/>
+  </p:clrMapOvr>
 </p:sldLayout>
 </file>
 
 <file path=ppt/slideLayouts/slideLayout4.xml><?xml version="1.0" encoding="utf-8"?>
-<p:sldLayout xmlns:a="http://schemas.openxmlformats.org/drawingml/2006/main" xmlns:p="http://schemas.openxmlformats.org/presentationml/2006/main" xmlns:r="http://schemas.openxmlformats.org/officeDocument/2006/relationships" xmlns:p14="http://schemas.microsoft.com/office/powerpoint/2010/main" xmlns:p15="http://schemas.microsoft.com/office/powerpoint/2012/main" xmlns:mc="http://schemas.openxmlformats.org/markup-compatibility/2006" type="twoObj" preserve="1">
+<p:sldLayout xmlns:a="http://schemas.openxmlformats.org/drawingml/2006/main" xmlns:r="http://schemas.openxmlformats.org/officeDocument/2006/relationships" xmlns:p="http://schemas.openxmlformats.org/presentationml/2006/main" type="twoObj" preserve="1">
   <p:cSld name="Title, 2 Content">
     <p:spTree>
       <p:nvGrpSpPr>
@@ -2263,11 +2467,12 @@
           </a:prstGeom>
         </p:spPr>
         <p:txBody>
-          <a:bodyPr lIns="0" rIns="0" tIns="0" bIns="0" anchor="ctr">
+          <a:bodyPr lIns="0" tIns="0" rIns="0" bIns="0" anchor="ctr">
             <a:noAutofit/>
           </a:bodyPr>
-          <a:p>
-            <a:endParaRPr b="0" lang="en-US" sz="1400" spc="-1" strike="noStrike">
+          <a:lstStyle/>
+          <a:p>
+            <a:endParaRPr lang="en-US" sz="1400" b="0" strike="noStrike" spc="-1">
               <a:solidFill>
                 <a:srgbClr val="000000"/>
               </a:solidFill>
@@ -2296,11 +2501,12 @@
           </a:prstGeom>
         </p:spPr>
         <p:txBody>
-          <a:bodyPr lIns="0" rIns="0" tIns="0" bIns="0">
+          <a:bodyPr lIns="0" tIns="0" rIns="0" bIns="0">
             <a:normAutofit/>
           </a:bodyPr>
-          <a:p>
-            <a:endParaRPr b="0" lang="en-US" sz="1400" spc="-1" strike="noStrike">
+          <a:lstStyle/>
+          <a:p>
+            <a:endParaRPr lang="en-US" sz="1400" b="0" strike="noStrike" spc="-1">
               <a:solidFill>
                 <a:srgbClr val="000000"/>
               </a:solidFill>
@@ -2329,11 +2535,12 @@
           </a:prstGeom>
         </p:spPr>
         <p:txBody>
-          <a:bodyPr lIns="0" rIns="0" tIns="0" bIns="0">
+          <a:bodyPr lIns="0" tIns="0" rIns="0" bIns="0">
             <a:normAutofit/>
           </a:bodyPr>
-          <a:p>
-            <a:endParaRPr b="0" lang="en-US" sz="1400" spc="-1" strike="noStrike">
+          <a:lstStyle/>
+          <a:p>
+            <a:endParaRPr lang="en-US" sz="1400" b="0" strike="noStrike" spc="-1">
               <a:solidFill>
                 <a:srgbClr val="000000"/>
               </a:solidFill>
@@ -2344,11 +2551,14 @@
       </p:sp>
     </p:spTree>
   </p:cSld>
+  <p:clrMapOvr>
+    <a:masterClrMapping/>
+  </p:clrMapOvr>
 </p:sldLayout>
 </file>
 
 <file path=ppt/slideLayouts/slideLayout5.xml><?xml version="1.0" encoding="utf-8"?>
-<p:sldLayout xmlns:a="http://schemas.openxmlformats.org/drawingml/2006/main" xmlns:p="http://schemas.openxmlformats.org/presentationml/2006/main" xmlns:r="http://schemas.openxmlformats.org/officeDocument/2006/relationships" xmlns:p14="http://schemas.microsoft.com/office/powerpoint/2010/main" xmlns:p15="http://schemas.microsoft.com/office/powerpoint/2012/main" xmlns:mc="http://schemas.openxmlformats.org/markup-compatibility/2006" type="titleOnly" preserve="1">
+<p:sldLayout xmlns:a="http://schemas.openxmlformats.org/drawingml/2006/main" xmlns:r="http://schemas.openxmlformats.org/officeDocument/2006/relationships" xmlns:p="http://schemas.openxmlformats.org/presentationml/2006/main" type="titleOnly" preserve="1">
   <p:cSld name="Title Only">
     <p:spTree>
       <p:nvGrpSpPr>
@@ -2384,11 +2594,12 @@
           </a:prstGeom>
         </p:spPr>
         <p:txBody>
-          <a:bodyPr lIns="0" rIns="0" tIns="0" bIns="0" anchor="ctr">
+          <a:bodyPr lIns="0" tIns="0" rIns="0" bIns="0" anchor="ctr">
             <a:noAutofit/>
           </a:bodyPr>
-          <a:p>
-            <a:endParaRPr b="0" lang="en-US" sz="1400" spc="-1" strike="noStrike">
+          <a:lstStyle/>
+          <a:p>
+            <a:endParaRPr lang="en-US" sz="1400" b="0" strike="noStrike" spc="-1">
               <a:solidFill>
                 <a:srgbClr val="000000"/>
               </a:solidFill>
@@ -2399,11 +2610,14 @@
       </p:sp>
     </p:spTree>
   </p:cSld>
+  <p:clrMapOvr>
+    <a:masterClrMapping/>
+  </p:clrMapOvr>
 </p:sldLayout>
 </file>
 
 <file path=ppt/slideLayouts/slideLayout6.xml><?xml version="1.0" encoding="utf-8"?>
-<p:sldLayout xmlns:a="http://schemas.openxmlformats.org/drawingml/2006/main" xmlns:p="http://schemas.openxmlformats.org/presentationml/2006/main" xmlns:r="http://schemas.openxmlformats.org/officeDocument/2006/relationships" xmlns:p14="http://schemas.microsoft.com/office/powerpoint/2010/main" xmlns:p15="http://schemas.microsoft.com/office/powerpoint/2012/main" xmlns:mc="http://schemas.openxmlformats.org/markup-compatibility/2006" type="objOnly" preserve="1">
+<p:sldLayout xmlns:a="http://schemas.openxmlformats.org/drawingml/2006/main" xmlns:r="http://schemas.openxmlformats.org/officeDocument/2006/relationships" xmlns:p="http://schemas.openxmlformats.org/presentationml/2006/main" type="objOnly" preserve="1">
   <p:cSld name="Centered Text">
     <p:spTree>
       <p:nvGrpSpPr>
@@ -2439,12 +2653,13 @@
           </a:prstGeom>
         </p:spPr>
         <p:txBody>
-          <a:bodyPr lIns="0" rIns="0" tIns="0" bIns="0" anchor="ctr">
+          <a:bodyPr lIns="0" tIns="0" rIns="0" bIns="0" anchor="ctr">
             <a:noAutofit/>
           </a:bodyPr>
+          <a:lstStyle/>
           <a:p>
             <a:pPr algn="ctr"/>
-            <a:endParaRPr b="0" lang="en-US" sz="3200" spc="-1" strike="noStrike">
+            <a:endParaRPr lang="en-US" sz="3200" b="0" strike="noStrike" spc="-1">
               <a:latin typeface="Arial"/>
             </a:endParaRPr>
           </a:p>
@@ -2452,11 +2667,14 @@
       </p:sp>
     </p:spTree>
   </p:cSld>
+  <p:clrMapOvr>
+    <a:masterClrMapping/>
+  </p:clrMapOvr>
 </p:sldLayout>
 </file>
 
 <file path=ppt/slideLayouts/slideLayout7.xml><?xml version="1.0" encoding="utf-8"?>
-<p:sldLayout xmlns:a="http://schemas.openxmlformats.org/drawingml/2006/main" xmlns:p="http://schemas.openxmlformats.org/presentationml/2006/main" xmlns:r="http://schemas.openxmlformats.org/officeDocument/2006/relationships" xmlns:p14="http://schemas.microsoft.com/office/powerpoint/2010/main" xmlns:p15="http://schemas.microsoft.com/office/powerpoint/2012/main" xmlns:mc="http://schemas.openxmlformats.org/markup-compatibility/2006" type="twoObjAndObj" preserve="1">
+<p:sldLayout xmlns:a="http://schemas.openxmlformats.org/drawingml/2006/main" xmlns:r="http://schemas.openxmlformats.org/officeDocument/2006/relationships" xmlns:p="http://schemas.openxmlformats.org/presentationml/2006/main" type="twoObjAndObj" preserve="1">
   <p:cSld name="Title, 2 Content and Content">
     <p:spTree>
       <p:nvGrpSpPr>
@@ -2492,11 +2710,12 @@
           </a:prstGeom>
         </p:spPr>
         <p:txBody>
-          <a:bodyPr lIns="0" rIns="0" tIns="0" bIns="0" anchor="ctr">
+          <a:bodyPr lIns="0" tIns="0" rIns="0" bIns="0" anchor="ctr">
             <a:noAutofit/>
           </a:bodyPr>
-          <a:p>
-            <a:endParaRPr b="0" lang="en-US" sz="1400" spc="-1" strike="noStrike">
+          <a:lstStyle/>
+          <a:p>
+            <a:endParaRPr lang="en-US" sz="1400" b="0" strike="noStrike" spc="-1">
               <a:solidFill>
                 <a:srgbClr val="000000"/>
               </a:solidFill>
@@ -2525,11 +2744,12 @@
           </a:prstGeom>
         </p:spPr>
         <p:txBody>
-          <a:bodyPr lIns="0" rIns="0" tIns="0" bIns="0">
+          <a:bodyPr lIns="0" tIns="0" rIns="0" bIns="0">
             <a:normAutofit/>
           </a:bodyPr>
-          <a:p>
-            <a:endParaRPr b="0" lang="en-US" sz="1400" spc="-1" strike="noStrike">
+          <a:lstStyle/>
+          <a:p>
+            <a:endParaRPr lang="en-US" sz="1400" b="0" strike="noStrike" spc="-1">
               <a:solidFill>
                 <a:srgbClr val="000000"/>
               </a:solidFill>
@@ -2558,11 +2778,12 @@
           </a:prstGeom>
         </p:spPr>
         <p:txBody>
-          <a:bodyPr lIns="0" rIns="0" tIns="0" bIns="0">
+          <a:bodyPr lIns="0" tIns="0" rIns="0" bIns="0">
             <a:normAutofit/>
           </a:bodyPr>
-          <a:p>
-            <a:endParaRPr b="0" lang="en-US" sz="1400" spc="-1" strike="noStrike">
+          <a:lstStyle/>
+          <a:p>
+            <a:endParaRPr lang="en-US" sz="1400" b="0" strike="noStrike" spc="-1">
               <a:solidFill>
                 <a:srgbClr val="000000"/>
               </a:solidFill>
@@ -2591,11 +2812,12 @@
           </a:prstGeom>
         </p:spPr>
         <p:txBody>
-          <a:bodyPr lIns="0" rIns="0" tIns="0" bIns="0">
+          <a:bodyPr lIns="0" tIns="0" rIns="0" bIns="0">
             <a:normAutofit/>
           </a:bodyPr>
-          <a:p>
-            <a:endParaRPr b="0" lang="en-US" sz="1400" spc="-1" strike="noStrike">
+          <a:lstStyle/>
+          <a:p>
+            <a:endParaRPr lang="en-US" sz="1400" b="0" strike="noStrike" spc="-1">
               <a:solidFill>
                 <a:srgbClr val="000000"/>
               </a:solidFill>
@@ -2606,11 +2828,14 @@
       </p:sp>
     </p:spTree>
   </p:cSld>
+  <p:clrMapOvr>
+    <a:masterClrMapping/>
+  </p:clrMapOvr>
 </p:sldLayout>
 </file>
 
 <file path=ppt/slideLayouts/slideLayout8.xml><?xml version="1.0" encoding="utf-8"?>
-<p:sldLayout xmlns:a="http://schemas.openxmlformats.org/drawingml/2006/main" xmlns:p="http://schemas.openxmlformats.org/presentationml/2006/main" xmlns:r="http://schemas.openxmlformats.org/officeDocument/2006/relationships" xmlns:p14="http://schemas.microsoft.com/office/powerpoint/2010/main" xmlns:p15="http://schemas.microsoft.com/office/powerpoint/2012/main" xmlns:mc="http://schemas.openxmlformats.org/markup-compatibility/2006" type="objAndTwoObj" preserve="1">
+<p:sldLayout xmlns:a="http://schemas.openxmlformats.org/drawingml/2006/main" xmlns:r="http://schemas.openxmlformats.org/officeDocument/2006/relationships" xmlns:p="http://schemas.openxmlformats.org/presentationml/2006/main" type="objAndTwoObj" preserve="1">
   <p:cSld name="Title Content and 2 Content">
     <p:spTree>
       <p:nvGrpSpPr>
@@ -2646,11 +2871,12 @@
           </a:prstGeom>
         </p:spPr>
         <p:txBody>
-          <a:bodyPr lIns="0" rIns="0" tIns="0" bIns="0" anchor="ctr">
+          <a:bodyPr lIns="0" tIns="0" rIns="0" bIns="0" anchor="ctr">
             <a:noAutofit/>
           </a:bodyPr>
-          <a:p>
-            <a:endParaRPr b="0" lang="en-US" sz="1400" spc="-1" strike="noStrike">
+          <a:lstStyle/>
+          <a:p>
+            <a:endParaRPr lang="en-US" sz="1400" b="0" strike="noStrike" spc="-1">
               <a:solidFill>
                 <a:srgbClr val="000000"/>
               </a:solidFill>
@@ -2679,11 +2905,12 @@
           </a:prstGeom>
         </p:spPr>
         <p:txBody>
-          <a:bodyPr lIns="0" rIns="0" tIns="0" bIns="0">
+          <a:bodyPr lIns="0" tIns="0" rIns="0" bIns="0">
             <a:normAutofit/>
           </a:bodyPr>
-          <a:p>
-            <a:endParaRPr b="0" lang="en-US" sz="1400" spc="-1" strike="noStrike">
+          <a:lstStyle/>
+          <a:p>
+            <a:endParaRPr lang="en-US" sz="1400" b="0" strike="noStrike" spc="-1">
               <a:solidFill>
                 <a:srgbClr val="000000"/>
               </a:solidFill>
@@ -2712,11 +2939,12 @@
           </a:prstGeom>
         </p:spPr>
         <p:txBody>
-          <a:bodyPr lIns="0" rIns="0" tIns="0" bIns="0">
+          <a:bodyPr lIns="0" tIns="0" rIns="0" bIns="0">
             <a:normAutofit/>
           </a:bodyPr>
-          <a:p>
-            <a:endParaRPr b="0" lang="en-US" sz="1400" spc="-1" strike="noStrike">
+          <a:lstStyle/>
+          <a:p>
+            <a:endParaRPr lang="en-US" sz="1400" b="0" strike="noStrike" spc="-1">
               <a:solidFill>
                 <a:srgbClr val="000000"/>
               </a:solidFill>
@@ -2745,11 +2973,12 @@
           </a:prstGeom>
         </p:spPr>
         <p:txBody>
-          <a:bodyPr lIns="0" rIns="0" tIns="0" bIns="0">
+          <a:bodyPr lIns="0" tIns="0" rIns="0" bIns="0">
             <a:normAutofit/>
           </a:bodyPr>
-          <a:p>
-            <a:endParaRPr b="0" lang="en-US" sz="1400" spc="-1" strike="noStrike">
+          <a:lstStyle/>
+          <a:p>
+            <a:endParaRPr lang="en-US" sz="1400" b="0" strike="noStrike" spc="-1">
               <a:solidFill>
                 <a:srgbClr val="000000"/>
               </a:solidFill>
@@ -2760,11 +2989,14 @@
       </p:sp>
     </p:spTree>
   </p:cSld>
+  <p:clrMapOvr>
+    <a:masterClrMapping/>
+  </p:clrMapOvr>
 </p:sldLayout>
 </file>
 
 <file path=ppt/slideLayouts/slideLayout9.xml><?xml version="1.0" encoding="utf-8"?>
-<p:sldLayout xmlns:a="http://schemas.openxmlformats.org/drawingml/2006/main" xmlns:p="http://schemas.openxmlformats.org/presentationml/2006/main" xmlns:r="http://schemas.openxmlformats.org/officeDocument/2006/relationships" xmlns:p14="http://schemas.microsoft.com/office/powerpoint/2010/main" xmlns:p15="http://schemas.microsoft.com/office/powerpoint/2012/main" xmlns:mc="http://schemas.openxmlformats.org/markup-compatibility/2006" type="twoObjOverTx" preserve="1">
+<p:sldLayout xmlns:a="http://schemas.openxmlformats.org/drawingml/2006/main" xmlns:r="http://schemas.openxmlformats.org/officeDocument/2006/relationships" xmlns:p="http://schemas.openxmlformats.org/presentationml/2006/main" type="twoObjOverTx" preserve="1">
   <p:cSld name="Title, 2 Content over Content">
     <p:spTree>
       <p:nvGrpSpPr>
@@ -2800,11 +3032,12 @@
           </a:prstGeom>
         </p:spPr>
         <p:txBody>
-          <a:bodyPr lIns="0" rIns="0" tIns="0" bIns="0" anchor="ctr">
+          <a:bodyPr lIns="0" tIns="0" rIns="0" bIns="0" anchor="ctr">
             <a:noAutofit/>
           </a:bodyPr>
-          <a:p>
-            <a:endParaRPr b="0" lang="en-US" sz="1400" spc="-1" strike="noStrike">
+          <a:lstStyle/>
+          <a:p>
+            <a:endParaRPr lang="en-US" sz="1400" b="0" strike="noStrike" spc="-1">
               <a:solidFill>
                 <a:srgbClr val="000000"/>
               </a:solidFill>
@@ -2833,11 +3066,12 @@
           </a:prstGeom>
         </p:spPr>
         <p:txBody>
-          <a:bodyPr lIns="0" rIns="0" tIns="0" bIns="0">
+          <a:bodyPr lIns="0" tIns="0" rIns="0" bIns="0">
             <a:normAutofit/>
           </a:bodyPr>
-          <a:p>
-            <a:endParaRPr b="0" lang="en-US" sz="1400" spc="-1" strike="noStrike">
+          <a:lstStyle/>
+          <a:p>
+            <a:endParaRPr lang="en-US" sz="1400" b="0" strike="noStrike" spc="-1">
               <a:solidFill>
                 <a:srgbClr val="000000"/>
               </a:solidFill>
@@ -2866,11 +3100,12 @@
           </a:prstGeom>
         </p:spPr>
         <p:txBody>
-          <a:bodyPr lIns="0" rIns="0" tIns="0" bIns="0">
+          <a:bodyPr lIns="0" tIns="0" rIns="0" bIns="0">
             <a:normAutofit/>
           </a:bodyPr>
-          <a:p>
-            <a:endParaRPr b="0" lang="en-US" sz="1400" spc="-1" strike="noStrike">
+          <a:lstStyle/>
+          <a:p>
+            <a:endParaRPr lang="en-US" sz="1400" b="0" strike="noStrike" spc="-1">
               <a:solidFill>
                 <a:srgbClr val="000000"/>
               </a:solidFill>
@@ -2899,11 +3134,12 @@
           </a:prstGeom>
         </p:spPr>
         <p:txBody>
-          <a:bodyPr lIns="0" rIns="0" tIns="0" bIns="0">
+          <a:bodyPr lIns="0" tIns="0" rIns="0" bIns="0">
             <a:normAutofit/>
           </a:bodyPr>
-          <a:p>
-            <a:endParaRPr b="0" lang="en-US" sz="1400" spc="-1" strike="noStrike">
+          <a:lstStyle/>
+          <a:p>
+            <a:endParaRPr lang="en-US" sz="1400" b="0" strike="noStrike" spc="-1">
               <a:solidFill>
                 <a:srgbClr val="000000"/>
               </a:solidFill>
@@ -2914,17 +3150,21 @@
       </p:sp>
     </p:spTree>
   </p:cSld>
+  <p:clrMapOvr>
+    <a:masterClrMapping/>
+  </p:clrMapOvr>
 </p:sldLayout>
 </file>
 
 <file path=ppt/slideMasters/slideMaster1.xml><?xml version="1.0" encoding="utf-8"?>
-<p:sldMaster xmlns:a="http://schemas.openxmlformats.org/drawingml/2006/main" xmlns:p="http://schemas.openxmlformats.org/presentationml/2006/main" xmlns:r="http://schemas.openxmlformats.org/officeDocument/2006/relationships" xmlns:p14="http://schemas.microsoft.com/office/powerpoint/2010/main" xmlns:p15="http://schemas.microsoft.com/office/powerpoint/2012/main" xmlns:mc="http://schemas.openxmlformats.org/markup-compatibility/2006">
+<p:sldMaster xmlns:a="http://schemas.openxmlformats.org/drawingml/2006/main" xmlns:r="http://schemas.openxmlformats.org/officeDocument/2006/relationships" xmlns:p="http://schemas.openxmlformats.org/presentationml/2006/main">
   <p:cSld>
     <p:bg>
       <p:bgPr>
         <a:solidFill>
           <a:srgbClr val="212121"/>
         </a:solidFill>
+        <a:effectLst/>
       </p:bgPr>
     </p:bg>
     <p:spTree>
@@ -2943,7 +3183,7 @@
       </p:grpSpPr>
       <p:sp>
         <p:nvSpPr>
-          <p:cNvPr id="0" name="PlaceHolder 1"/>
+          <p:cNvPr id="3" name="PlaceHolder 1"/>
           <p:cNvSpPr>
             <a:spLocks noGrp="1"/>
           </p:cNvSpPr>
@@ -2964,37 +3204,23 @@
           <a:bodyPr tIns="91440" bIns="91440" anchor="b">
             <a:noAutofit/>
           </a:bodyPr>
-          <a:p>
-            <a:r>
-              <a:rPr b="0" lang="en-US" sz="5200" spc="-1" strike="noStrike">
+          <a:lstStyle/>
+          <a:p>
+            <a:r>
+              <a:rPr lang="en-US" sz="5200" b="0" strike="noStrike" spc="-1">
                 <a:solidFill>
                   <a:srgbClr val="000000"/>
                 </a:solidFill>
                 <a:latin typeface="Arial"/>
               </a:rPr>
-              <a:t>Click to edit the title text </a:t>
-            </a:r>
-            <a:r>
-              <a:rPr b="0" lang="en-US" sz="5200" spc="-1" strike="noStrike">
-                <a:solidFill>
-                  <a:srgbClr val="000000"/>
-                </a:solidFill>
-                <a:latin typeface="Arial"/>
-              </a:rPr>
-              <a:t>format</a:t>
-            </a:r>
-            <a:endParaRPr b="0" lang="en-US" sz="5200" spc="-1" strike="noStrike">
-              <a:solidFill>
-                <a:srgbClr val="000000"/>
-              </a:solidFill>
-              <a:latin typeface="Arial"/>
-            </a:endParaRPr>
-          </a:p>
-        </p:txBody>
-      </p:sp>
-      <p:sp>
-        <p:nvSpPr>
-          <p:cNvPr id="1" name="PlaceHolder 2"/>
+              <a:t>Click to edit the title text format</a:t>
+            </a:r>
+          </a:p>
+        </p:txBody>
+      </p:sp>
+      <p:sp>
+        <p:nvSpPr>
+          <p:cNvPr id="4" name="PlaceHolder 2"/>
           <p:cNvSpPr>
             <a:spLocks noGrp="1"/>
           </p:cNvSpPr>
@@ -3015,6 +3241,7 @@
           <a:bodyPr tIns="91440" bIns="91440" anchor="ctr">
             <a:noAutofit/>
           </a:bodyPr>
+          <a:lstStyle/>
           <a:p>
             <a:pPr algn="r">
               <a:lnSpc>
@@ -3022,16 +3249,16 @@
               </a:lnSpc>
             </a:pPr>
             <a:fld id="{873F6490-94DC-4F81-89C4-3658426363EA}" type="slidenum">
-              <a:rPr b="0" lang="en-US" sz="1000" spc="-1" strike="noStrike">
-                <a:solidFill>
-                  <a:srgbClr val="adadad"/>
+              <a:rPr lang="en-US" sz="1000" b="0" strike="noStrike" spc="-1">
+                <a:solidFill>
+                  <a:srgbClr val="ADADAD"/>
                 </a:solidFill>
                 <a:latin typeface="Arial"/>
                 <a:ea typeface="Arial"/>
               </a:rPr>
-              <a:t>2</a:t>
+              <a:t>‹N›</a:t>
             </a:fld>
-            <a:endParaRPr b="0" lang="en-US" sz="1000" spc="-1" strike="noStrike">
+            <a:endParaRPr lang="en-US" sz="1000" b="0" strike="noStrike" spc="-1">
               <a:latin typeface="Times New Roman"/>
             </a:endParaRPr>
           </a:p>
@@ -3057,23 +3284,24 @@
           </a:prstGeom>
         </p:spPr>
         <p:txBody>
-          <a:bodyPr lIns="0" rIns="0" tIns="0" bIns="0">
+          <a:bodyPr lIns="0" tIns="0" rIns="0" bIns="0">
             <a:normAutofit/>
           </a:bodyPr>
+          <a:lstStyle/>
           <a:p>
             <a:pPr marL="432000" indent="-324000">
               <a:spcBef>
                 <a:spcPts val="1417"/>
               </a:spcBef>
               <a:buClr>
-                <a:srgbClr val="ffffff"/>
+                <a:srgbClr val="FFFFFF"/>
               </a:buClr>
               <a:buSzPct val="45000"/>
               <a:buFont typeface="Wingdings" charset="2"/>
               <a:buChar char=""/>
             </a:pPr>
             <a:r>
-              <a:rPr b="0" lang="en-US" sz="1400" spc="-1" strike="noStrike">
+              <a:rPr lang="en-US" sz="1400" b="0" strike="noStrike" spc="-1">
                 <a:solidFill>
                   <a:srgbClr val="000000"/>
                 </a:solidFill>
@@ -3081,27 +3309,21 @@
               </a:rPr>
               <a:t>Click to edit the outline text format</a:t>
             </a:r>
-            <a:endParaRPr b="0" lang="en-US" sz="1400" spc="-1" strike="noStrike">
-              <a:solidFill>
-                <a:srgbClr val="000000"/>
-              </a:solidFill>
-              <a:latin typeface="Arial"/>
-            </a:endParaRPr>
-          </a:p>
-          <a:p>
-            <a:pPr lvl="1" marL="864000" indent="-324000">
+          </a:p>
+          <a:p>
+            <a:pPr marL="864000" lvl="1" indent="-324000">
               <a:spcBef>
                 <a:spcPts val="1134"/>
               </a:spcBef>
               <a:buClr>
-                <a:srgbClr val="ffffff"/>
+                <a:srgbClr val="FFFFFF"/>
               </a:buClr>
               <a:buSzPct val="75000"/>
               <a:buFont typeface="Symbol" charset="2"/>
               <a:buChar char=""/>
             </a:pPr>
             <a:r>
-              <a:rPr b="0" lang="en-US" sz="1400" spc="-1" strike="noStrike">
+              <a:rPr lang="en-US" sz="1400" b="0" strike="noStrike" spc="-1">
                 <a:solidFill>
                   <a:srgbClr val="000000"/>
                 </a:solidFill>
@@ -3109,27 +3331,21 @@
               </a:rPr>
               <a:t>Second Outline Level</a:t>
             </a:r>
-            <a:endParaRPr b="0" lang="en-US" sz="1400" spc="-1" strike="noStrike">
-              <a:solidFill>
-                <a:srgbClr val="000000"/>
-              </a:solidFill>
-              <a:latin typeface="Arial"/>
-            </a:endParaRPr>
-          </a:p>
-          <a:p>
-            <a:pPr lvl="2" marL="1296000" indent="-288000">
+          </a:p>
+          <a:p>
+            <a:pPr marL="1296000" lvl="2" indent="-288000">
               <a:spcBef>
                 <a:spcPts val="850"/>
               </a:spcBef>
               <a:buClr>
-                <a:srgbClr val="ffffff"/>
+                <a:srgbClr val="FFFFFF"/>
               </a:buClr>
               <a:buSzPct val="45000"/>
               <a:buFont typeface="Wingdings" charset="2"/>
               <a:buChar char=""/>
             </a:pPr>
             <a:r>
-              <a:rPr b="0" lang="en-US" sz="1400" spc="-1" strike="noStrike">
+              <a:rPr lang="en-US" sz="1400" b="0" strike="noStrike" spc="-1">
                 <a:solidFill>
                   <a:srgbClr val="000000"/>
                 </a:solidFill>
@@ -3137,27 +3353,21 @@
               </a:rPr>
               <a:t>Third Outline Level</a:t>
             </a:r>
-            <a:endParaRPr b="0" lang="en-US" sz="1400" spc="-1" strike="noStrike">
-              <a:solidFill>
-                <a:srgbClr val="000000"/>
-              </a:solidFill>
-              <a:latin typeface="Arial"/>
-            </a:endParaRPr>
-          </a:p>
-          <a:p>
-            <a:pPr lvl="3" marL="1728000" indent="-216000">
+          </a:p>
+          <a:p>
+            <a:pPr marL="1728000" lvl="3" indent="-216000">
               <a:spcBef>
                 <a:spcPts val="567"/>
               </a:spcBef>
               <a:buClr>
-                <a:srgbClr val="ffffff"/>
+                <a:srgbClr val="FFFFFF"/>
               </a:buClr>
               <a:buSzPct val="75000"/>
               <a:buFont typeface="Symbol" charset="2"/>
               <a:buChar char=""/>
             </a:pPr>
             <a:r>
-              <a:rPr b="0" lang="en-US" sz="1400" spc="-1" strike="noStrike">
+              <a:rPr lang="en-US" sz="1400" b="0" strike="noStrike" spc="-1">
                 <a:solidFill>
                   <a:srgbClr val="000000"/>
                 </a:solidFill>
@@ -3165,27 +3375,21 @@
               </a:rPr>
               <a:t>Fourth Outline Level</a:t>
             </a:r>
-            <a:endParaRPr b="0" lang="en-US" sz="1400" spc="-1" strike="noStrike">
-              <a:solidFill>
-                <a:srgbClr val="000000"/>
-              </a:solidFill>
-              <a:latin typeface="Arial"/>
-            </a:endParaRPr>
-          </a:p>
-          <a:p>
-            <a:pPr lvl="4" marL="2160000" indent="-216000">
+          </a:p>
+          <a:p>
+            <a:pPr marL="2160000" lvl="4" indent="-216000">
               <a:spcBef>
                 <a:spcPts val="283"/>
               </a:spcBef>
               <a:buClr>
-                <a:srgbClr val="ffffff"/>
+                <a:srgbClr val="FFFFFF"/>
               </a:buClr>
               <a:buSzPct val="45000"/>
               <a:buFont typeface="Wingdings" charset="2"/>
               <a:buChar char=""/>
             </a:pPr>
             <a:r>
-              <a:rPr b="0" lang="en-US" sz="2000" spc="-1" strike="noStrike">
+              <a:rPr lang="en-US" sz="2000" b="0" strike="noStrike" spc="-1">
                 <a:solidFill>
                   <a:srgbClr val="000000"/>
                 </a:solidFill>
@@ -3193,27 +3397,21 @@
               </a:rPr>
               <a:t>Fifth Outline Level</a:t>
             </a:r>
-            <a:endParaRPr b="0" lang="en-US" sz="2000" spc="-1" strike="noStrike">
-              <a:solidFill>
-                <a:srgbClr val="000000"/>
-              </a:solidFill>
-              <a:latin typeface="Arial"/>
-            </a:endParaRPr>
-          </a:p>
-          <a:p>
-            <a:pPr lvl="5" marL="2592000" indent="-216000">
+          </a:p>
+          <a:p>
+            <a:pPr marL="2592000" lvl="5" indent="-216000">
               <a:spcBef>
                 <a:spcPts val="283"/>
               </a:spcBef>
               <a:buClr>
-                <a:srgbClr val="ffffff"/>
+                <a:srgbClr val="FFFFFF"/>
               </a:buClr>
               <a:buSzPct val="45000"/>
               <a:buFont typeface="Wingdings" charset="2"/>
               <a:buChar char=""/>
             </a:pPr>
             <a:r>
-              <a:rPr b="0" lang="en-US" sz="2000" spc="-1" strike="noStrike">
+              <a:rPr lang="en-US" sz="2000" b="0" strike="noStrike" spc="-1">
                 <a:solidFill>
                   <a:srgbClr val="000000"/>
                 </a:solidFill>
@@ -3221,27 +3419,21 @@
               </a:rPr>
               <a:t>Sixth Outline Level</a:t>
             </a:r>
-            <a:endParaRPr b="0" lang="en-US" sz="2000" spc="-1" strike="noStrike">
-              <a:solidFill>
-                <a:srgbClr val="000000"/>
-              </a:solidFill>
-              <a:latin typeface="Arial"/>
-            </a:endParaRPr>
-          </a:p>
-          <a:p>
-            <a:pPr lvl="6" marL="3024000" indent="-216000">
+          </a:p>
+          <a:p>
+            <a:pPr marL="3024000" lvl="6" indent="-216000">
               <a:spcBef>
                 <a:spcPts val="283"/>
               </a:spcBef>
               <a:buClr>
-                <a:srgbClr val="ffffff"/>
+                <a:srgbClr val="FFFFFF"/>
               </a:buClr>
               <a:buSzPct val="45000"/>
               <a:buFont typeface="Wingdings" charset="2"/>
               <a:buChar char=""/>
             </a:pPr>
             <a:r>
-              <a:rPr b="0" lang="en-US" sz="2000" spc="-1" strike="noStrike">
+              <a:rPr lang="en-US" sz="2000" b="0" strike="noStrike" spc="-1">
                 <a:solidFill>
                   <a:srgbClr val="000000"/>
                 </a:solidFill>
@@ -3249,43 +3441,318 @@
               </a:rPr>
               <a:t>Seventh Outline Level</a:t>
             </a:r>
-            <a:endParaRPr b="0" lang="en-US" sz="2000" spc="-1" strike="noStrike">
-              <a:solidFill>
-                <a:srgbClr val="000000"/>
-              </a:solidFill>
-              <a:latin typeface="Arial"/>
-            </a:endParaRPr>
           </a:p>
         </p:txBody>
       </p:sp>
     </p:spTree>
   </p:cSld>
-  <p:clrMap bg1="lt1" bg2="lt2" tx1="dk1" tx2="dk2" accent1="accent1" accent2="accent2" accent3="accent3" accent4="accent4" accent5="accent5" accent6="accent6" hlink="hlink" folHlink="folHlink"/>
+  <p:clrMap bg1="lt1" tx1="dk1" bg2="lt2" tx2="dk2" accent1="accent1" accent2="accent2" accent3="accent3" accent4="accent4" accent5="accent5" accent6="accent6" hlink="hlink" folHlink="folHlink"/>
   <p:sldLayoutIdLst>
-    <p:sldLayoutId id="2147483649" r:id="rId2"/>
-    <p:sldLayoutId id="2147483650" r:id="rId3"/>
-    <p:sldLayoutId id="2147483651" r:id="rId4"/>
-    <p:sldLayoutId id="2147483652" r:id="rId5"/>
-    <p:sldLayoutId id="2147483653" r:id="rId6"/>
-    <p:sldLayoutId id="2147483654" r:id="rId7"/>
-    <p:sldLayoutId id="2147483655" r:id="rId8"/>
-    <p:sldLayoutId id="2147483656" r:id="rId9"/>
-    <p:sldLayoutId id="2147483657" r:id="rId10"/>
-    <p:sldLayoutId id="2147483658" r:id="rId11"/>
-    <p:sldLayoutId id="2147483659" r:id="rId12"/>
-    <p:sldLayoutId id="2147483660" r:id="rId13"/>
+    <p:sldLayoutId id="2147483649" r:id="rId1"/>
+    <p:sldLayoutId id="2147483650" r:id="rId2"/>
+    <p:sldLayoutId id="2147483651" r:id="rId3"/>
+    <p:sldLayoutId id="2147483652" r:id="rId4"/>
+    <p:sldLayoutId id="2147483653" r:id="rId5"/>
+    <p:sldLayoutId id="2147483654" r:id="rId6"/>
+    <p:sldLayoutId id="2147483655" r:id="rId7"/>
+    <p:sldLayoutId id="2147483656" r:id="rId8"/>
+    <p:sldLayoutId id="2147483657" r:id="rId9"/>
+    <p:sldLayoutId id="2147483658" r:id="rId10"/>
+    <p:sldLayoutId id="2147483659" r:id="rId11"/>
+    <p:sldLayoutId id="2147483660" r:id="rId12"/>
   </p:sldLayoutIdLst>
+  <p:txStyles>
+    <p:titleStyle>
+      <a:lvl1pPr algn="l" defTabSz="914400" rtl="0" eaLnBrk="1" latinLnBrk="0" hangingPunct="1">
+        <a:lnSpc>
+          <a:spcPct val="90000"/>
+        </a:lnSpc>
+        <a:spcBef>
+          <a:spcPct val="0"/>
+        </a:spcBef>
+        <a:buNone/>
+        <a:defRPr sz="4400" kern="1200">
+          <a:solidFill>
+            <a:schemeClr val="tx1"/>
+          </a:solidFill>
+          <a:latin typeface="+mj-lt"/>
+          <a:ea typeface="+mj-ea"/>
+          <a:cs typeface="+mj-cs"/>
+        </a:defRPr>
+      </a:lvl1pPr>
+    </p:titleStyle>
+    <p:bodyStyle>
+      <a:lvl1pPr marL="228600" indent="-228600" algn="l" defTabSz="914400" rtl="0" eaLnBrk="1" latinLnBrk="0" hangingPunct="1">
+        <a:lnSpc>
+          <a:spcPct val="90000"/>
+        </a:lnSpc>
+        <a:spcBef>
+          <a:spcPts val="1000"/>
+        </a:spcBef>
+        <a:buFont typeface="Arial" panose="020B0604020202020204" pitchFamily="34" charset="0"/>
+        <a:buChar char="•"/>
+        <a:defRPr sz="2800" kern="1200">
+          <a:solidFill>
+            <a:schemeClr val="tx1"/>
+          </a:solidFill>
+          <a:latin typeface="+mn-lt"/>
+          <a:ea typeface="+mn-ea"/>
+          <a:cs typeface="+mn-cs"/>
+        </a:defRPr>
+      </a:lvl1pPr>
+      <a:lvl2pPr marL="685800" indent="-228600" algn="l" defTabSz="914400" rtl="0" eaLnBrk="1" latinLnBrk="0" hangingPunct="1">
+        <a:lnSpc>
+          <a:spcPct val="90000"/>
+        </a:lnSpc>
+        <a:spcBef>
+          <a:spcPts val="500"/>
+        </a:spcBef>
+        <a:buFont typeface="Arial" panose="020B0604020202020204" pitchFamily="34" charset="0"/>
+        <a:buChar char="•"/>
+        <a:defRPr sz="2400" kern="1200">
+          <a:solidFill>
+            <a:schemeClr val="tx1"/>
+          </a:solidFill>
+          <a:latin typeface="+mn-lt"/>
+          <a:ea typeface="+mn-ea"/>
+          <a:cs typeface="+mn-cs"/>
+        </a:defRPr>
+      </a:lvl2pPr>
+      <a:lvl3pPr marL="1143000" indent="-228600" algn="l" defTabSz="914400" rtl="0" eaLnBrk="1" latinLnBrk="0" hangingPunct="1">
+        <a:lnSpc>
+          <a:spcPct val="90000"/>
+        </a:lnSpc>
+        <a:spcBef>
+          <a:spcPts val="500"/>
+        </a:spcBef>
+        <a:buFont typeface="Arial" panose="020B0604020202020204" pitchFamily="34" charset="0"/>
+        <a:buChar char="•"/>
+        <a:defRPr sz="2000" kern="1200">
+          <a:solidFill>
+            <a:schemeClr val="tx1"/>
+          </a:solidFill>
+          <a:latin typeface="+mn-lt"/>
+          <a:ea typeface="+mn-ea"/>
+          <a:cs typeface="+mn-cs"/>
+        </a:defRPr>
+      </a:lvl3pPr>
+      <a:lvl4pPr marL="1600200" indent="-228600" algn="l" defTabSz="914400" rtl="0" eaLnBrk="1" latinLnBrk="0" hangingPunct="1">
+        <a:lnSpc>
+          <a:spcPct val="90000"/>
+        </a:lnSpc>
+        <a:spcBef>
+          <a:spcPts val="500"/>
+        </a:spcBef>
+        <a:buFont typeface="Arial" panose="020B0604020202020204" pitchFamily="34" charset="0"/>
+        <a:buChar char="•"/>
+        <a:defRPr sz="1800" kern="1200">
+          <a:solidFill>
+            <a:schemeClr val="tx1"/>
+          </a:solidFill>
+          <a:latin typeface="+mn-lt"/>
+          <a:ea typeface="+mn-ea"/>
+          <a:cs typeface="+mn-cs"/>
+        </a:defRPr>
+      </a:lvl4pPr>
+      <a:lvl5pPr marL="2057400" indent="-228600" algn="l" defTabSz="914400" rtl="0" eaLnBrk="1" latinLnBrk="0" hangingPunct="1">
+        <a:lnSpc>
+          <a:spcPct val="90000"/>
+        </a:lnSpc>
+        <a:spcBef>
+          <a:spcPts val="500"/>
+        </a:spcBef>
+        <a:buFont typeface="Arial" panose="020B0604020202020204" pitchFamily="34" charset="0"/>
+        <a:buChar char="•"/>
+        <a:defRPr sz="1800" kern="1200">
+          <a:solidFill>
+            <a:schemeClr val="tx1"/>
+          </a:solidFill>
+          <a:latin typeface="+mn-lt"/>
+          <a:ea typeface="+mn-ea"/>
+          <a:cs typeface="+mn-cs"/>
+        </a:defRPr>
+      </a:lvl5pPr>
+      <a:lvl6pPr marL="2514600" indent="-228600" algn="l" defTabSz="914400" rtl="0" eaLnBrk="1" latinLnBrk="0" hangingPunct="1">
+        <a:lnSpc>
+          <a:spcPct val="90000"/>
+        </a:lnSpc>
+        <a:spcBef>
+          <a:spcPts val="500"/>
+        </a:spcBef>
+        <a:buFont typeface="Arial" panose="020B0604020202020204" pitchFamily="34" charset="0"/>
+        <a:buChar char="•"/>
+        <a:defRPr sz="1800" kern="1200">
+          <a:solidFill>
+            <a:schemeClr val="tx1"/>
+          </a:solidFill>
+          <a:latin typeface="+mn-lt"/>
+          <a:ea typeface="+mn-ea"/>
+          <a:cs typeface="+mn-cs"/>
+        </a:defRPr>
+      </a:lvl6pPr>
+      <a:lvl7pPr marL="2971800" indent="-228600" algn="l" defTabSz="914400" rtl="0" eaLnBrk="1" latinLnBrk="0" hangingPunct="1">
+        <a:lnSpc>
+          <a:spcPct val="90000"/>
+        </a:lnSpc>
+        <a:spcBef>
+          <a:spcPts val="500"/>
+        </a:spcBef>
+        <a:buFont typeface="Arial" panose="020B0604020202020204" pitchFamily="34" charset="0"/>
+        <a:buChar char="•"/>
+        <a:defRPr sz="1800" kern="1200">
+          <a:solidFill>
+            <a:schemeClr val="tx1"/>
+          </a:solidFill>
+          <a:latin typeface="+mn-lt"/>
+          <a:ea typeface="+mn-ea"/>
+          <a:cs typeface="+mn-cs"/>
+        </a:defRPr>
+      </a:lvl7pPr>
+      <a:lvl8pPr marL="3429000" indent="-228600" algn="l" defTabSz="914400" rtl="0" eaLnBrk="1" latinLnBrk="0" hangingPunct="1">
+        <a:lnSpc>
+          <a:spcPct val="90000"/>
+        </a:lnSpc>
+        <a:spcBef>
+          <a:spcPts val="500"/>
+        </a:spcBef>
+        <a:buFont typeface="Arial" panose="020B0604020202020204" pitchFamily="34" charset="0"/>
+        <a:buChar char="•"/>
+        <a:defRPr sz="1800" kern="1200">
+          <a:solidFill>
+            <a:schemeClr val="tx1"/>
+          </a:solidFill>
+          <a:latin typeface="+mn-lt"/>
+          <a:ea typeface="+mn-ea"/>
+          <a:cs typeface="+mn-cs"/>
+        </a:defRPr>
+      </a:lvl8pPr>
+      <a:lvl9pPr marL="3886200" indent="-228600" algn="l" defTabSz="914400" rtl="0" eaLnBrk="1" latinLnBrk="0" hangingPunct="1">
+        <a:lnSpc>
+          <a:spcPct val="90000"/>
+        </a:lnSpc>
+        <a:spcBef>
+          <a:spcPts val="500"/>
+        </a:spcBef>
+        <a:buFont typeface="Arial" panose="020B0604020202020204" pitchFamily="34" charset="0"/>
+        <a:buChar char="•"/>
+        <a:defRPr sz="1800" kern="1200">
+          <a:solidFill>
+            <a:schemeClr val="tx1"/>
+          </a:solidFill>
+          <a:latin typeface="+mn-lt"/>
+          <a:ea typeface="+mn-ea"/>
+          <a:cs typeface="+mn-cs"/>
+        </a:defRPr>
+      </a:lvl9pPr>
+    </p:bodyStyle>
+    <p:otherStyle>
+      <a:defPPr>
+        <a:defRPr lang="it-IT"/>
+      </a:defPPr>
+      <a:lvl1pPr marL="0" algn="l" defTabSz="914400" rtl="0" eaLnBrk="1" latinLnBrk="0" hangingPunct="1">
+        <a:defRPr sz="1800" kern="1200">
+          <a:solidFill>
+            <a:schemeClr val="tx1"/>
+          </a:solidFill>
+          <a:latin typeface="+mn-lt"/>
+          <a:ea typeface="+mn-ea"/>
+          <a:cs typeface="+mn-cs"/>
+        </a:defRPr>
+      </a:lvl1pPr>
+      <a:lvl2pPr marL="457200" algn="l" defTabSz="914400" rtl="0" eaLnBrk="1" latinLnBrk="0" hangingPunct="1">
+        <a:defRPr sz="1800" kern="1200">
+          <a:solidFill>
+            <a:schemeClr val="tx1"/>
+          </a:solidFill>
+          <a:latin typeface="+mn-lt"/>
+          <a:ea typeface="+mn-ea"/>
+          <a:cs typeface="+mn-cs"/>
+        </a:defRPr>
+      </a:lvl2pPr>
+      <a:lvl3pPr marL="914400" algn="l" defTabSz="914400" rtl="0" eaLnBrk="1" latinLnBrk="0" hangingPunct="1">
+        <a:defRPr sz="1800" kern="1200">
+          <a:solidFill>
+            <a:schemeClr val="tx1"/>
+          </a:solidFill>
+          <a:latin typeface="+mn-lt"/>
+          <a:ea typeface="+mn-ea"/>
+          <a:cs typeface="+mn-cs"/>
+        </a:defRPr>
+      </a:lvl3pPr>
+      <a:lvl4pPr marL="1371600" algn="l" defTabSz="914400" rtl="0" eaLnBrk="1" latinLnBrk="0" hangingPunct="1">
+        <a:defRPr sz="1800" kern="1200">
+          <a:solidFill>
+            <a:schemeClr val="tx1"/>
+          </a:solidFill>
+          <a:latin typeface="+mn-lt"/>
+          <a:ea typeface="+mn-ea"/>
+          <a:cs typeface="+mn-cs"/>
+        </a:defRPr>
+      </a:lvl4pPr>
+      <a:lvl5pPr marL="1828800" algn="l" defTabSz="914400" rtl="0" eaLnBrk="1" latinLnBrk="0" hangingPunct="1">
+        <a:defRPr sz="1800" kern="1200">
+          <a:solidFill>
+            <a:schemeClr val="tx1"/>
+          </a:solidFill>
+          <a:latin typeface="+mn-lt"/>
+          <a:ea typeface="+mn-ea"/>
+          <a:cs typeface="+mn-cs"/>
+        </a:defRPr>
+      </a:lvl5pPr>
+      <a:lvl6pPr marL="2286000" algn="l" defTabSz="914400" rtl="0" eaLnBrk="1" latinLnBrk="0" hangingPunct="1">
+        <a:defRPr sz="1800" kern="1200">
+          <a:solidFill>
+            <a:schemeClr val="tx1"/>
+          </a:solidFill>
+          <a:latin typeface="+mn-lt"/>
+          <a:ea typeface="+mn-ea"/>
+          <a:cs typeface="+mn-cs"/>
+        </a:defRPr>
+      </a:lvl6pPr>
+      <a:lvl7pPr marL="2743200" algn="l" defTabSz="914400" rtl="0" eaLnBrk="1" latinLnBrk="0" hangingPunct="1">
+        <a:defRPr sz="1800" kern="1200">
+          <a:solidFill>
+            <a:schemeClr val="tx1"/>
+          </a:solidFill>
+          <a:latin typeface="+mn-lt"/>
+          <a:ea typeface="+mn-ea"/>
+          <a:cs typeface="+mn-cs"/>
+        </a:defRPr>
+      </a:lvl7pPr>
+      <a:lvl8pPr marL="3200400" algn="l" defTabSz="914400" rtl="0" eaLnBrk="1" latinLnBrk="0" hangingPunct="1">
+        <a:defRPr sz="1800" kern="1200">
+          <a:solidFill>
+            <a:schemeClr val="tx1"/>
+          </a:solidFill>
+          <a:latin typeface="+mn-lt"/>
+          <a:ea typeface="+mn-ea"/>
+          <a:cs typeface="+mn-cs"/>
+        </a:defRPr>
+      </a:lvl8pPr>
+      <a:lvl9pPr marL="3657600" algn="l" defTabSz="914400" rtl="0" eaLnBrk="1" latinLnBrk="0" hangingPunct="1">
+        <a:defRPr sz="1800" kern="1200">
+          <a:solidFill>
+            <a:schemeClr val="tx1"/>
+          </a:solidFill>
+          <a:latin typeface="+mn-lt"/>
+          <a:ea typeface="+mn-ea"/>
+          <a:cs typeface="+mn-cs"/>
+        </a:defRPr>
+      </a:lvl9pPr>
+    </p:otherStyle>
+  </p:txStyles>
 </p:sldMaster>
 </file>
 
 <file path=ppt/slideMasters/slideMaster2.xml><?xml version="1.0" encoding="utf-8"?>
-<p:sldMaster xmlns:a="http://schemas.openxmlformats.org/drawingml/2006/main" xmlns:p="http://schemas.openxmlformats.org/presentationml/2006/main" xmlns:r="http://schemas.openxmlformats.org/officeDocument/2006/relationships" xmlns:p14="http://schemas.microsoft.com/office/powerpoint/2010/main" xmlns:p15="http://schemas.microsoft.com/office/powerpoint/2012/main" xmlns:mc="http://schemas.openxmlformats.org/markup-compatibility/2006">
+<p:sldMaster xmlns:a="http://schemas.openxmlformats.org/drawingml/2006/main" xmlns:r="http://schemas.openxmlformats.org/officeDocument/2006/relationships" xmlns:p="http://schemas.openxmlformats.org/presentationml/2006/main">
   <p:cSld>
     <p:bg>
       <p:bgPr>
         <a:solidFill>
           <a:srgbClr val="212121"/>
         </a:solidFill>
+        <a:effectLst/>
       </p:bgPr>
     </p:bg>
     <p:spTree>
@@ -3325,49 +3792,17 @@
           <a:bodyPr tIns="91440" bIns="91440">
             <a:noAutofit/>
           </a:bodyPr>
-          <a:p>
-            <a:r>
-              <a:rPr b="0" lang="en-US" sz="2800" spc="-1" strike="noStrike">
+          <a:lstStyle/>
+          <a:p>
+            <a:r>
+              <a:rPr lang="en-US" sz="2800" b="0" strike="noStrike" spc="-1">
                 <a:solidFill>
                   <a:srgbClr val="000000"/>
                 </a:solidFill>
                 <a:latin typeface="Arial"/>
               </a:rPr>
-              <a:t>Click to </a:t>
-            </a:r>
-            <a:r>
-              <a:rPr b="0" lang="en-US" sz="2800" spc="-1" strike="noStrike">
-                <a:solidFill>
-                  <a:srgbClr val="000000"/>
-                </a:solidFill>
-                <a:latin typeface="Arial"/>
-              </a:rPr>
-              <a:t>edit the </a:t>
-            </a:r>
-            <a:r>
-              <a:rPr b="0" lang="en-US" sz="2800" spc="-1" strike="noStrike">
-                <a:solidFill>
-                  <a:srgbClr val="000000"/>
-                </a:solidFill>
-                <a:latin typeface="Arial"/>
-              </a:rPr>
-              <a:t>title text </a:t>
-            </a:r>
-            <a:r>
-              <a:rPr b="0" lang="en-US" sz="2800" spc="-1" strike="noStrike">
-                <a:solidFill>
-                  <a:srgbClr val="000000"/>
-                </a:solidFill>
-                <a:latin typeface="Arial"/>
-              </a:rPr>
-              <a:t>format</a:t>
-            </a:r>
-            <a:endParaRPr b="0" lang="en-US" sz="2800" spc="-1" strike="noStrike">
-              <a:solidFill>
-                <a:srgbClr val="000000"/>
-              </a:solidFill>
-              <a:latin typeface="Arial"/>
-            </a:endParaRPr>
+              <a:t>Click to edit the title text format</a:t>
+            </a:r>
           </a:p>
         </p:txBody>
       </p:sp>
@@ -3394,20 +3829,21 @@
           <a:bodyPr tIns="91440" bIns="91440">
             <a:noAutofit/>
           </a:bodyPr>
+          <a:lstStyle/>
           <a:p>
             <a:pPr marL="432000" indent="-324000">
               <a:spcBef>
                 <a:spcPts val="1417"/>
               </a:spcBef>
               <a:buClr>
-                <a:srgbClr val="ffffff"/>
+                <a:srgbClr val="FFFFFF"/>
               </a:buClr>
               <a:buSzPct val="45000"/>
               <a:buFont typeface="Wingdings" charset="2"/>
               <a:buChar char=""/>
             </a:pPr>
             <a:r>
-              <a:rPr b="0" lang="en-US" sz="1800" spc="-1" strike="noStrike">
+              <a:rPr lang="en-US" sz="1800" b="0" strike="noStrike" spc="-1">
                 <a:solidFill>
                   <a:srgbClr val="000000"/>
                 </a:solidFill>
@@ -3415,27 +3851,21 @@
               </a:rPr>
               <a:t>Click to edit the outline text format</a:t>
             </a:r>
-            <a:endParaRPr b="0" lang="en-US" sz="1800" spc="-1" strike="noStrike">
-              <a:solidFill>
-                <a:srgbClr val="000000"/>
-              </a:solidFill>
-              <a:latin typeface="Arial"/>
-            </a:endParaRPr>
-          </a:p>
-          <a:p>
-            <a:pPr lvl="1" marL="864000" indent="-324000">
+          </a:p>
+          <a:p>
+            <a:pPr marL="864000" lvl="1" indent="-324000">
               <a:spcBef>
                 <a:spcPts val="1134"/>
               </a:spcBef>
               <a:buClr>
-                <a:srgbClr val="ffffff"/>
+                <a:srgbClr val="FFFFFF"/>
               </a:buClr>
               <a:buSzPct val="75000"/>
               <a:buFont typeface="Symbol" charset="2"/>
               <a:buChar char=""/>
             </a:pPr>
             <a:r>
-              <a:rPr b="0" lang="en-US" sz="1800" spc="-1" strike="noStrike">
+              <a:rPr lang="en-US" sz="1800" b="0" strike="noStrike" spc="-1">
                 <a:solidFill>
                   <a:srgbClr val="000000"/>
                 </a:solidFill>
@@ -3443,27 +3873,21 @@
               </a:rPr>
               <a:t>Second Outline Level</a:t>
             </a:r>
-            <a:endParaRPr b="0" lang="en-US" sz="1800" spc="-1" strike="noStrike">
-              <a:solidFill>
-                <a:srgbClr val="000000"/>
-              </a:solidFill>
-              <a:latin typeface="Arial"/>
-            </a:endParaRPr>
-          </a:p>
-          <a:p>
-            <a:pPr lvl="2" marL="1296000" indent="-288000">
+          </a:p>
+          <a:p>
+            <a:pPr marL="1296000" lvl="2" indent="-288000">
               <a:spcBef>
                 <a:spcPts val="850"/>
               </a:spcBef>
               <a:buClr>
-                <a:srgbClr val="ffffff"/>
+                <a:srgbClr val="FFFFFF"/>
               </a:buClr>
               <a:buSzPct val="45000"/>
               <a:buFont typeface="Wingdings" charset="2"/>
               <a:buChar char=""/>
             </a:pPr>
             <a:r>
-              <a:rPr b="0" lang="en-US" sz="1800" spc="-1" strike="noStrike">
+              <a:rPr lang="en-US" sz="1800" b="0" strike="noStrike" spc="-1">
                 <a:solidFill>
                   <a:srgbClr val="000000"/>
                 </a:solidFill>
@@ -3471,27 +3895,21 @@
               </a:rPr>
               <a:t>Third Outline Level</a:t>
             </a:r>
-            <a:endParaRPr b="0" lang="en-US" sz="1800" spc="-1" strike="noStrike">
-              <a:solidFill>
-                <a:srgbClr val="000000"/>
-              </a:solidFill>
-              <a:latin typeface="Arial"/>
-            </a:endParaRPr>
-          </a:p>
-          <a:p>
-            <a:pPr lvl="3" marL="1728000" indent="-216000">
+          </a:p>
+          <a:p>
+            <a:pPr marL="1728000" lvl="3" indent="-216000">
               <a:spcBef>
                 <a:spcPts val="567"/>
               </a:spcBef>
               <a:buClr>
-                <a:srgbClr val="ffffff"/>
+                <a:srgbClr val="FFFFFF"/>
               </a:buClr>
               <a:buSzPct val="75000"/>
               <a:buFont typeface="Symbol" charset="2"/>
               <a:buChar char=""/>
             </a:pPr>
             <a:r>
-              <a:rPr b="0" lang="en-US" sz="1800" spc="-1" strike="noStrike">
+              <a:rPr lang="en-US" sz="1800" b="0" strike="noStrike" spc="-1">
                 <a:solidFill>
                   <a:srgbClr val="000000"/>
                 </a:solidFill>
@@ -3499,27 +3917,21 @@
               </a:rPr>
               <a:t>Fourth Outline Level</a:t>
             </a:r>
-            <a:endParaRPr b="0" lang="en-US" sz="1800" spc="-1" strike="noStrike">
-              <a:solidFill>
-                <a:srgbClr val="000000"/>
-              </a:solidFill>
-              <a:latin typeface="Arial"/>
-            </a:endParaRPr>
-          </a:p>
-          <a:p>
-            <a:pPr lvl="4" marL="2160000" indent="-216000">
+          </a:p>
+          <a:p>
+            <a:pPr marL="2160000" lvl="4" indent="-216000">
               <a:spcBef>
                 <a:spcPts val="283"/>
               </a:spcBef>
               <a:buClr>
-                <a:srgbClr val="ffffff"/>
+                <a:srgbClr val="FFFFFF"/>
               </a:buClr>
               <a:buSzPct val="45000"/>
               <a:buFont typeface="Wingdings" charset="2"/>
               <a:buChar char=""/>
             </a:pPr>
             <a:r>
-              <a:rPr b="0" lang="en-US" sz="1800" spc="-1" strike="noStrike">
+              <a:rPr lang="en-US" sz="1800" b="0" strike="noStrike" spc="-1">
                 <a:solidFill>
                   <a:srgbClr val="000000"/>
                 </a:solidFill>
@@ -3527,27 +3939,21 @@
               </a:rPr>
               <a:t>Fifth Outline Level</a:t>
             </a:r>
-            <a:endParaRPr b="0" lang="en-US" sz="1800" spc="-1" strike="noStrike">
-              <a:solidFill>
-                <a:srgbClr val="000000"/>
-              </a:solidFill>
-              <a:latin typeface="Arial"/>
-            </a:endParaRPr>
-          </a:p>
-          <a:p>
-            <a:pPr lvl="5" marL="2592000" indent="-216000">
+          </a:p>
+          <a:p>
+            <a:pPr marL="2592000" lvl="5" indent="-216000">
               <a:spcBef>
                 <a:spcPts val="283"/>
               </a:spcBef>
               <a:buClr>
-                <a:srgbClr val="ffffff"/>
+                <a:srgbClr val="FFFFFF"/>
               </a:buClr>
               <a:buSzPct val="45000"/>
               <a:buFont typeface="Wingdings" charset="2"/>
               <a:buChar char=""/>
             </a:pPr>
             <a:r>
-              <a:rPr b="0" lang="en-US" sz="1800" spc="-1" strike="noStrike">
+              <a:rPr lang="en-US" sz="1800" b="0" strike="noStrike" spc="-1">
                 <a:solidFill>
                   <a:srgbClr val="000000"/>
                 </a:solidFill>
@@ -3555,27 +3961,21 @@
               </a:rPr>
               <a:t>Sixth Outline Level</a:t>
             </a:r>
-            <a:endParaRPr b="0" lang="en-US" sz="1800" spc="-1" strike="noStrike">
-              <a:solidFill>
-                <a:srgbClr val="000000"/>
-              </a:solidFill>
-              <a:latin typeface="Arial"/>
-            </a:endParaRPr>
-          </a:p>
-          <a:p>
-            <a:pPr lvl="6" marL="3024000" indent="-216000">
+          </a:p>
+          <a:p>
+            <a:pPr marL="3024000" lvl="6" indent="-216000">
               <a:spcBef>
                 <a:spcPts val="283"/>
               </a:spcBef>
               <a:buClr>
-                <a:srgbClr val="ffffff"/>
+                <a:srgbClr val="FFFFFF"/>
               </a:buClr>
               <a:buSzPct val="45000"/>
               <a:buFont typeface="Wingdings" charset="2"/>
               <a:buChar char=""/>
             </a:pPr>
             <a:r>
-              <a:rPr b="0" lang="en-US" sz="1800" spc="-1" strike="noStrike">
+              <a:rPr lang="en-US" sz="1800" b="0" strike="noStrike" spc="-1">
                 <a:solidFill>
                   <a:srgbClr val="000000"/>
                 </a:solidFill>
@@ -3583,12 +3983,6 @@
               </a:rPr>
               <a:t>Seventh Outline Level</a:t>
             </a:r>
-            <a:endParaRPr b="0" lang="en-US" sz="1800" spc="-1" strike="noStrike">
-              <a:solidFill>
-                <a:srgbClr val="000000"/>
-              </a:solidFill>
-              <a:latin typeface="Arial"/>
-            </a:endParaRPr>
           </a:p>
         </p:txBody>
       </p:sp>
@@ -3615,6 +4009,7 @@
           <a:bodyPr tIns="91440" bIns="91440" anchor="ctr">
             <a:noAutofit/>
           </a:bodyPr>
+          <a:lstStyle/>
           <a:p>
             <a:pPr algn="r">
               <a:lnSpc>
@@ -3622,16 +4017,16 @@
               </a:lnSpc>
             </a:pPr>
             <a:fld id="{27A3EC2F-7F47-48B4-B84D-06B79A977A63}" type="slidenum">
-              <a:rPr b="0" lang="en-US" sz="1000" spc="-1" strike="noStrike">
-                <a:solidFill>
-                  <a:srgbClr val="adadad"/>
+              <a:rPr lang="en-US" sz="1000" b="0" strike="noStrike" spc="-1">
+                <a:solidFill>
+                  <a:srgbClr val="ADADAD"/>
                 </a:solidFill>
                 <a:latin typeface="Arial"/>
                 <a:ea typeface="Arial"/>
               </a:rPr>
-              <a:t>&lt;number&gt;</a:t>
+              <a:t>‹N›</a:t>
             </a:fld>
-            <a:endParaRPr b="0" lang="en-US" sz="1000" spc="-1" strike="noStrike">
+            <a:endParaRPr lang="en-US" sz="1000" b="0" strike="noStrike" spc="-1">
               <a:latin typeface="Times New Roman"/>
             </a:endParaRPr>
           </a:p>
@@ -3639,26 +4034,306 @@
       </p:sp>
     </p:spTree>
   </p:cSld>
-  <p:clrMap bg1="lt1" bg2="lt2" tx1="dk1" tx2="dk2" accent1="accent1" accent2="accent2" accent3="accent3" accent4="accent4" accent5="accent5" accent6="accent6" hlink="hlink" folHlink="folHlink"/>
+  <p:clrMap bg1="lt1" tx1="dk1" bg2="lt2" tx2="dk2" accent1="accent1" accent2="accent2" accent3="accent3" accent4="accent4" accent5="accent5" accent6="accent6" hlink="hlink" folHlink="folHlink"/>
   <p:sldLayoutIdLst>
-    <p:sldLayoutId id="2147483662" r:id="rId2"/>
-    <p:sldLayoutId id="2147483663" r:id="rId3"/>
-    <p:sldLayoutId id="2147483664" r:id="rId4"/>
-    <p:sldLayoutId id="2147483665" r:id="rId5"/>
-    <p:sldLayoutId id="2147483666" r:id="rId6"/>
-    <p:sldLayoutId id="2147483667" r:id="rId7"/>
-    <p:sldLayoutId id="2147483668" r:id="rId8"/>
-    <p:sldLayoutId id="2147483669" r:id="rId9"/>
-    <p:sldLayoutId id="2147483670" r:id="rId10"/>
-    <p:sldLayoutId id="2147483671" r:id="rId11"/>
-    <p:sldLayoutId id="2147483672" r:id="rId12"/>
-    <p:sldLayoutId id="2147483673" r:id="rId13"/>
+    <p:sldLayoutId id="2147483662" r:id="rId1"/>
+    <p:sldLayoutId id="2147483663" r:id="rId2"/>
+    <p:sldLayoutId id="2147483664" r:id="rId3"/>
+    <p:sldLayoutId id="2147483665" r:id="rId4"/>
+    <p:sldLayoutId id="2147483666" r:id="rId5"/>
+    <p:sldLayoutId id="2147483667" r:id="rId6"/>
+    <p:sldLayoutId id="2147483668" r:id="rId7"/>
+    <p:sldLayoutId id="2147483669" r:id="rId8"/>
+    <p:sldLayoutId id="2147483670" r:id="rId9"/>
+    <p:sldLayoutId id="2147483671" r:id="rId10"/>
+    <p:sldLayoutId id="2147483672" r:id="rId11"/>
+    <p:sldLayoutId id="2147483673" r:id="rId12"/>
   </p:sldLayoutIdLst>
+  <p:txStyles>
+    <p:titleStyle>
+      <a:lvl1pPr algn="l" defTabSz="914400" rtl="0" eaLnBrk="1" latinLnBrk="0" hangingPunct="1">
+        <a:lnSpc>
+          <a:spcPct val="90000"/>
+        </a:lnSpc>
+        <a:spcBef>
+          <a:spcPct val="0"/>
+        </a:spcBef>
+        <a:buNone/>
+        <a:defRPr sz="4400" kern="1200">
+          <a:solidFill>
+            <a:schemeClr val="tx1"/>
+          </a:solidFill>
+          <a:latin typeface="+mj-lt"/>
+          <a:ea typeface="+mj-ea"/>
+          <a:cs typeface="+mj-cs"/>
+        </a:defRPr>
+      </a:lvl1pPr>
+    </p:titleStyle>
+    <p:bodyStyle>
+      <a:lvl1pPr marL="228600" indent="-228600" algn="l" defTabSz="914400" rtl="0" eaLnBrk="1" latinLnBrk="0" hangingPunct="1">
+        <a:lnSpc>
+          <a:spcPct val="90000"/>
+        </a:lnSpc>
+        <a:spcBef>
+          <a:spcPts val="1000"/>
+        </a:spcBef>
+        <a:buFont typeface="Arial" panose="020B0604020202020204" pitchFamily="34" charset="0"/>
+        <a:buChar char="•"/>
+        <a:defRPr sz="2800" kern="1200">
+          <a:solidFill>
+            <a:schemeClr val="tx1"/>
+          </a:solidFill>
+          <a:latin typeface="+mn-lt"/>
+          <a:ea typeface="+mn-ea"/>
+          <a:cs typeface="+mn-cs"/>
+        </a:defRPr>
+      </a:lvl1pPr>
+      <a:lvl2pPr marL="685800" indent="-228600" algn="l" defTabSz="914400" rtl="0" eaLnBrk="1" latinLnBrk="0" hangingPunct="1">
+        <a:lnSpc>
+          <a:spcPct val="90000"/>
+        </a:lnSpc>
+        <a:spcBef>
+          <a:spcPts val="500"/>
+        </a:spcBef>
+        <a:buFont typeface="Arial" panose="020B0604020202020204" pitchFamily="34" charset="0"/>
+        <a:buChar char="•"/>
+        <a:defRPr sz="2400" kern="1200">
+          <a:solidFill>
+            <a:schemeClr val="tx1"/>
+          </a:solidFill>
+          <a:latin typeface="+mn-lt"/>
+          <a:ea typeface="+mn-ea"/>
+          <a:cs typeface="+mn-cs"/>
+        </a:defRPr>
+      </a:lvl2pPr>
+      <a:lvl3pPr marL="1143000" indent="-228600" algn="l" defTabSz="914400" rtl="0" eaLnBrk="1" latinLnBrk="0" hangingPunct="1">
+        <a:lnSpc>
+          <a:spcPct val="90000"/>
+        </a:lnSpc>
+        <a:spcBef>
+          <a:spcPts val="500"/>
+        </a:spcBef>
+        <a:buFont typeface="Arial" panose="020B0604020202020204" pitchFamily="34" charset="0"/>
+        <a:buChar char="•"/>
+        <a:defRPr sz="2000" kern="1200">
+          <a:solidFill>
+            <a:schemeClr val="tx1"/>
+          </a:solidFill>
+          <a:latin typeface="+mn-lt"/>
+          <a:ea typeface="+mn-ea"/>
+          <a:cs typeface="+mn-cs"/>
+        </a:defRPr>
+      </a:lvl3pPr>
+      <a:lvl4pPr marL="1600200" indent="-228600" algn="l" defTabSz="914400" rtl="0" eaLnBrk="1" latinLnBrk="0" hangingPunct="1">
+        <a:lnSpc>
+          <a:spcPct val="90000"/>
+        </a:lnSpc>
+        <a:spcBef>
+          <a:spcPts val="500"/>
+        </a:spcBef>
+        <a:buFont typeface="Arial" panose="020B0604020202020204" pitchFamily="34" charset="0"/>
+        <a:buChar char="•"/>
+        <a:defRPr sz="1800" kern="1200">
+          <a:solidFill>
+            <a:schemeClr val="tx1"/>
+          </a:solidFill>
+          <a:latin typeface="+mn-lt"/>
+          <a:ea typeface="+mn-ea"/>
+          <a:cs typeface="+mn-cs"/>
+        </a:defRPr>
+      </a:lvl4pPr>
+      <a:lvl5pPr marL="2057400" indent="-228600" algn="l" defTabSz="914400" rtl="0" eaLnBrk="1" latinLnBrk="0" hangingPunct="1">
+        <a:lnSpc>
+          <a:spcPct val="90000"/>
+        </a:lnSpc>
+        <a:spcBef>
+          <a:spcPts val="500"/>
+        </a:spcBef>
+        <a:buFont typeface="Arial" panose="020B0604020202020204" pitchFamily="34" charset="0"/>
+        <a:buChar char="•"/>
+        <a:defRPr sz="1800" kern="1200">
+          <a:solidFill>
+            <a:schemeClr val="tx1"/>
+          </a:solidFill>
+          <a:latin typeface="+mn-lt"/>
+          <a:ea typeface="+mn-ea"/>
+          <a:cs typeface="+mn-cs"/>
+        </a:defRPr>
+      </a:lvl5pPr>
+      <a:lvl6pPr marL="2514600" indent="-228600" algn="l" defTabSz="914400" rtl="0" eaLnBrk="1" latinLnBrk="0" hangingPunct="1">
+        <a:lnSpc>
+          <a:spcPct val="90000"/>
+        </a:lnSpc>
+        <a:spcBef>
+          <a:spcPts val="500"/>
+        </a:spcBef>
+        <a:buFont typeface="Arial" panose="020B0604020202020204" pitchFamily="34" charset="0"/>
+        <a:buChar char="•"/>
+        <a:defRPr sz="1800" kern="1200">
+          <a:solidFill>
+            <a:schemeClr val="tx1"/>
+          </a:solidFill>
+          <a:latin typeface="+mn-lt"/>
+          <a:ea typeface="+mn-ea"/>
+          <a:cs typeface="+mn-cs"/>
+        </a:defRPr>
+      </a:lvl6pPr>
+      <a:lvl7pPr marL="2971800" indent="-228600" algn="l" defTabSz="914400" rtl="0" eaLnBrk="1" latinLnBrk="0" hangingPunct="1">
+        <a:lnSpc>
+          <a:spcPct val="90000"/>
+        </a:lnSpc>
+        <a:spcBef>
+          <a:spcPts val="500"/>
+        </a:spcBef>
+        <a:buFont typeface="Arial" panose="020B0604020202020204" pitchFamily="34" charset="0"/>
+        <a:buChar char="•"/>
+        <a:defRPr sz="1800" kern="1200">
+          <a:solidFill>
+            <a:schemeClr val="tx1"/>
+          </a:solidFill>
+          <a:latin typeface="+mn-lt"/>
+          <a:ea typeface="+mn-ea"/>
+          <a:cs typeface="+mn-cs"/>
+        </a:defRPr>
+      </a:lvl7pPr>
+      <a:lvl8pPr marL="3429000" indent="-228600" algn="l" defTabSz="914400" rtl="0" eaLnBrk="1" latinLnBrk="0" hangingPunct="1">
+        <a:lnSpc>
+          <a:spcPct val="90000"/>
+        </a:lnSpc>
+        <a:spcBef>
+          <a:spcPts val="500"/>
+        </a:spcBef>
+        <a:buFont typeface="Arial" panose="020B0604020202020204" pitchFamily="34" charset="0"/>
+        <a:buChar char="•"/>
+        <a:defRPr sz="1800" kern="1200">
+          <a:solidFill>
+            <a:schemeClr val="tx1"/>
+          </a:solidFill>
+          <a:latin typeface="+mn-lt"/>
+          <a:ea typeface="+mn-ea"/>
+          <a:cs typeface="+mn-cs"/>
+        </a:defRPr>
+      </a:lvl8pPr>
+      <a:lvl9pPr marL="3886200" indent="-228600" algn="l" defTabSz="914400" rtl="0" eaLnBrk="1" latinLnBrk="0" hangingPunct="1">
+        <a:lnSpc>
+          <a:spcPct val="90000"/>
+        </a:lnSpc>
+        <a:spcBef>
+          <a:spcPts val="500"/>
+        </a:spcBef>
+        <a:buFont typeface="Arial" panose="020B0604020202020204" pitchFamily="34" charset="0"/>
+        <a:buChar char="•"/>
+        <a:defRPr sz="1800" kern="1200">
+          <a:solidFill>
+            <a:schemeClr val="tx1"/>
+          </a:solidFill>
+          <a:latin typeface="+mn-lt"/>
+          <a:ea typeface="+mn-ea"/>
+          <a:cs typeface="+mn-cs"/>
+        </a:defRPr>
+      </a:lvl9pPr>
+    </p:bodyStyle>
+    <p:otherStyle>
+      <a:defPPr>
+        <a:defRPr lang="it-IT"/>
+      </a:defPPr>
+      <a:lvl1pPr marL="0" algn="l" defTabSz="914400" rtl="0" eaLnBrk="1" latinLnBrk="0" hangingPunct="1">
+        <a:defRPr sz="1800" kern="1200">
+          <a:solidFill>
+            <a:schemeClr val="tx1"/>
+          </a:solidFill>
+          <a:latin typeface="+mn-lt"/>
+          <a:ea typeface="+mn-ea"/>
+          <a:cs typeface="+mn-cs"/>
+        </a:defRPr>
+      </a:lvl1pPr>
+      <a:lvl2pPr marL="457200" algn="l" defTabSz="914400" rtl="0" eaLnBrk="1" latinLnBrk="0" hangingPunct="1">
+        <a:defRPr sz="1800" kern="1200">
+          <a:solidFill>
+            <a:schemeClr val="tx1"/>
+          </a:solidFill>
+          <a:latin typeface="+mn-lt"/>
+          <a:ea typeface="+mn-ea"/>
+          <a:cs typeface="+mn-cs"/>
+        </a:defRPr>
+      </a:lvl2pPr>
+      <a:lvl3pPr marL="914400" algn="l" defTabSz="914400" rtl="0" eaLnBrk="1" latinLnBrk="0" hangingPunct="1">
+        <a:defRPr sz="1800" kern="1200">
+          <a:solidFill>
+            <a:schemeClr val="tx1"/>
+          </a:solidFill>
+          <a:latin typeface="+mn-lt"/>
+          <a:ea typeface="+mn-ea"/>
+          <a:cs typeface="+mn-cs"/>
+        </a:defRPr>
+      </a:lvl3pPr>
+      <a:lvl4pPr marL="1371600" algn="l" defTabSz="914400" rtl="0" eaLnBrk="1" latinLnBrk="0" hangingPunct="1">
+        <a:defRPr sz="1800" kern="1200">
+          <a:solidFill>
+            <a:schemeClr val="tx1"/>
+          </a:solidFill>
+          <a:latin typeface="+mn-lt"/>
+          <a:ea typeface="+mn-ea"/>
+          <a:cs typeface="+mn-cs"/>
+        </a:defRPr>
+      </a:lvl4pPr>
+      <a:lvl5pPr marL="1828800" algn="l" defTabSz="914400" rtl="0" eaLnBrk="1" latinLnBrk="0" hangingPunct="1">
+        <a:defRPr sz="1800" kern="1200">
+          <a:solidFill>
+            <a:schemeClr val="tx1"/>
+          </a:solidFill>
+          <a:latin typeface="+mn-lt"/>
+          <a:ea typeface="+mn-ea"/>
+          <a:cs typeface="+mn-cs"/>
+        </a:defRPr>
+      </a:lvl5pPr>
+      <a:lvl6pPr marL="2286000" algn="l" defTabSz="914400" rtl="0" eaLnBrk="1" latinLnBrk="0" hangingPunct="1">
+        <a:defRPr sz="1800" kern="1200">
+          <a:solidFill>
+            <a:schemeClr val="tx1"/>
+          </a:solidFill>
+          <a:latin typeface="+mn-lt"/>
+          <a:ea typeface="+mn-ea"/>
+          <a:cs typeface="+mn-cs"/>
+        </a:defRPr>
+      </a:lvl6pPr>
+      <a:lvl7pPr marL="2743200" algn="l" defTabSz="914400" rtl="0" eaLnBrk="1" latinLnBrk="0" hangingPunct="1">
+        <a:defRPr sz="1800" kern="1200">
+          <a:solidFill>
+            <a:schemeClr val="tx1"/>
+          </a:solidFill>
+          <a:latin typeface="+mn-lt"/>
+          <a:ea typeface="+mn-ea"/>
+          <a:cs typeface="+mn-cs"/>
+        </a:defRPr>
+      </a:lvl7pPr>
+      <a:lvl8pPr marL="3200400" algn="l" defTabSz="914400" rtl="0" eaLnBrk="1" latinLnBrk="0" hangingPunct="1">
+        <a:defRPr sz="1800" kern="1200">
+          <a:solidFill>
+            <a:schemeClr val="tx1"/>
+          </a:solidFill>
+          <a:latin typeface="+mn-lt"/>
+          <a:ea typeface="+mn-ea"/>
+          <a:cs typeface="+mn-cs"/>
+        </a:defRPr>
+      </a:lvl8pPr>
+      <a:lvl9pPr marL="3657600" algn="l" defTabSz="914400" rtl="0" eaLnBrk="1" latinLnBrk="0" hangingPunct="1">
+        <a:defRPr sz="1800" kern="1200">
+          <a:solidFill>
+            <a:schemeClr val="tx1"/>
+          </a:solidFill>
+          <a:latin typeface="+mn-lt"/>
+          <a:ea typeface="+mn-ea"/>
+          <a:cs typeface="+mn-cs"/>
+        </a:defRPr>
+      </a:lvl9pPr>
+    </p:otherStyle>
+  </p:txStyles>
 </p:sldMaster>
 </file>
 
 <file path=ppt/slides/slide1.xml><?xml version="1.0" encoding="utf-8"?>
-<p:sld xmlns:a="http://schemas.openxmlformats.org/drawingml/2006/main" xmlns:p="http://schemas.openxmlformats.org/presentationml/2006/main" xmlns:r="http://schemas.openxmlformats.org/officeDocument/2006/relationships" xmlns:p14="http://schemas.microsoft.com/office/powerpoint/2010/main" xmlns:p15="http://schemas.microsoft.com/office/powerpoint/2012/main" xmlns:mc="http://schemas.openxmlformats.org/markup-compatibility/2006">
+<p:sld xmlns:a="http://schemas.openxmlformats.org/drawingml/2006/main" xmlns:r="http://schemas.openxmlformats.org/officeDocument/2006/relationships" xmlns:p="http://schemas.openxmlformats.org/presentationml/2006/main">
   <p:cSld>
     <p:spTree>
       <p:nvGrpSpPr>
@@ -3697,6 +4372,7 @@
           <a:bodyPr tIns="91440" bIns="91440" anchor="b">
             <a:noAutofit/>
           </a:bodyPr>
+          <a:lstStyle/>
           <a:p>
             <a:pPr algn="ctr">
               <a:lnSpc>
@@ -3704,147 +4380,27 @@
               </a:lnSpc>
             </a:pPr>
             <a:r>
-              <a:rPr b="0" lang="en-US" sz="5200" spc="-1" strike="noStrike">
-                <a:solidFill>
-                  <a:srgbClr val="ffffff"/>
+              <a:rPr lang="en-US" sz="5200" b="0" strike="noStrike" spc="-1">
+                <a:solidFill>
+                  <a:srgbClr val="FFFFFF"/>
                 </a:solidFill>
                 <a:latin typeface="Arial"/>
                 <a:ea typeface="Arial"/>
               </a:rPr>
-              <a:t>Pro</a:t>
-            </a:r>
-            <a:r>
-              <a:rPr b="0" lang="en-US" sz="5200" spc="-1" strike="noStrike">
-                <a:solidFill>
-                  <a:srgbClr val="ffffff"/>
+              <a:t>Proposta soluzione esercitazione 8</a:t>
+            </a:r>
+            <a:br/>
+            <a:r>
+              <a:rPr lang="en-US" sz="5200" b="0" strike="noStrike" spc="-1">
+                <a:solidFill>
+                  <a:srgbClr val="FFFFFF"/>
                 </a:solidFill>
                 <a:latin typeface="Arial"/>
                 <a:ea typeface="Arial"/>
               </a:rPr>
-              <a:t>po</a:t>
-            </a:r>
-            <a:r>
-              <a:rPr b="0" lang="en-US" sz="5200" spc="-1" strike="noStrike">
-                <a:solidFill>
-                  <a:srgbClr val="ffffff"/>
-                </a:solidFill>
-                <a:latin typeface="Arial"/>
-                <a:ea typeface="Arial"/>
-              </a:rPr>
-              <a:t>sta </a:t>
-            </a:r>
-            <a:r>
-              <a:rPr b="0" lang="en-US" sz="5200" spc="-1" strike="noStrike">
-                <a:solidFill>
-                  <a:srgbClr val="ffffff"/>
-                </a:solidFill>
-                <a:latin typeface="Arial"/>
-                <a:ea typeface="Arial"/>
-              </a:rPr>
-              <a:t>sol</a:t>
-            </a:r>
-            <a:r>
-              <a:rPr b="0" lang="en-US" sz="5200" spc="-1" strike="noStrike">
-                <a:solidFill>
-                  <a:srgbClr val="ffffff"/>
-                </a:solidFill>
-                <a:latin typeface="Arial"/>
-                <a:ea typeface="Arial"/>
-              </a:rPr>
-              <a:t>uzi</a:t>
-            </a:r>
-            <a:r>
-              <a:rPr b="0" lang="en-US" sz="5200" spc="-1" strike="noStrike">
-                <a:solidFill>
-                  <a:srgbClr val="ffffff"/>
-                </a:solidFill>
-                <a:latin typeface="Arial"/>
-                <a:ea typeface="Arial"/>
-              </a:rPr>
-              <a:t>on</a:t>
-            </a:r>
-            <a:r>
-              <a:rPr b="0" lang="en-US" sz="5200" spc="-1" strike="noStrike">
-                <a:solidFill>
-                  <a:srgbClr val="ffffff"/>
-                </a:solidFill>
-                <a:latin typeface="Arial"/>
-                <a:ea typeface="Arial"/>
-              </a:rPr>
-              <a:t>e </a:t>
-            </a:r>
-            <a:r>
-              <a:rPr b="0" lang="en-US" sz="5200" spc="-1" strike="noStrike">
-                <a:solidFill>
-                  <a:srgbClr val="ffffff"/>
-                </a:solidFill>
-                <a:latin typeface="Arial"/>
-                <a:ea typeface="Arial"/>
-              </a:rPr>
-              <a:t>es</a:t>
-            </a:r>
-            <a:r>
-              <a:rPr b="0" lang="en-US" sz="5200" spc="-1" strike="noStrike">
-                <a:solidFill>
-                  <a:srgbClr val="ffffff"/>
-                </a:solidFill>
-                <a:latin typeface="Arial"/>
-                <a:ea typeface="Arial"/>
-              </a:rPr>
-              <a:t>erc</a:t>
-            </a:r>
-            <a:r>
-              <a:rPr b="0" lang="en-US" sz="5200" spc="-1" strike="noStrike">
-                <a:solidFill>
-                  <a:srgbClr val="ffffff"/>
-                </a:solidFill>
-                <a:latin typeface="Arial"/>
-                <a:ea typeface="Arial"/>
-              </a:rPr>
-              <a:t>itaz</a:t>
-            </a:r>
-            <a:r>
-              <a:rPr b="0" lang="en-US" sz="5200" spc="-1" strike="noStrike">
-                <a:solidFill>
-                  <a:srgbClr val="ffffff"/>
-                </a:solidFill>
-                <a:latin typeface="Arial"/>
-                <a:ea typeface="Arial"/>
-              </a:rPr>
-              <a:t>ion</a:t>
-            </a:r>
-            <a:r>
-              <a:rPr b="0" lang="en-US" sz="5200" spc="-1" strike="noStrike">
-                <a:solidFill>
-                  <a:srgbClr val="ffffff"/>
-                </a:solidFill>
-                <a:latin typeface="Arial"/>
-                <a:ea typeface="Arial"/>
-              </a:rPr>
-              <a:t>e 8</a:t>
-            </a:r>
-            <a:br/>
-            <a:r>
-              <a:rPr b="0" lang="en-US" sz="5200" spc="-1" strike="noStrike">
-                <a:solidFill>
-                  <a:srgbClr val="ffffff"/>
-                </a:solidFill>
-                <a:latin typeface="Arial"/>
-                <a:ea typeface="Arial"/>
-              </a:rPr>
-              <a:t>RP</a:t>
-            </a:r>
-            <a:r>
-              <a:rPr b="0" lang="en-US" sz="5200" spc="-1" strike="noStrike">
-                <a:solidFill>
-                  <a:srgbClr val="ffffff"/>
-                </a:solidFill>
-                <a:latin typeface="Arial"/>
-                <a:ea typeface="Arial"/>
-              </a:rPr>
-              <a:t>C</a:t>
-            </a:r>
-            <a:endParaRPr b="0" lang="en-US" sz="5200" spc="-1" strike="noStrike">
+              <a:t>RPC</a:t>
+            </a:r>
+            <a:endParaRPr lang="en-US" sz="5200" b="0" strike="noStrike" spc="-1">
               <a:solidFill>
                 <a:srgbClr val="000000"/>
               </a:solidFill>
@@ -3876,6 +4432,7 @@
           <a:bodyPr tIns="91440" bIns="91440">
             <a:noAutofit/>
           </a:bodyPr>
+          <a:lstStyle/>
           <a:p>
             <a:pPr algn="ctr">
               <a:lnSpc>
@@ -3883,26 +4440,16 @@
               </a:lnSpc>
             </a:pPr>
             <a:r>
-              <a:rPr b="0" lang="en-US" sz="1800" spc="-1" strike="noStrike">
-                <a:solidFill>
-                  <a:srgbClr val="adadad"/>
+              <a:rPr lang="en-US" sz="1800" b="0" strike="noStrike" spc="-1">
+                <a:solidFill>
+                  <a:srgbClr val="ADADAD"/>
                 </a:solidFill>
                 <a:latin typeface="Arial"/>
                 <a:ea typeface="Arial"/>
               </a:rPr>
-              <a:t> </a:t>
-            </a:r>
-            <a:r>
-              <a:rPr b="0" lang="en-US" sz="1800" spc="-1" strike="noStrike">
-                <a:solidFill>
-                  <a:srgbClr val="adadad"/>
-                </a:solidFill>
-                <a:latin typeface="Arial"/>
-                <a:ea typeface="Arial"/>
-              </a:rPr>
-              <a:t>Mattia Innocenti - 825046 </a:t>
-            </a:r>
-            <a:endParaRPr b="0" lang="en-US" sz="1800" spc="-1" strike="noStrike">
+              <a:t> Mattia Innocenti - 825046 </a:t>
+            </a:r>
+            <a:endParaRPr lang="en-US" sz="1800" b="0" strike="noStrike" spc="-1">
               <a:latin typeface="Arial"/>
             </a:endParaRPr>
           </a:p>
@@ -3913,16 +4460,16 @@
               </a:lnSpc>
             </a:pPr>
             <a:r>
-              <a:rPr b="0" lang="en-US" sz="1800" spc="-1" strike="noStrike">
-                <a:solidFill>
-                  <a:srgbClr val="adadad"/>
+              <a:rPr lang="en-US" sz="1800" b="0" strike="noStrike" spc="-1">
+                <a:solidFill>
+                  <a:srgbClr val="ADADAD"/>
                 </a:solidFill>
                 <a:latin typeface="Arial"/>
                 <a:ea typeface="Arial"/>
               </a:rPr>
               <a:t>Federico Macchiavelli - 825621</a:t>
             </a:r>
-            <a:endParaRPr b="0" lang="en-US" sz="1800" spc="-1" strike="noStrike">
+            <a:endParaRPr lang="en-US" sz="1800" b="0" strike="noStrike" spc="-1">
               <a:latin typeface="Arial"/>
             </a:endParaRPr>
           </a:p>
@@ -3933,16 +4480,16 @@
               </a:lnSpc>
             </a:pPr>
             <a:r>
-              <a:rPr b="0" lang="en-US" sz="1800" spc="-1" strike="noStrike">
-                <a:solidFill>
-                  <a:srgbClr val="adadad"/>
+              <a:rPr lang="en-US" sz="1800" b="0" strike="noStrike" spc="-1">
+                <a:solidFill>
+                  <a:srgbClr val="ADADAD"/>
                 </a:solidFill>
                 <a:latin typeface="Arial"/>
                 <a:ea typeface="Arial"/>
               </a:rPr>
               <a:t>Andrea Proia - 825784</a:t>
             </a:r>
-            <a:endParaRPr b="0" lang="en-US" sz="1800" spc="-1" strike="noStrike">
+            <a:endParaRPr lang="en-US" sz="1800" b="0" strike="noStrike" spc="-1">
               <a:latin typeface="Arial"/>
             </a:endParaRPr>
           </a:p>
@@ -3953,16 +4500,16 @@
               </a:lnSpc>
             </a:pPr>
             <a:r>
-              <a:rPr b="0" lang="en-US" sz="1800" spc="-1" strike="noStrike">
-                <a:solidFill>
-                  <a:srgbClr val="adadad"/>
+              <a:rPr lang="en-US" sz="1800" b="0" strike="noStrike" spc="-1">
+                <a:solidFill>
+                  <a:srgbClr val="ADADAD"/>
                 </a:solidFill>
                 <a:latin typeface="Arial"/>
                 <a:ea typeface="Arial"/>
               </a:rPr>
               <a:t>Luca Bartolomei - 825005</a:t>
             </a:r>
-            <a:endParaRPr b="0" lang="en-US" sz="1800" spc="-1" strike="noStrike">
+            <a:endParaRPr lang="en-US" sz="1800" b="0" strike="noStrike" spc="-1">
               <a:latin typeface="Arial"/>
             </a:endParaRPr>
           </a:p>
@@ -3970,19 +4517,14 @@
       </p:sp>
     </p:spTree>
   </p:cSld>
-  <mc:AlternateContent>
-    <mc:Choice Requires="p14">
-      <p:transition spd="slow" p14:dur="2000"/>
-    </mc:Choice>
-    <mc:Fallback>
-      <p:transition spd="slow"/>
-    </mc:Fallback>
-  </mc:AlternateContent>
+  <p:clrMapOvr>
+    <a:masterClrMapping/>
+  </p:clrMapOvr>
 </p:sld>
 </file>
 
 <file path=ppt/slides/slide2.xml><?xml version="1.0" encoding="utf-8"?>
-<p:sld xmlns:a="http://schemas.openxmlformats.org/drawingml/2006/main" xmlns:p="http://schemas.openxmlformats.org/presentationml/2006/main" xmlns:r="http://schemas.openxmlformats.org/officeDocument/2006/relationships" xmlns:p14="http://schemas.microsoft.com/office/powerpoint/2010/main" xmlns:p15="http://schemas.microsoft.com/office/powerpoint/2012/main" xmlns:mc="http://schemas.openxmlformats.org/markup-compatibility/2006">
+<p:sld xmlns:a="http://schemas.openxmlformats.org/drawingml/2006/main" xmlns:r="http://schemas.openxmlformats.org/officeDocument/2006/relationships" xmlns:p="http://schemas.openxmlformats.org/presentationml/2006/main">
   <p:cSld>
     <p:spTree>
       <p:nvGrpSpPr>
@@ -4021,6 +4563,7 @@
           <a:bodyPr tIns="91440" bIns="91440">
             <a:noAutofit/>
           </a:bodyPr>
+          <a:lstStyle/>
           <a:p>
             <a:pPr>
               <a:lnSpc>
@@ -4028,26 +4571,16 @@
               </a:lnSpc>
             </a:pPr>
             <a:r>
-              <a:rPr b="0" lang="en-US" sz="2800" spc="-1" strike="noStrike">
-                <a:solidFill>
-                  <a:srgbClr val="ffffff"/>
+              <a:rPr lang="en-US" sz="2800" b="0" strike="noStrike" spc="-1">
+                <a:solidFill>
+                  <a:srgbClr val="FFFFFF"/>
                 </a:solidFill>
                 <a:latin typeface="Arial"/>
                 <a:ea typeface="Arial"/>
               </a:rPr>
-              <a:t>Specifiche </a:t>
-            </a:r>
-            <a:r>
-              <a:rPr b="0" lang="en-US" sz="2800" spc="-1" strike="noStrike">
-                <a:solidFill>
-                  <a:srgbClr val="ffffff"/>
-                </a:solidFill>
-                <a:latin typeface="Arial"/>
-                <a:ea typeface="Arial"/>
-              </a:rPr>
-              <a:t>servizio</a:t>
-            </a:r>
-            <a:endParaRPr b="0" lang="en-US" sz="2800" spc="-1" strike="noStrike">
+              <a:t>Specifiche servizio</a:t>
+            </a:r>
+            <a:endParaRPr lang="en-US" sz="2800" b="0" strike="noStrike" spc="-1">
               <a:solidFill>
                 <a:srgbClr val="000000"/>
               </a:solidFill>
@@ -4079,6 +4612,7 @@
           <a:bodyPr tIns="91440" bIns="91440">
             <a:noAutofit/>
           </a:bodyPr>
+          <a:lstStyle/>
           <a:p>
             <a:pPr>
               <a:lnSpc>
@@ -4086,41 +4620,191 @@
               </a:lnSpc>
             </a:pPr>
             <a:r>
-              <a:rPr b="0" lang="en-US" sz="2200" spc="-1" strike="noStrike">
-                <a:solidFill>
-                  <a:srgbClr val="adadad"/>
-                </a:solidFill>
-                <a:latin typeface="Arial"/>
-                <a:ea typeface="Arial"/>
-              </a:rPr>
-              <a:t>L’applicativo ha come obiettivo un’applicazione C/S che consenta di effettuare </a:t>
-            </a:r>
-            <a:r>
-              <a:rPr b="0" lang="en-US" sz="2200" spc="-1" strike="noStrike" u="sng">
-                <a:solidFill>
-                  <a:srgbClr val="adadad"/>
+              <a:rPr lang="en-US" sz="2000" b="0" strike="noStrike" spc="-1" dirty="0" err="1">
+                <a:solidFill>
+                  <a:srgbClr val="ADADAD"/>
+                </a:solidFill>
+                <a:latin typeface="Verdana" panose="020B0604030504040204" pitchFamily="34" charset="0"/>
+                <a:ea typeface="Verdana" panose="020B0604030504040204" pitchFamily="34" charset="0"/>
+                <a:cs typeface="Verdana" panose="020B0604030504040204" pitchFamily="34" charset="0"/>
+              </a:rPr>
+              <a:t>L’applicativo</a:t>
+            </a:r>
+            <a:r>
+              <a:rPr lang="en-US" sz="2000" b="0" strike="noStrike" spc="-1" dirty="0">
+                <a:solidFill>
+                  <a:srgbClr val="ADADAD"/>
+                </a:solidFill>
+                <a:latin typeface="Verdana" panose="020B0604030504040204" pitchFamily="34" charset="0"/>
+                <a:ea typeface="Verdana" panose="020B0604030504040204" pitchFamily="34" charset="0"/>
+                <a:cs typeface="Verdana" panose="020B0604030504040204" pitchFamily="34" charset="0"/>
+              </a:rPr>
+              <a:t> ha come </a:t>
+            </a:r>
+            <a:r>
+              <a:rPr lang="en-US" sz="2000" b="0" strike="noStrike" spc="-1" dirty="0" err="1">
+                <a:solidFill>
+                  <a:srgbClr val="ADADAD"/>
+                </a:solidFill>
+                <a:latin typeface="Verdana" panose="020B0604030504040204" pitchFamily="34" charset="0"/>
+                <a:ea typeface="Verdana" panose="020B0604030504040204" pitchFamily="34" charset="0"/>
+                <a:cs typeface="Verdana" panose="020B0604030504040204" pitchFamily="34" charset="0"/>
+              </a:rPr>
+              <a:t>obiettivo</a:t>
+            </a:r>
+            <a:r>
+              <a:rPr lang="en-US" sz="2000" b="0" strike="noStrike" spc="-1" dirty="0">
+                <a:solidFill>
+                  <a:srgbClr val="ADADAD"/>
+                </a:solidFill>
+                <a:latin typeface="Verdana" panose="020B0604030504040204" pitchFamily="34" charset="0"/>
+                <a:ea typeface="Verdana" panose="020B0604030504040204" pitchFamily="34" charset="0"/>
+                <a:cs typeface="Verdana" panose="020B0604030504040204" pitchFamily="34" charset="0"/>
+              </a:rPr>
+              <a:t> </a:t>
+            </a:r>
+            <a:r>
+              <a:rPr lang="en-US" sz="2000" b="0" strike="noStrike" spc="-1" dirty="0" err="1">
+                <a:solidFill>
+                  <a:srgbClr val="ADADAD"/>
+                </a:solidFill>
+                <a:latin typeface="Verdana" panose="020B0604030504040204" pitchFamily="34" charset="0"/>
+                <a:ea typeface="Verdana" panose="020B0604030504040204" pitchFamily="34" charset="0"/>
+                <a:cs typeface="Verdana" panose="020B0604030504040204" pitchFamily="34" charset="0"/>
+              </a:rPr>
+              <a:t>un’applicazione</a:t>
+            </a:r>
+            <a:r>
+              <a:rPr lang="en-US" sz="2000" b="0" strike="noStrike" spc="-1" dirty="0">
+                <a:solidFill>
+                  <a:srgbClr val="ADADAD"/>
+                </a:solidFill>
+                <a:latin typeface="Verdana" panose="020B0604030504040204" pitchFamily="34" charset="0"/>
+                <a:ea typeface="Verdana" panose="020B0604030504040204" pitchFamily="34" charset="0"/>
+                <a:cs typeface="Verdana" panose="020B0604030504040204" pitchFamily="34" charset="0"/>
+              </a:rPr>
+              <a:t> C/S </a:t>
+            </a:r>
+            <a:r>
+              <a:rPr lang="en-US" sz="2000" b="0" strike="noStrike" spc="-1" dirty="0" err="1">
+                <a:solidFill>
+                  <a:srgbClr val="ADADAD"/>
+                </a:solidFill>
+                <a:latin typeface="Verdana" panose="020B0604030504040204" pitchFamily="34" charset="0"/>
+                <a:ea typeface="Verdana" panose="020B0604030504040204" pitchFamily="34" charset="0"/>
+                <a:cs typeface="Verdana" panose="020B0604030504040204" pitchFamily="34" charset="0"/>
+              </a:rPr>
+              <a:t>che</a:t>
+            </a:r>
+            <a:r>
+              <a:rPr lang="en-US" sz="2000" b="0" strike="noStrike" spc="-1" dirty="0">
+                <a:solidFill>
+                  <a:srgbClr val="ADADAD"/>
+                </a:solidFill>
+                <a:latin typeface="Verdana" panose="020B0604030504040204" pitchFamily="34" charset="0"/>
+                <a:ea typeface="Verdana" panose="020B0604030504040204" pitchFamily="34" charset="0"/>
+                <a:cs typeface="Verdana" panose="020B0604030504040204" pitchFamily="34" charset="0"/>
+              </a:rPr>
+              <a:t> </a:t>
+            </a:r>
+            <a:r>
+              <a:rPr lang="en-US" sz="2000" b="0" strike="noStrike" spc="-1" dirty="0" err="1">
+                <a:solidFill>
+                  <a:srgbClr val="ADADAD"/>
+                </a:solidFill>
+                <a:latin typeface="Verdana" panose="020B0604030504040204" pitchFamily="34" charset="0"/>
+                <a:ea typeface="Verdana" panose="020B0604030504040204" pitchFamily="34" charset="0"/>
+                <a:cs typeface="Verdana" panose="020B0604030504040204" pitchFamily="34" charset="0"/>
+              </a:rPr>
+              <a:t>consenta</a:t>
+            </a:r>
+            <a:r>
+              <a:rPr lang="en-US" sz="2000" b="0" strike="noStrike" spc="-1" dirty="0">
+                <a:solidFill>
+                  <a:srgbClr val="ADADAD"/>
+                </a:solidFill>
+                <a:latin typeface="Verdana" panose="020B0604030504040204" pitchFamily="34" charset="0"/>
+                <a:ea typeface="Verdana" panose="020B0604030504040204" pitchFamily="34" charset="0"/>
+                <a:cs typeface="Verdana" panose="020B0604030504040204" pitchFamily="34" charset="0"/>
+              </a:rPr>
+              <a:t> di </a:t>
+            </a:r>
+            <a:r>
+              <a:rPr lang="en-US" sz="2000" b="0" strike="noStrike" spc="-1" dirty="0" err="1">
+                <a:solidFill>
+                  <a:srgbClr val="ADADAD"/>
+                </a:solidFill>
+                <a:latin typeface="Verdana" panose="020B0604030504040204" pitchFamily="34" charset="0"/>
+                <a:ea typeface="Verdana" panose="020B0604030504040204" pitchFamily="34" charset="0"/>
+                <a:cs typeface="Verdana" panose="020B0604030504040204" pitchFamily="34" charset="0"/>
+              </a:rPr>
+              <a:t>effettuare</a:t>
+            </a:r>
+            <a:r>
+              <a:rPr lang="en-US" sz="2000" b="0" strike="noStrike" spc="-1" dirty="0">
+                <a:solidFill>
+                  <a:srgbClr val="ADADAD"/>
+                </a:solidFill>
+                <a:latin typeface="Verdana" panose="020B0604030504040204" pitchFamily="34" charset="0"/>
+                <a:ea typeface="Verdana" panose="020B0604030504040204" pitchFamily="34" charset="0"/>
+                <a:cs typeface="Verdana" panose="020B0604030504040204" pitchFamily="34" charset="0"/>
+              </a:rPr>
+              <a:t> </a:t>
+            </a:r>
+            <a:r>
+              <a:rPr lang="en-US" sz="2000" b="0" u="sng" strike="noStrike" spc="-1" dirty="0">
+                <a:solidFill>
+                  <a:srgbClr val="ADADAD"/>
                 </a:solidFill>
                 <a:uFillTx/>
-                <a:latin typeface="Arial"/>
-                <a:ea typeface="Arial"/>
-              </a:rPr>
-              <a:t>2 operazioni remote</a:t>
-            </a:r>
-            <a:r>
-              <a:rPr b="0" lang="en-US" sz="2200" spc="-1" strike="noStrike">
-                <a:solidFill>
-                  <a:srgbClr val="adadad"/>
-                </a:solidFill>
-                <a:latin typeface="Arial"/>
-                <a:ea typeface="Arial"/>
+                <a:latin typeface="Verdana" panose="020B0604030504040204" pitchFamily="34" charset="0"/>
+                <a:ea typeface="Verdana" panose="020B0604030504040204" pitchFamily="34" charset="0"/>
+                <a:cs typeface="Verdana" panose="020B0604030504040204" pitchFamily="34" charset="0"/>
+              </a:rPr>
+              <a:t>2 </a:t>
+            </a:r>
+            <a:r>
+              <a:rPr lang="en-US" sz="2000" b="0" u="sng" strike="noStrike" spc="-1" dirty="0" err="1">
+                <a:solidFill>
+                  <a:srgbClr val="ADADAD"/>
+                </a:solidFill>
+                <a:uFillTx/>
+                <a:latin typeface="Verdana" panose="020B0604030504040204" pitchFamily="34" charset="0"/>
+                <a:ea typeface="Verdana" panose="020B0604030504040204" pitchFamily="34" charset="0"/>
+                <a:cs typeface="Verdana" panose="020B0604030504040204" pitchFamily="34" charset="0"/>
+              </a:rPr>
+              <a:t>operazioni</a:t>
+            </a:r>
+            <a:r>
+              <a:rPr lang="en-US" sz="2000" b="0" u="sng" strike="noStrike" spc="-1" dirty="0">
+                <a:solidFill>
+                  <a:srgbClr val="ADADAD"/>
+                </a:solidFill>
+                <a:uFillTx/>
+                <a:latin typeface="Verdana" panose="020B0604030504040204" pitchFamily="34" charset="0"/>
+                <a:ea typeface="Verdana" panose="020B0604030504040204" pitchFamily="34" charset="0"/>
+                <a:cs typeface="Verdana" panose="020B0604030504040204" pitchFamily="34" charset="0"/>
+              </a:rPr>
+              <a:t> remote</a:t>
+            </a:r>
+            <a:r>
+              <a:rPr lang="en-US" sz="2000" b="0" strike="noStrike" spc="-1" dirty="0">
+                <a:solidFill>
+                  <a:srgbClr val="ADADAD"/>
+                </a:solidFill>
+                <a:latin typeface="Verdana" panose="020B0604030504040204" pitchFamily="34" charset="0"/>
+                <a:ea typeface="Verdana" panose="020B0604030504040204" pitchFamily="34" charset="0"/>
+                <a:cs typeface="Verdana" panose="020B0604030504040204" pitchFamily="34" charset="0"/>
               </a:rPr>
               <a:t>:</a:t>
             </a:r>
-            <a:endParaRPr b="0" lang="en-US" sz="2200" spc="-1" strike="noStrike">
+            <a:endParaRPr lang="en-US" sz="2000" b="0" strike="noStrike" spc="-1" dirty="0">
               <a:solidFill>
                 <a:srgbClr val="000000"/>
               </a:solidFill>
-              <a:latin typeface="Arial"/>
+              <a:latin typeface="Verdana" panose="020B0604030504040204" pitchFamily="34" charset="0"/>
+              <a:ea typeface="Verdana" panose="020B0604030504040204" pitchFamily="34" charset="0"/>
+              <a:cs typeface="Verdana" panose="020B0604030504040204" pitchFamily="34" charset="0"/>
             </a:endParaRPr>
           </a:p>
           <a:p>
@@ -4132,46 +4816,139 @@
                 <a:spcPts val="1599"/>
               </a:spcBef>
               <a:buClr>
-                <a:srgbClr val="adadad"/>
+                <a:srgbClr val="ADADAD"/>
               </a:buClr>
               <a:buFont typeface="Arial"/>
               <a:buAutoNum type="arabicPeriod"/>
             </a:pPr>
             <a:r>
-              <a:rPr b="0" lang="en-US" sz="2200" spc="-1" strike="noStrike">
-                <a:solidFill>
-                  <a:srgbClr val="adadad"/>
-                </a:solidFill>
-                <a:latin typeface="Arial"/>
-                <a:ea typeface="Arial"/>
-              </a:rPr>
-              <a:t>un servizio per </a:t>
-            </a:r>
-            <a:r>
-              <a:rPr b="1" lang="en-US" sz="2200" spc="-1" strike="noStrike">
-                <a:solidFill>
-                  <a:srgbClr val="adadad"/>
-                </a:solidFill>
-                <a:latin typeface="Arial"/>
-                <a:ea typeface="Arial"/>
-              </a:rPr>
-              <a:t>contare caratteri, parole e linee </a:t>
-            </a:r>
-            <a:r>
-              <a:rPr b="0" lang="en-US" sz="2200" spc="-1" strike="noStrike">
-                <a:solidFill>
-                  <a:srgbClr val="adadad"/>
-                </a:solidFill>
-                <a:latin typeface="Arial"/>
-                <a:ea typeface="Arial"/>
-              </a:rPr>
-              <a:t>di un file di testo</a:t>
-            </a:r>
-            <a:endParaRPr b="0" lang="en-US" sz="2200" spc="-1" strike="noStrike">
+              <a:rPr lang="en-US" sz="2000" b="0" strike="noStrike" spc="-1" dirty="0">
+                <a:solidFill>
+                  <a:srgbClr val="ADADAD"/>
+                </a:solidFill>
+                <a:latin typeface="Verdana" panose="020B0604030504040204" pitchFamily="34" charset="0"/>
+                <a:ea typeface="Verdana" panose="020B0604030504040204" pitchFamily="34" charset="0"/>
+                <a:cs typeface="Verdana" panose="020B0604030504040204" pitchFamily="34" charset="0"/>
+              </a:rPr>
+              <a:t>un </a:t>
+            </a:r>
+            <a:r>
+              <a:rPr lang="en-US" sz="2000" b="0" strike="noStrike" spc="-1" dirty="0" err="1">
+                <a:solidFill>
+                  <a:srgbClr val="ADADAD"/>
+                </a:solidFill>
+                <a:latin typeface="Verdana" panose="020B0604030504040204" pitchFamily="34" charset="0"/>
+                <a:ea typeface="Verdana" panose="020B0604030504040204" pitchFamily="34" charset="0"/>
+                <a:cs typeface="Verdana" panose="020B0604030504040204" pitchFamily="34" charset="0"/>
+              </a:rPr>
+              <a:t>servizio</a:t>
+            </a:r>
+            <a:r>
+              <a:rPr lang="en-US" sz="2000" b="0" strike="noStrike" spc="-1" dirty="0">
+                <a:solidFill>
+                  <a:srgbClr val="ADADAD"/>
+                </a:solidFill>
+                <a:latin typeface="Verdana" panose="020B0604030504040204" pitchFamily="34" charset="0"/>
+                <a:ea typeface="Verdana" panose="020B0604030504040204" pitchFamily="34" charset="0"/>
+                <a:cs typeface="Verdana" panose="020B0604030504040204" pitchFamily="34" charset="0"/>
+              </a:rPr>
+              <a:t> per </a:t>
+            </a:r>
+            <a:r>
+              <a:rPr lang="en-US" sz="2000" b="1" strike="noStrike" spc="-1" dirty="0" err="1">
+                <a:solidFill>
+                  <a:srgbClr val="ADADAD"/>
+                </a:solidFill>
+                <a:latin typeface="Verdana" panose="020B0604030504040204" pitchFamily="34" charset="0"/>
+                <a:ea typeface="Verdana" panose="020B0604030504040204" pitchFamily="34" charset="0"/>
+                <a:cs typeface="Verdana" panose="020B0604030504040204" pitchFamily="34" charset="0"/>
+              </a:rPr>
+              <a:t>contare</a:t>
+            </a:r>
+            <a:r>
+              <a:rPr lang="en-US" sz="2000" b="1" strike="noStrike" spc="-1" dirty="0">
+                <a:solidFill>
+                  <a:srgbClr val="ADADAD"/>
+                </a:solidFill>
+                <a:latin typeface="Verdana" panose="020B0604030504040204" pitchFamily="34" charset="0"/>
+                <a:ea typeface="Verdana" panose="020B0604030504040204" pitchFamily="34" charset="0"/>
+                <a:cs typeface="Verdana" panose="020B0604030504040204" pitchFamily="34" charset="0"/>
+              </a:rPr>
+              <a:t> </a:t>
+            </a:r>
+            <a:r>
+              <a:rPr lang="en-US" sz="2000" b="1" strike="noStrike" spc="-1" dirty="0" err="1">
+                <a:solidFill>
+                  <a:srgbClr val="ADADAD"/>
+                </a:solidFill>
+                <a:latin typeface="Verdana" panose="020B0604030504040204" pitchFamily="34" charset="0"/>
+                <a:ea typeface="Verdana" panose="020B0604030504040204" pitchFamily="34" charset="0"/>
+                <a:cs typeface="Verdana" panose="020B0604030504040204" pitchFamily="34" charset="0"/>
+              </a:rPr>
+              <a:t>caratteri</a:t>
+            </a:r>
+            <a:r>
+              <a:rPr lang="en-US" sz="2000" b="1" strike="noStrike" spc="-1" dirty="0">
+                <a:solidFill>
+                  <a:srgbClr val="ADADAD"/>
+                </a:solidFill>
+                <a:latin typeface="Verdana" panose="020B0604030504040204" pitchFamily="34" charset="0"/>
+                <a:ea typeface="Verdana" panose="020B0604030504040204" pitchFamily="34" charset="0"/>
+                <a:cs typeface="Verdana" panose="020B0604030504040204" pitchFamily="34" charset="0"/>
+              </a:rPr>
+              <a:t>, parole e </a:t>
+            </a:r>
+            <a:r>
+              <a:rPr lang="en-US" sz="2000" b="1" strike="noStrike" spc="-1" dirty="0" err="1">
+                <a:solidFill>
+                  <a:srgbClr val="ADADAD"/>
+                </a:solidFill>
+                <a:latin typeface="Verdana" panose="020B0604030504040204" pitchFamily="34" charset="0"/>
+                <a:ea typeface="Verdana" panose="020B0604030504040204" pitchFamily="34" charset="0"/>
+                <a:cs typeface="Verdana" panose="020B0604030504040204" pitchFamily="34" charset="0"/>
+              </a:rPr>
+              <a:t>linee</a:t>
+            </a:r>
+            <a:r>
+              <a:rPr lang="en-US" sz="2000" b="1" strike="noStrike" spc="-1" dirty="0">
+                <a:solidFill>
+                  <a:srgbClr val="ADADAD"/>
+                </a:solidFill>
+                <a:latin typeface="Verdana" panose="020B0604030504040204" pitchFamily="34" charset="0"/>
+                <a:ea typeface="Verdana" panose="020B0604030504040204" pitchFamily="34" charset="0"/>
+                <a:cs typeface="Verdana" panose="020B0604030504040204" pitchFamily="34" charset="0"/>
+              </a:rPr>
+              <a:t> </a:t>
+            </a:r>
+            <a:r>
+              <a:rPr lang="en-US" sz="2000" b="0" strike="noStrike" spc="-1" dirty="0">
+                <a:solidFill>
+                  <a:srgbClr val="ADADAD"/>
+                </a:solidFill>
+                <a:latin typeface="Verdana" panose="020B0604030504040204" pitchFamily="34" charset="0"/>
+                <a:ea typeface="Verdana" panose="020B0604030504040204" pitchFamily="34" charset="0"/>
+                <a:cs typeface="Verdana" panose="020B0604030504040204" pitchFamily="34" charset="0"/>
+              </a:rPr>
+              <a:t>di un file di </a:t>
+            </a:r>
+            <a:r>
+              <a:rPr lang="en-US" sz="2000" b="0" strike="noStrike" spc="-1" dirty="0" err="1">
+                <a:solidFill>
+                  <a:srgbClr val="ADADAD"/>
+                </a:solidFill>
+                <a:latin typeface="Verdana" panose="020B0604030504040204" pitchFamily="34" charset="0"/>
+                <a:ea typeface="Verdana" panose="020B0604030504040204" pitchFamily="34" charset="0"/>
+                <a:cs typeface="Verdana" panose="020B0604030504040204" pitchFamily="34" charset="0"/>
+              </a:rPr>
+              <a:t>testo</a:t>
+            </a:r>
+            <a:endParaRPr lang="en-US" sz="2000" b="0" strike="noStrike" spc="-1" dirty="0">
               <a:solidFill>
                 <a:srgbClr val="000000"/>
               </a:solidFill>
-              <a:latin typeface="Arial"/>
+              <a:latin typeface="Verdana" panose="020B0604030504040204" pitchFamily="34" charset="0"/>
+              <a:ea typeface="Verdana" panose="020B0604030504040204" pitchFamily="34" charset="0"/>
+              <a:cs typeface="Verdana" panose="020B0604030504040204" pitchFamily="34" charset="0"/>
             </a:endParaRPr>
           </a:p>
           <a:p>
@@ -4180,65 +4957,318 @@
                 <a:spcPct val="115000"/>
               </a:lnSpc>
               <a:buClr>
-                <a:srgbClr val="adadad"/>
+                <a:srgbClr val="ADADAD"/>
               </a:buClr>
               <a:buFont typeface="Arial"/>
               <a:buAutoNum type="arabicPeriod"/>
             </a:pPr>
             <a:r>
-              <a:rPr b="0" lang="en-US" sz="2200" spc="-1" strike="noStrike">
-                <a:solidFill>
-                  <a:srgbClr val="adadad"/>
-                </a:solidFill>
-                <a:latin typeface="Arial"/>
-                <a:ea typeface="Arial"/>
-              </a:rPr>
-              <a:t>un servizio per </a:t>
-            </a:r>
-            <a:r>
-              <a:rPr b="1" lang="en-US" sz="2200" spc="-1" strike="noStrike">
-                <a:solidFill>
-                  <a:srgbClr val="adadad"/>
-                </a:solidFill>
-                <a:latin typeface="Arial"/>
-                <a:ea typeface="Arial"/>
-              </a:rPr>
-              <a:t>contare numero file </a:t>
-            </a:r>
-            <a:r>
-              <a:rPr b="0" lang="en-US" sz="2200" spc="-1" strike="noStrike">
-                <a:solidFill>
-                  <a:srgbClr val="adadad"/>
-                </a:solidFill>
-                <a:latin typeface="Arial"/>
-                <a:ea typeface="Arial"/>
-              </a:rPr>
-              <a:t>presenti su direttorio remoto  scelto la cui dimensione sia maggiore di una soglia indicata</a:t>
-            </a:r>
-            <a:endParaRPr b="0" lang="en-US" sz="2200" spc="-1" strike="noStrike">
+              <a:rPr lang="en-US" sz="2000" b="0" strike="noStrike" spc="-1" dirty="0">
+                <a:solidFill>
+                  <a:srgbClr val="ADADAD"/>
+                </a:solidFill>
+                <a:latin typeface="Verdana" panose="020B0604030504040204" pitchFamily="34" charset="0"/>
+                <a:ea typeface="Verdana" panose="020B0604030504040204" pitchFamily="34" charset="0"/>
+                <a:cs typeface="Verdana" panose="020B0604030504040204" pitchFamily="34" charset="0"/>
+              </a:rPr>
+              <a:t>un </a:t>
+            </a:r>
+            <a:r>
+              <a:rPr lang="en-US" sz="2000" b="0" strike="noStrike" spc="-1" dirty="0" err="1">
+                <a:solidFill>
+                  <a:srgbClr val="ADADAD"/>
+                </a:solidFill>
+                <a:latin typeface="Verdana" panose="020B0604030504040204" pitchFamily="34" charset="0"/>
+                <a:ea typeface="Verdana" panose="020B0604030504040204" pitchFamily="34" charset="0"/>
+                <a:cs typeface="Verdana" panose="020B0604030504040204" pitchFamily="34" charset="0"/>
+              </a:rPr>
+              <a:t>servizio</a:t>
+            </a:r>
+            <a:r>
+              <a:rPr lang="en-US" sz="2000" b="0" strike="noStrike" spc="-1" dirty="0">
+                <a:solidFill>
+                  <a:srgbClr val="ADADAD"/>
+                </a:solidFill>
+                <a:latin typeface="Verdana" panose="020B0604030504040204" pitchFamily="34" charset="0"/>
+                <a:ea typeface="Verdana" panose="020B0604030504040204" pitchFamily="34" charset="0"/>
+                <a:cs typeface="Verdana" panose="020B0604030504040204" pitchFamily="34" charset="0"/>
+              </a:rPr>
+              <a:t> per </a:t>
+            </a:r>
+            <a:r>
+              <a:rPr lang="en-US" sz="2000" b="1" strike="noStrike" spc="-1" dirty="0" err="1">
+                <a:solidFill>
+                  <a:srgbClr val="ADADAD"/>
+                </a:solidFill>
+                <a:latin typeface="Verdana" panose="020B0604030504040204" pitchFamily="34" charset="0"/>
+                <a:ea typeface="Verdana" panose="020B0604030504040204" pitchFamily="34" charset="0"/>
+                <a:cs typeface="Verdana" panose="020B0604030504040204" pitchFamily="34" charset="0"/>
+              </a:rPr>
+              <a:t>contare</a:t>
+            </a:r>
+            <a:r>
+              <a:rPr lang="en-US" sz="2000" b="1" strike="noStrike" spc="-1" dirty="0">
+                <a:solidFill>
+                  <a:srgbClr val="ADADAD"/>
+                </a:solidFill>
+                <a:latin typeface="Verdana" panose="020B0604030504040204" pitchFamily="34" charset="0"/>
+                <a:ea typeface="Verdana" panose="020B0604030504040204" pitchFamily="34" charset="0"/>
+                <a:cs typeface="Verdana" panose="020B0604030504040204" pitchFamily="34" charset="0"/>
+              </a:rPr>
+              <a:t> </a:t>
+            </a:r>
+            <a:r>
+              <a:rPr lang="en-US" sz="2000" b="1" strike="noStrike" spc="-1" dirty="0" err="1">
+                <a:solidFill>
+                  <a:srgbClr val="ADADAD"/>
+                </a:solidFill>
+                <a:latin typeface="Verdana" panose="020B0604030504040204" pitchFamily="34" charset="0"/>
+                <a:ea typeface="Verdana" panose="020B0604030504040204" pitchFamily="34" charset="0"/>
+                <a:cs typeface="Verdana" panose="020B0604030504040204" pitchFamily="34" charset="0"/>
+              </a:rPr>
+              <a:t>numero</a:t>
+            </a:r>
+            <a:r>
+              <a:rPr lang="en-US" sz="2000" b="1" strike="noStrike" spc="-1" dirty="0">
+                <a:solidFill>
+                  <a:srgbClr val="ADADAD"/>
+                </a:solidFill>
+                <a:latin typeface="Verdana" panose="020B0604030504040204" pitchFamily="34" charset="0"/>
+                <a:ea typeface="Verdana" panose="020B0604030504040204" pitchFamily="34" charset="0"/>
+                <a:cs typeface="Verdana" panose="020B0604030504040204" pitchFamily="34" charset="0"/>
+              </a:rPr>
+              <a:t> file </a:t>
+            </a:r>
+            <a:r>
+              <a:rPr lang="en-US" sz="2000" b="0" strike="noStrike" spc="-1" dirty="0" err="1">
+                <a:solidFill>
+                  <a:srgbClr val="ADADAD"/>
+                </a:solidFill>
+                <a:latin typeface="Verdana" panose="020B0604030504040204" pitchFamily="34" charset="0"/>
+                <a:ea typeface="Verdana" panose="020B0604030504040204" pitchFamily="34" charset="0"/>
+                <a:cs typeface="Verdana" panose="020B0604030504040204" pitchFamily="34" charset="0"/>
+              </a:rPr>
+              <a:t>presenti</a:t>
+            </a:r>
+            <a:r>
+              <a:rPr lang="en-US" sz="2000" b="0" strike="noStrike" spc="-1" dirty="0">
+                <a:solidFill>
+                  <a:srgbClr val="ADADAD"/>
+                </a:solidFill>
+                <a:latin typeface="Verdana" panose="020B0604030504040204" pitchFamily="34" charset="0"/>
+                <a:ea typeface="Verdana" panose="020B0604030504040204" pitchFamily="34" charset="0"/>
+                <a:cs typeface="Verdana" panose="020B0604030504040204" pitchFamily="34" charset="0"/>
+              </a:rPr>
+              <a:t> </a:t>
+            </a:r>
+            <a:r>
+              <a:rPr lang="en-US" sz="2000" b="0" strike="noStrike" spc="-1" dirty="0" err="1">
+                <a:solidFill>
+                  <a:srgbClr val="ADADAD"/>
+                </a:solidFill>
+                <a:latin typeface="Verdana" panose="020B0604030504040204" pitchFamily="34" charset="0"/>
+                <a:ea typeface="Verdana" panose="020B0604030504040204" pitchFamily="34" charset="0"/>
+                <a:cs typeface="Verdana" panose="020B0604030504040204" pitchFamily="34" charset="0"/>
+              </a:rPr>
+              <a:t>su</a:t>
+            </a:r>
+            <a:r>
+              <a:rPr lang="en-US" sz="2000" b="0" strike="noStrike" spc="-1" dirty="0">
+                <a:solidFill>
+                  <a:srgbClr val="ADADAD"/>
+                </a:solidFill>
+                <a:latin typeface="Verdana" panose="020B0604030504040204" pitchFamily="34" charset="0"/>
+                <a:ea typeface="Verdana" panose="020B0604030504040204" pitchFamily="34" charset="0"/>
+                <a:cs typeface="Verdana" panose="020B0604030504040204" pitchFamily="34" charset="0"/>
+              </a:rPr>
+              <a:t> </a:t>
+            </a:r>
+            <a:r>
+              <a:rPr lang="en-US" sz="2000" b="0" strike="noStrike" spc="-1" dirty="0" err="1">
+                <a:solidFill>
+                  <a:srgbClr val="ADADAD"/>
+                </a:solidFill>
+                <a:latin typeface="Verdana" panose="020B0604030504040204" pitchFamily="34" charset="0"/>
+                <a:ea typeface="Verdana" panose="020B0604030504040204" pitchFamily="34" charset="0"/>
+                <a:cs typeface="Verdana" panose="020B0604030504040204" pitchFamily="34" charset="0"/>
+              </a:rPr>
+              <a:t>direttorio</a:t>
+            </a:r>
+            <a:r>
+              <a:rPr lang="en-US" sz="2000" b="0" strike="noStrike" spc="-1" dirty="0">
+                <a:solidFill>
+                  <a:srgbClr val="ADADAD"/>
+                </a:solidFill>
+                <a:latin typeface="Verdana" panose="020B0604030504040204" pitchFamily="34" charset="0"/>
+                <a:ea typeface="Verdana" panose="020B0604030504040204" pitchFamily="34" charset="0"/>
+                <a:cs typeface="Verdana" panose="020B0604030504040204" pitchFamily="34" charset="0"/>
+              </a:rPr>
+              <a:t> </a:t>
+            </a:r>
+            <a:r>
+              <a:rPr lang="en-US" sz="2000" b="0" strike="noStrike" spc="-1" dirty="0" err="1">
+                <a:solidFill>
+                  <a:srgbClr val="ADADAD"/>
+                </a:solidFill>
+                <a:latin typeface="Verdana" panose="020B0604030504040204" pitchFamily="34" charset="0"/>
+                <a:ea typeface="Verdana" panose="020B0604030504040204" pitchFamily="34" charset="0"/>
+                <a:cs typeface="Verdana" panose="020B0604030504040204" pitchFamily="34" charset="0"/>
+              </a:rPr>
+              <a:t>remoto</a:t>
+            </a:r>
+            <a:r>
+              <a:rPr lang="en-US" sz="2000" b="0" strike="noStrike" spc="-1" dirty="0">
+                <a:solidFill>
+                  <a:srgbClr val="ADADAD"/>
+                </a:solidFill>
+                <a:latin typeface="Verdana" panose="020B0604030504040204" pitchFamily="34" charset="0"/>
+                <a:ea typeface="Verdana" panose="020B0604030504040204" pitchFamily="34" charset="0"/>
+                <a:cs typeface="Verdana" panose="020B0604030504040204" pitchFamily="34" charset="0"/>
+              </a:rPr>
+              <a:t> </a:t>
+            </a:r>
+            <a:r>
+              <a:rPr lang="en-US" sz="2000" b="0" strike="noStrike" spc="-1" dirty="0" err="1">
+                <a:solidFill>
+                  <a:srgbClr val="ADADAD"/>
+                </a:solidFill>
+                <a:latin typeface="Verdana" panose="020B0604030504040204" pitchFamily="34" charset="0"/>
+                <a:ea typeface="Verdana" panose="020B0604030504040204" pitchFamily="34" charset="0"/>
+                <a:cs typeface="Verdana" panose="020B0604030504040204" pitchFamily="34" charset="0"/>
+              </a:rPr>
+              <a:t>scelto</a:t>
+            </a:r>
+            <a:r>
+              <a:rPr lang="en-US" sz="2000" b="0" strike="noStrike" spc="-1" dirty="0">
+                <a:solidFill>
+                  <a:srgbClr val="ADADAD"/>
+                </a:solidFill>
+                <a:latin typeface="Verdana" panose="020B0604030504040204" pitchFamily="34" charset="0"/>
+                <a:ea typeface="Verdana" panose="020B0604030504040204" pitchFamily="34" charset="0"/>
+                <a:cs typeface="Verdana" panose="020B0604030504040204" pitchFamily="34" charset="0"/>
+              </a:rPr>
+              <a:t> la cui </a:t>
+            </a:r>
+            <a:r>
+              <a:rPr lang="en-US" sz="2000" b="0" strike="noStrike" spc="-1" dirty="0" err="1">
+                <a:solidFill>
+                  <a:srgbClr val="ADADAD"/>
+                </a:solidFill>
+                <a:latin typeface="Verdana" panose="020B0604030504040204" pitchFamily="34" charset="0"/>
+                <a:ea typeface="Verdana" panose="020B0604030504040204" pitchFamily="34" charset="0"/>
+                <a:cs typeface="Verdana" panose="020B0604030504040204" pitchFamily="34" charset="0"/>
+              </a:rPr>
+              <a:t>dimensione</a:t>
+            </a:r>
+            <a:r>
+              <a:rPr lang="en-US" sz="2000" b="0" strike="noStrike" spc="-1" dirty="0">
+                <a:solidFill>
+                  <a:srgbClr val="ADADAD"/>
+                </a:solidFill>
+                <a:latin typeface="Verdana" panose="020B0604030504040204" pitchFamily="34" charset="0"/>
+                <a:ea typeface="Verdana" panose="020B0604030504040204" pitchFamily="34" charset="0"/>
+                <a:cs typeface="Verdana" panose="020B0604030504040204" pitchFamily="34" charset="0"/>
+              </a:rPr>
+              <a:t> </a:t>
+            </a:r>
+            <a:r>
+              <a:rPr lang="en-US" sz="2000" b="0" strike="noStrike" spc="-1" dirty="0" err="1">
+                <a:solidFill>
+                  <a:srgbClr val="ADADAD"/>
+                </a:solidFill>
+                <a:latin typeface="Verdana" panose="020B0604030504040204" pitchFamily="34" charset="0"/>
+                <a:ea typeface="Verdana" panose="020B0604030504040204" pitchFamily="34" charset="0"/>
+                <a:cs typeface="Verdana" panose="020B0604030504040204" pitchFamily="34" charset="0"/>
+              </a:rPr>
+              <a:t>sia</a:t>
+            </a:r>
+            <a:r>
+              <a:rPr lang="en-US" sz="2000" b="0" strike="noStrike" spc="-1" dirty="0">
+                <a:solidFill>
+                  <a:srgbClr val="ADADAD"/>
+                </a:solidFill>
+                <a:latin typeface="Verdana" panose="020B0604030504040204" pitchFamily="34" charset="0"/>
+                <a:ea typeface="Verdana" panose="020B0604030504040204" pitchFamily="34" charset="0"/>
+                <a:cs typeface="Verdana" panose="020B0604030504040204" pitchFamily="34" charset="0"/>
+              </a:rPr>
+              <a:t> </a:t>
+            </a:r>
+            <a:r>
+              <a:rPr lang="en-US" sz="2000" b="0" strike="noStrike" spc="-1" dirty="0" err="1">
+                <a:solidFill>
+                  <a:srgbClr val="ADADAD"/>
+                </a:solidFill>
+                <a:latin typeface="Verdana" panose="020B0604030504040204" pitchFamily="34" charset="0"/>
+                <a:ea typeface="Verdana" panose="020B0604030504040204" pitchFamily="34" charset="0"/>
+                <a:cs typeface="Verdana" panose="020B0604030504040204" pitchFamily="34" charset="0"/>
+              </a:rPr>
+              <a:t>maggiore</a:t>
+            </a:r>
+            <a:r>
+              <a:rPr lang="en-US" sz="2000" b="0" strike="noStrike" spc="-1" dirty="0">
+                <a:solidFill>
+                  <a:srgbClr val="ADADAD"/>
+                </a:solidFill>
+                <a:latin typeface="Verdana" panose="020B0604030504040204" pitchFamily="34" charset="0"/>
+                <a:ea typeface="Verdana" panose="020B0604030504040204" pitchFamily="34" charset="0"/>
+                <a:cs typeface="Verdana" panose="020B0604030504040204" pitchFamily="34" charset="0"/>
+              </a:rPr>
+              <a:t> di una </a:t>
+            </a:r>
+            <a:r>
+              <a:rPr lang="en-US" sz="2000" b="1" strike="noStrike" spc="-1" dirty="0" err="1">
+                <a:solidFill>
+                  <a:srgbClr val="ADADAD"/>
+                </a:solidFill>
+                <a:latin typeface="Verdana" panose="020B0604030504040204" pitchFamily="34" charset="0"/>
+                <a:ea typeface="Verdana" panose="020B0604030504040204" pitchFamily="34" charset="0"/>
+                <a:cs typeface="Verdana" panose="020B0604030504040204" pitchFamily="34" charset="0"/>
+              </a:rPr>
+              <a:t>soglia</a:t>
+            </a:r>
+            <a:r>
+              <a:rPr lang="en-US" sz="2000" b="1" strike="noStrike" spc="-1" dirty="0">
+                <a:solidFill>
+                  <a:srgbClr val="ADADAD"/>
+                </a:solidFill>
+                <a:latin typeface="Verdana" panose="020B0604030504040204" pitchFamily="34" charset="0"/>
+                <a:ea typeface="Verdana" panose="020B0604030504040204" pitchFamily="34" charset="0"/>
+                <a:cs typeface="Verdana" panose="020B0604030504040204" pitchFamily="34" charset="0"/>
+              </a:rPr>
+              <a:t> </a:t>
+            </a:r>
+            <a:r>
+              <a:rPr lang="en-US" sz="2000" b="1" strike="noStrike" spc="-1" dirty="0" err="1">
+                <a:solidFill>
+                  <a:srgbClr val="ADADAD"/>
+                </a:solidFill>
+                <a:latin typeface="Verdana" panose="020B0604030504040204" pitchFamily="34" charset="0"/>
+                <a:ea typeface="Verdana" panose="020B0604030504040204" pitchFamily="34" charset="0"/>
+                <a:cs typeface="Verdana" panose="020B0604030504040204" pitchFamily="34" charset="0"/>
+              </a:rPr>
+              <a:t>indicata</a:t>
+            </a:r>
+            <a:endParaRPr lang="en-US" sz="2000" b="1" strike="noStrike" spc="-1" dirty="0">
               <a:solidFill>
                 <a:srgbClr val="000000"/>
               </a:solidFill>
-              <a:latin typeface="Arial"/>
+              <a:latin typeface="Verdana" panose="020B0604030504040204" pitchFamily="34" charset="0"/>
+              <a:ea typeface="Verdana" panose="020B0604030504040204" pitchFamily="34" charset="0"/>
+              <a:cs typeface="Verdana" panose="020B0604030504040204" pitchFamily="34" charset="0"/>
             </a:endParaRPr>
           </a:p>
         </p:txBody>
       </p:sp>
     </p:spTree>
   </p:cSld>
-  <mc:AlternateContent>
-    <mc:Choice Requires="p14">
-      <p:transition spd="slow" p14:dur="2000"/>
-    </mc:Choice>
-    <mc:Fallback>
-      <p:transition spd="slow"/>
-    </mc:Fallback>
-  </mc:AlternateContent>
+  <p:clrMapOvr>
+    <a:masterClrMapping/>
+  </p:clrMapOvr>
 </p:sld>
 </file>
 
 <file path=ppt/slides/slide3.xml><?xml version="1.0" encoding="utf-8"?>
-<p:sld xmlns:a="http://schemas.openxmlformats.org/drawingml/2006/main" xmlns:p="http://schemas.openxmlformats.org/presentationml/2006/main" xmlns:r="http://schemas.openxmlformats.org/officeDocument/2006/relationships" xmlns:p14="http://schemas.microsoft.com/office/powerpoint/2010/main" xmlns:p15="http://schemas.microsoft.com/office/powerpoint/2012/main" xmlns:mc="http://schemas.openxmlformats.org/markup-compatibility/2006">
+<p:sld xmlns:a="http://schemas.openxmlformats.org/drawingml/2006/main" xmlns:r="http://schemas.openxmlformats.org/officeDocument/2006/relationships" xmlns:p="http://schemas.openxmlformats.org/presentationml/2006/main">
   <p:cSld>
     <p:spTree>
       <p:nvGrpSpPr>
@@ -4256,67 +5286,838 @@
       </p:grpSpPr>
       <p:sp>
         <p:nvSpPr>
-          <p:cNvPr id="82" name="TextShape 1"/>
+          <p:cNvPr id="3" name="Ovale 2">
+            <a:extLst>
+              <a:ext uri="{FF2B5EF4-FFF2-40B4-BE49-F238E27FC236}">
+                <a16:creationId xmlns:a16="http://schemas.microsoft.com/office/drawing/2014/main" id="{0E2AEF65-36DE-944A-8DCF-28F6DF365DAB}"/>
+              </a:ext>
+            </a:extLst>
+          </p:cNvPr>
+          <p:cNvSpPr/>
+          <p:nvPr/>
+        </p:nvSpPr>
+        <p:spPr>
+          <a:xfrm>
+            <a:off x="1274615" y="835601"/>
+            <a:ext cx="1828801" cy="1265959"/>
+          </a:xfrm>
+          <a:prstGeom prst="ellipse">
+            <a:avLst/>
+          </a:prstGeom>
+          <a:solidFill>
+            <a:schemeClr val="bg2">
+              <a:lumMod val="60000"/>
+              <a:lumOff val="40000"/>
+            </a:schemeClr>
+          </a:solidFill>
+          <a:ln>
+            <a:solidFill>
+              <a:schemeClr val="bg1"/>
+            </a:solidFill>
+          </a:ln>
+        </p:spPr>
+        <p:style>
+          <a:lnRef idx="2">
+            <a:schemeClr val="accent1">
+              <a:shade val="50000"/>
+            </a:schemeClr>
+          </a:lnRef>
+          <a:fillRef idx="1">
+            <a:schemeClr val="accent1"/>
+          </a:fillRef>
+          <a:effectRef idx="0">
+            <a:schemeClr val="accent1"/>
+          </a:effectRef>
+          <a:fontRef idx="minor">
+            <a:schemeClr val="lt1"/>
+          </a:fontRef>
+        </p:style>
+        <p:txBody>
+          <a:bodyPr rtlCol="0" anchor="ctr"/>
+          <a:lstStyle/>
+          <a:p>
+            <a:pPr algn="ctr"/>
+            <a:r>
+              <a:rPr lang="it-IT" sz="2400" dirty="0">
+                <a:solidFill>
+                  <a:schemeClr val="tx1">
+                    <a:lumMod val="85000"/>
+                    <a:lumOff val="15000"/>
+                  </a:schemeClr>
+                </a:solidFill>
+                <a:latin typeface="Verdana" panose="020B0604030504040204" pitchFamily="34" charset="0"/>
+                <a:ea typeface="Verdana" panose="020B0604030504040204" pitchFamily="34" charset="0"/>
+                <a:cs typeface="Verdana" panose="020B0604030504040204" pitchFamily="34" charset="0"/>
+              </a:rPr>
+              <a:t>Client</a:t>
+            </a:r>
+          </a:p>
+        </p:txBody>
+      </p:sp>
+      <p:sp>
+        <p:nvSpPr>
+          <p:cNvPr id="4" name="Rettangolo 3">
+            <a:extLst>
+              <a:ext uri="{FF2B5EF4-FFF2-40B4-BE49-F238E27FC236}">
+                <a16:creationId xmlns:a16="http://schemas.microsoft.com/office/drawing/2014/main" id="{5A5D3242-FB5C-C742-9111-72D5EB3339F3}"/>
+              </a:ext>
+            </a:extLst>
+          </p:cNvPr>
+          <p:cNvSpPr/>
+          <p:nvPr/>
+        </p:nvSpPr>
+        <p:spPr>
+          <a:xfrm>
+            <a:off x="1052940" y="3041941"/>
+            <a:ext cx="2272150" cy="748146"/>
+          </a:xfrm>
+          <a:prstGeom prst="rect">
+            <a:avLst/>
+          </a:prstGeom>
+          <a:solidFill>
+            <a:schemeClr val="bg2">
+              <a:lumMod val="60000"/>
+              <a:lumOff val="40000"/>
+            </a:schemeClr>
+          </a:solidFill>
+          <a:ln>
+            <a:solidFill>
+              <a:schemeClr val="bg1"/>
+            </a:solidFill>
+          </a:ln>
+        </p:spPr>
+        <p:style>
+          <a:lnRef idx="2">
+            <a:schemeClr val="accent1">
+              <a:shade val="50000"/>
+            </a:schemeClr>
+          </a:lnRef>
+          <a:fillRef idx="1">
+            <a:schemeClr val="accent1"/>
+          </a:fillRef>
+          <a:effectRef idx="0">
+            <a:schemeClr val="accent1"/>
+          </a:effectRef>
+          <a:fontRef idx="minor">
+            <a:schemeClr val="lt1"/>
+          </a:fontRef>
+        </p:style>
+        <p:txBody>
+          <a:bodyPr rtlCol="0" anchor="ctr"/>
+          <a:lstStyle/>
+          <a:p>
+            <a:pPr algn="ctr"/>
+            <a:r>
+              <a:rPr lang="it-IT" dirty="0" err="1">
+                <a:solidFill>
+                  <a:schemeClr val="tx1">
+                    <a:lumMod val="85000"/>
+                    <a:lumOff val="15000"/>
+                  </a:schemeClr>
+                </a:solidFill>
+                <a:latin typeface="Verdana" panose="020B0604030504040204" pitchFamily="34" charset="0"/>
+                <a:ea typeface="Verdana" panose="020B0604030504040204" pitchFamily="34" charset="0"/>
+                <a:cs typeface="Verdana" panose="020B0604030504040204" pitchFamily="34" charset="0"/>
+              </a:rPr>
+              <a:t>scan_clnt.c</a:t>
+            </a:r>
+            <a:endParaRPr lang="it-IT" dirty="0">
+              <a:solidFill>
+                <a:schemeClr val="tx1">
+                  <a:lumMod val="85000"/>
+                  <a:lumOff val="15000"/>
+                </a:schemeClr>
+              </a:solidFill>
+              <a:latin typeface="Verdana" panose="020B0604030504040204" pitchFamily="34" charset="0"/>
+              <a:ea typeface="Verdana" panose="020B0604030504040204" pitchFamily="34" charset="0"/>
+              <a:cs typeface="Verdana" panose="020B0604030504040204" pitchFamily="34" charset="0"/>
+            </a:endParaRPr>
+          </a:p>
+        </p:txBody>
+      </p:sp>
+      <p:sp>
+        <p:nvSpPr>
+          <p:cNvPr id="7" name="Ovale 6">
+            <a:extLst>
+              <a:ext uri="{FF2B5EF4-FFF2-40B4-BE49-F238E27FC236}">
+                <a16:creationId xmlns:a16="http://schemas.microsoft.com/office/drawing/2014/main" id="{19183834-4977-3140-97F5-F9C4A8DDE9B1}"/>
+              </a:ext>
+            </a:extLst>
+          </p:cNvPr>
+          <p:cNvSpPr/>
+          <p:nvPr/>
+        </p:nvSpPr>
+        <p:spPr>
+          <a:xfrm>
+            <a:off x="6040586" y="835601"/>
+            <a:ext cx="1828801" cy="1265959"/>
+          </a:xfrm>
+          <a:prstGeom prst="ellipse">
+            <a:avLst/>
+          </a:prstGeom>
+          <a:solidFill>
+            <a:schemeClr val="bg2">
+              <a:lumMod val="60000"/>
+              <a:lumOff val="40000"/>
+            </a:schemeClr>
+          </a:solidFill>
+          <a:ln>
+            <a:solidFill>
+              <a:schemeClr val="bg1"/>
+            </a:solidFill>
+          </a:ln>
+        </p:spPr>
+        <p:style>
+          <a:lnRef idx="2">
+            <a:schemeClr val="accent1">
+              <a:shade val="50000"/>
+            </a:schemeClr>
+          </a:lnRef>
+          <a:fillRef idx="1">
+            <a:schemeClr val="accent1"/>
+          </a:fillRef>
+          <a:effectRef idx="0">
+            <a:schemeClr val="accent1"/>
+          </a:effectRef>
+          <a:fontRef idx="minor">
+            <a:schemeClr val="lt1"/>
+          </a:fontRef>
+        </p:style>
+        <p:txBody>
+          <a:bodyPr rtlCol="0" anchor="ctr"/>
+          <a:lstStyle/>
+          <a:p>
+            <a:pPr algn="ctr"/>
+            <a:r>
+              <a:rPr lang="it-IT" sz="2400" dirty="0">
+                <a:solidFill>
+                  <a:schemeClr val="tx1">
+                    <a:lumMod val="85000"/>
+                    <a:lumOff val="15000"/>
+                  </a:schemeClr>
+                </a:solidFill>
+                <a:latin typeface="Verdana" panose="020B0604030504040204" pitchFamily="34" charset="0"/>
+                <a:ea typeface="Verdana" panose="020B0604030504040204" pitchFamily="34" charset="0"/>
+                <a:cs typeface="Verdana" panose="020B0604030504040204" pitchFamily="34" charset="0"/>
+              </a:rPr>
+              <a:t>Server</a:t>
+            </a:r>
+          </a:p>
+        </p:txBody>
+      </p:sp>
+      <p:sp>
+        <p:nvSpPr>
+          <p:cNvPr id="8" name="Rettangolo 7">
+            <a:extLst>
+              <a:ext uri="{FF2B5EF4-FFF2-40B4-BE49-F238E27FC236}">
+                <a16:creationId xmlns:a16="http://schemas.microsoft.com/office/drawing/2014/main" id="{B462B7F8-280A-554A-A53E-60BBC632DF2D}"/>
+              </a:ext>
+            </a:extLst>
+          </p:cNvPr>
+          <p:cNvSpPr/>
+          <p:nvPr/>
+        </p:nvSpPr>
+        <p:spPr>
+          <a:xfrm>
+            <a:off x="5818910" y="3041941"/>
+            <a:ext cx="2272150" cy="748146"/>
+          </a:xfrm>
+          <a:prstGeom prst="rect">
+            <a:avLst/>
+          </a:prstGeom>
+          <a:solidFill>
+            <a:schemeClr val="bg2">
+              <a:lumMod val="60000"/>
+              <a:lumOff val="40000"/>
+            </a:schemeClr>
+          </a:solidFill>
+          <a:ln>
+            <a:solidFill>
+              <a:schemeClr val="bg1"/>
+            </a:solidFill>
+          </a:ln>
+        </p:spPr>
+        <p:style>
+          <a:lnRef idx="2">
+            <a:schemeClr val="accent1">
+              <a:shade val="50000"/>
+            </a:schemeClr>
+          </a:lnRef>
+          <a:fillRef idx="1">
+            <a:schemeClr val="accent1"/>
+          </a:fillRef>
+          <a:effectRef idx="0">
+            <a:schemeClr val="accent1"/>
+          </a:effectRef>
+          <a:fontRef idx="minor">
+            <a:schemeClr val="lt1"/>
+          </a:fontRef>
+        </p:style>
+        <p:txBody>
+          <a:bodyPr rtlCol="0" anchor="ctr"/>
+          <a:lstStyle/>
+          <a:p>
+            <a:pPr algn="ctr"/>
+            <a:r>
+              <a:rPr lang="it-IT" dirty="0" err="1">
+                <a:solidFill>
+                  <a:schemeClr val="tx1">
+                    <a:lumMod val="85000"/>
+                    <a:lumOff val="15000"/>
+                  </a:schemeClr>
+                </a:solidFill>
+                <a:latin typeface="Verdana" panose="020B0604030504040204" pitchFamily="34" charset="0"/>
+                <a:ea typeface="Verdana" panose="020B0604030504040204" pitchFamily="34" charset="0"/>
+                <a:cs typeface="Verdana" panose="020B0604030504040204" pitchFamily="34" charset="0"/>
+              </a:rPr>
+              <a:t>scan_svc.c</a:t>
+            </a:r>
+            <a:endParaRPr lang="it-IT" dirty="0">
+              <a:solidFill>
+                <a:schemeClr val="tx1">
+                  <a:lumMod val="85000"/>
+                  <a:lumOff val="15000"/>
+                </a:schemeClr>
+              </a:solidFill>
+              <a:latin typeface="Verdana" panose="020B0604030504040204" pitchFamily="34" charset="0"/>
+              <a:ea typeface="Verdana" panose="020B0604030504040204" pitchFamily="34" charset="0"/>
+              <a:cs typeface="Verdana" panose="020B0604030504040204" pitchFamily="34" charset="0"/>
+            </a:endParaRPr>
+          </a:p>
+        </p:txBody>
+      </p:sp>
+      <p:cxnSp>
+        <p:nvCxnSpPr>
+          <p:cNvPr id="9" name="Connettore 2 8">
+            <a:extLst>
+              <a:ext uri="{FF2B5EF4-FFF2-40B4-BE49-F238E27FC236}">
+                <a16:creationId xmlns:a16="http://schemas.microsoft.com/office/drawing/2014/main" id="{4E05D604-946B-E94F-A1FC-62E8C9B060EC}"/>
+              </a:ext>
+            </a:extLst>
+          </p:cNvPr>
+          <p:cNvCxnSpPr>
+            <a:stCxn id="3" idx="4"/>
+            <a:endCxn id="4" idx="0"/>
+          </p:cNvCxnSpPr>
+          <p:nvPr/>
+        </p:nvCxnSpPr>
+        <p:spPr>
+          <a:xfrm flipH="1">
+            <a:off x="2189015" y="2101560"/>
+            <a:ext cx="1" cy="940381"/>
+          </a:xfrm>
+          <a:prstGeom prst="straightConnector1">
+            <a:avLst/>
+          </a:prstGeom>
+          <a:ln>
+            <a:headEnd type="none" w="med" len="med"/>
+            <a:tailEnd type="arrow" w="med" len="med"/>
+          </a:ln>
+        </p:spPr>
+        <p:style>
+          <a:lnRef idx="3">
+            <a:schemeClr val="accent2"/>
+          </a:lnRef>
+          <a:fillRef idx="0">
+            <a:schemeClr val="accent2"/>
+          </a:fillRef>
+          <a:effectRef idx="2">
+            <a:schemeClr val="accent2"/>
+          </a:effectRef>
+          <a:fontRef idx="minor">
+            <a:schemeClr val="tx1"/>
+          </a:fontRef>
+        </p:style>
+      </p:cxnSp>
+      <p:cxnSp>
+        <p:nvCxnSpPr>
+          <p:cNvPr id="11" name="Connettore 2 10">
+            <a:extLst>
+              <a:ext uri="{FF2B5EF4-FFF2-40B4-BE49-F238E27FC236}">
+                <a16:creationId xmlns:a16="http://schemas.microsoft.com/office/drawing/2014/main" id="{4BA2BED7-8458-164A-8244-8127BCBE6A69}"/>
+              </a:ext>
+            </a:extLst>
+          </p:cNvPr>
+          <p:cNvCxnSpPr>
+            <a:stCxn id="8" idx="0"/>
+            <a:endCxn id="7" idx="4"/>
+          </p:cNvCxnSpPr>
+          <p:nvPr/>
+        </p:nvCxnSpPr>
+        <p:spPr>
+          <a:xfrm flipV="1">
+            <a:off x="6954985" y="2101560"/>
+            <a:ext cx="2" cy="940381"/>
+          </a:xfrm>
+          <a:prstGeom prst="straightConnector1">
+            <a:avLst/>
+          </a:prstGeom>
+          <a:ln>
+            <a:headEnd type="none" w="med" len="med"/>
+            <a:tailEnd type="arrow" w="med" len="med"/>
+          </a:ln>
+        </p:spPr>
+        <p:style>
+          <a:lnRef idx="3">
+            <a:schemeClr val="accent2"/>
+          </a:lnRef>
+          <a:fillRef idx="0">
+            <a:schemeClr val="accent2"/>
+          </a:fillRef>
+          <a:effectRef idx="2">
+            <a:schemeClr val="accent2"/>
+          </a:effectRef>
+          <a:fontRef idx="minor">
+            <a:schemeClr val="tx1"/>
+          </a:fontRef>
+        </p:style>
+      </p:cxnSp>
+      <p:sp>
+        <p:nvSpPr>
+          <p:cNvPr id="15" name="CasellaDiTesto 14">
+            <a:extLst>
+              <a:ext uri="{FF2B5EF4-FFF2-40B4-BE49-F238E27FC236}">
+                <a16:creationId xmlns:a16="http://schemas.microsoft.com/office/drawing/2014/main" id="{72462691-A82E-0040-BA57-7A1477E816E5}"/>
+              </a:ext>
+            </a:extLst>
+          </p:cNvPr>
           <p:cNvSpPr txBox="1"/>
           <p:nvPr/>
         </p:nvSpPr>
         <p:spPr>
           <a:xfrm>
-            <a:off x="2355120" y="2140920"/>
-            <a:ext cx="4411440" cy="602280"/>
+            <a:off x="360214" y="466269"/>
+            <a:ext cx="1828801" cy="369332"/>
           </a:xfrm>
           <a:prstGeom prst="rect">
             <a:avLst/>
           </a:prstGeom>
           <a:noFill/>
+        </p:spPr>
+        <p:txBody>
+          <a:bodyPr wrap="square" rtlCol="0">
+            <a:spAutoFit/>
+          </a:bodyPr>
+          <a:lstStyle/>
+          <a:p>
+            <a:r>
+              <a:rPr lang="it-IT" dirty="0" err="1">
+                <a:solidFill>
+                  <a:schemeClr val="bg2"/>
+                </a:solidFill>
+                <a:latin typeface="Verdana" panose="020B0604030504040204" pitchFamily="34" charset="0"/>
+                <a:ea typeface="Verdana" panose="020B0604030504040204" pitchFamily="34" charset="0"/>
+                <a:cs typeface="Verdana" panose="020B0604030504040204" pitchFamily="34" charset="0"/>
+              </a:rPr>
+              <a:t>Client_host</a:t>
+            </a:r>
+            <a:endParaRPr lang="it-IT" dirty="0">
+              <a:solidFill>
+                <a:schemeClr val="bg2"/>
+              </a:solidFill>
+              <a:latin typeface="Verdana" panose="020B0604030504040204" pitchFamily="34" charset="0"/>
+              <a:ea typeface="Verdana" panose="020B0604030504040204" pitchFamily="34" charset="0"/>
+              <a:cs typeface="Verdana" panose="020B0604030504040204" pitchFamily="34" charset="0"/>
+            </a:endParaRPr>
+          </a:p>
+        </p:txBody>
+      </p:sp>
+      <p:sp>
+        <p:nvSpPr>
+          <p:cNvPr id="17" name="CasellaDiTesto 16">
+            <a:extLst>
+              <a:ext uri="{FF2B5EF4-FFF2-40B4-BE49-F238E27FC236}">
+                <a16:creationId xmlns:a16="http://schemas.microsoft.com/office/drawing/2014/main" id="{6F64BF8D-5A75-BA47-9329-68EA8223AF4D}"/>
+              </a:ext>
+            </a:extLst>
+          </p:cNvPr>
+          <p:cNvSpPr txBox="1"/>
+          <p:nvPr/>
+        </p:nvSpPr>
+        <p:spPr>
+          <a:xfrm>
+            <a:off x="6954986" y="466040"/>
+            <a:ext cx="1828801" cy="369332"/>
+          </a:xfrm>
+          <a:prstGeom prst="rect">
+            <a:avLst/>
+          </a:prstGeom>
+          <a:noFill/>
+        </p:spPr>
+        <p:txBody>
+          <a:bodyPr wrap="square" rtlCol="0">
+            <a:spAutoFit/>
+          </a:bodyPr>
+          <a:lstStyle/>
+          <a:p>
+            <a:r>
+              <a:rPr lang="it-IT" dirty="0" err="1">
+                <a:solidFill>
+                  <a:schemeClr val="bg2"/>
+                </a:solidFill>
+                <a:latin typeface="Verdana" panose="020B0604030504040204" pitchFamily="34" charset="0"/>
+                <a:ea typeface="Verdana" panose="020B0604030504040204" pitchFamily="34" charset="0"/>
+                <a:cs typeface="Verdana" panose="020B0604030504040204" pitchFamily="34" charset="0"/>
+              </a:rPr>
+              <a:t>Server_host</a:t>
+            </a:r>
+            <a:endParaRPr lang="it-IT" dirty="0">
+              <a:solidFill>
+                <a:schemeClr val="bg2"/>
+              </a:solidFill>
+              <a:latin typeface="Verdana" panose="020B0604030504040204" pitchFamily="34" charset="0"/>
+              <a:ea typeface="Verdana" panose="020B0604030504040204" pitchFamily="34" charset="0"/>
+              <a:cs typeface="Verdana" panose="020B0604030504040204" pitchFamily="34" charset="0"/>
+            </a:endParaRPr>
+          </a:p>
+        </p:txBody>
+      </p:sp>
+      <p:sp>
+        <p:nvSpPr>
+          <p:cNvPr id="16" name="CasellaDiTesto 15">
+            <a:extLst>
+              <a:ext uri="{FF2B5EF4-FFF2-40B4-BE49-F238E27FC236}">
+                <a16:creationId xmlns:a16="http://schemas.microsoft.com/office/drawing/2014/main" id="{5CC6FC2E-1418-314C-B9E0-AD1F48951427}"/>
+              </a:ext>
+            </a:extLst>
+          </p:cNvPr>
+          <p:cNvSpPr txBox="1"/>
+          <p:nvPr/>
+        </p:nvSpPr>
+        <p:spPr>
+          <a:xfrm>
+            <a:off x="2258291" y="2088432"/>
+            <a:ext cx="2369125" cy="830997"/>
+          </a:xfrm>
+          <a:prstGeom prst="rect">
+            <a:avLst/>
+          </a:prstGeom>
+          <a:noFill/>
+        </p:spPr>
+        <p:txBody>
+          <a:bodyPr wrap="square" rtlCol="0">
+            <a:spAutoFit/>
+          </a:bodyPr>
+          <a:lstStyle/>
+          <a:p>
+            <a:r>
+              <a:rPr lang="it-IT" sz="1600" dirty="0" err="1">
+                <a:solidFill>
+                  <a:schemeClr val="bg1"/>
+                </a:solidFill>
+              </a:rPr>
+              <a:t>file_scan</a:t>
+            </a:r>
+            <a:r>
+              <a:rPr lang="it-IT" sz="1600" dirty="0">
+                <a:solidFill>
+                  <a:schemeClr val="bg1"/>
+                </a:solidFill>
+              </a:rPr>
+              <a:t> (</a:t>
+            </a:r>
+            <a:r>
+              <a:rPr lang="it-IT" sz="1600" dirty="0" err="1">
+                <a:solidFill>
+                  <a:schemeClr val="bg1"/>
+                </a:solidFill>
+              </a:rPr>
+              <a:t>argp</a:t>
+            </a:r>
+            <a:r>
+              <a:rPr lang="it-IT" sz="1600" dirty="0">
+                <a:solidFill>
+                  <a:schemeClr val="bg1"/>
+                </a:solidFill>
+              </a:rPr>
+              <a:t>, </a:t>
+            </a:r>
+            <a:r>
+              <a:rPr lang="it-IT" sz="1600" dirty="0" err="1">
+                <a:solidFill>
+                  <a:schemeClr val="bg1"/>
+                </a:solidFill>
+              </a:rPr>
+              <a:t>clnt</a:t>
+            </a:r>
+            <a:r>
+              <a:rPr lang="it-IT" sz="1600" dirty="0">
+                <a:solidFill>
+                  <a:schemeClr val="bg1"/>
+                </a:solidFill>
+              </a:rPr>
+              <a:t>)</a:t>
+            </a:r>
+          </a:p>
+          <a:p>
+            <a:r>
+              <a:rPr lang="it-IT" sz="1600" dirty="0">
+                <a:solidFill>
+                  <a:schemeClr val="bg1"/>
+                </a:solidFill>
+              </a:rPr>
+              <a:t>o</a:t>
+            </a:r>
+          </a:p>
+          <a:p>
+            <a:r>
+              <a:rPr lang="it-IT" sz="1600" dirty="0" err="1">
+                <a:solidFill>
+                  <a:schemeClr val="bg1"/>
+                </a:solidFill>
+              </a:rPr>
+              <a:t>dir_scan</a:t>
+            </a:r>
+            <a:r>
+              <a:rPr lang="it-IT" sz="1600" dirty="0">
+                <a:solidFill>
+                  <a:schemeClr val="bg1"/>
+                </a:solidFill>
+              </a:rPr>
+              <a:t> (</a:t>
+            </a:r>
+            <a:r>
+              <a:rPr lang="it-IT" sz="1600" dirty="0" err="1">
+                <a:solidFill>
+                  <a:schemeClr val="bg1"/>
+                </a:solidFill>
+              </a:rPr>
+              <a:t>argp</a:t>
+            </a:r>
+            <a:r>
+              <a:rPr lang="it-IT" sz="1600" dirty="0">
+                <a:solidFill>
+                  <a:schemeClr val="bg1"/>
+                </a:solidFill>
+              </a:rPr>
+              <a:t>, </a:t>
+            </a:r>
+            <a:r>
+              <a:rPr lang="it-IT" sz="1600" dirty="0" err="1">
+                <a:solidFill>
+                  <a:schemeClr val="bg1"/>
+                </a:solidFill>
+              </a:rPr>
+              <a:t>clnt</a:t>
+            </a:r>
+            <a:r>
+              <a:rPr lang="it-IT" sz="1600" dirty="0">
+                <a:solidFill>
+                  <a:schemeClr val="bg1"/>
+                </a:solidFill>
+              </a:rPr>
+              <a:t>)</a:t>
+            </a:r>
+          </a:p>
+        </p:txBody>
+      </p:sp>
+      <p:sp>
+        <p:nvSpPr>
+          <p:cNvPr id="19" name="CasellaDiTesto 18">
+            <a:extLst>
+              <a:ext uri="{FF2B5EF4-FFF2-40B4-BE49-F238E27FC236}">
+                <a16:creationId xmlns:a16="http://schemas.microsoft.com/office/drawing/2014/main" id="{471E0B2A-EFF9-1846-8848-B3DBED4D0984}"/>
+              </a:ext>
+            </a:extLst>
+          </p:cNvPr>
+          <p:cNvSpPr txBox="1"/>
+          <p:nvPr/>
+        </p:nvSpPr>
+        <p:spPr>
+          <a:xfrm>
+            <a:off x="5112330" y="2156251"/>
+            <a:ext cx="3484411" cy="830997"/>
+          </a:xfrm>
+          <a:prstGeom prst="rect">
+            <a:avLst/>
+          </a:prstGeom>
+          <a:noFill/>
+        </p:spPr>
+        <p:txBody>
+          <a:bodyPr wrap="square" rtlCol="0">
+            <a:spAutoFit/>
+          </a:bodyPr>
+          <a:lstStyle/>
+          <a:p>
+            <a:r>
+              <a:rPr lang="it-IT" sz="1600" dirty="0">
+                <a:solidFill>
+                  <a:schemeClr val="bg1"/>
+                </a:solidFill>
+              </a:rPr>
+              <a:t>file_scan_1_svc</a:t>
+            </a:r>
+          </a:p>
+          <a:p>
+            <a:r>
+              <a:rPr lang="it-IT" sz="1600" dirty="0">
+                <a:solidFill>
+                  <a:schemeClr val="bg1"/>
+                </a:solidFill>
+              </a:rPr>
+              <a:t>o</a:t>
+            </a:r>
+          </a:p>
+          <a:p>
+            <a:r>
+              <a:rPr lang="it-IT" sz="1600" dirty="0">
+                <a:solidFill>
+                  <a:schemeClr val="bg1"/>
+                </a:solidFill>
+              </a:rPr>
+              <a:t>dir_scan_1_svc</a:t>
+            </a:r>
+          </a:p>
+        </p:txBody>
+      </p:sp>
+      <p:cxnSp>
+        <p:nvCxnSpPr>
+          <p:cNvPr id="20" name="Connettore 7 19">
+            <a:extLst>
+              <a:ext uri="{FF2B5EF4-FFF2-40B4-BE49-F238E27FC236}">
+                <a16:creationId xmlns:a16="http://schemas.microsoft.com/office/drawing/2014/main" id="{499E681D-8F40-404E-BCD3-26A32CCBAD6B}"/>
+              </a:ext>
+            </a:extLst>
+          </p:cNvPr>
+          <p:cNvCxnSpPr>
+            <a:cxnSpLocks/>
+            <a:stCxn id="4" idx="2"/>
+            <a:endCxn id="23" idx="1"/>
+          </p:cNvCxnSpPr>
+          <p:nvPr/>
+        </p:nvCxnSpPr>
+        <p:spPr>
+          <a:xfrm rot="16200000" flipH="1">
+            <a:off x="2760949" y="3218152"/>
+            <a:ext cx="671076" cy="1814945"/>
+          </a:xfrm>
+          <a:prstGeom prst="curvedConnector2">
+            <a:avLst/>
+          </a:prstGeom>
           <a:ln>
-            <a:noFill/>
+            <a:headEnd type="none" w="med" len="med"/>
+            <a:tailEnd type="arrow" w="med" len="med"/>
           </a:ln>
         </p:spPr>
-        <p:txBody>
-          <a:bodyPr lIns="90000" rIns="90000" tIns="45000" bIns="45000">
-            <a:noAutofit/>
-          </a:bodyPr>
-          <a:p>
-            <a:pPr algn="ctr"/>
-            <a:r>
-              <a:rPr b="0" lang="en-US" sz="1800" spc="-1" strike="noStrike">
-                <a:latin typeface="Arial"/>
-              </a:rPr>
-              <a:t>TODO</a:t>
-            </a:r>
-            <a:endParaRPr b="0" lang="en-US" sz="1800" spc="-1" strike="noStrike">
-              <a:latin typeface="Arial"/>
-            </a:endParaRPr>
-          </a:p>
-          <a:p>
-            <a:r>
-              <a:rPr b="0" lang="en-US" sz="1800" spc="-1" strike="noStrike">
-                <a:latin typeface="Arial"/>
-              </a:rPr>
-              <a:t>GRAFICO ARCHITETTURA SOLUZIONE</a:t>
-            </a:r>
-            <a:endParaRPr b="0" lang="en-US" sz="1800" spc="-1" strike="noStrike">
-              <a:latin typeface="Arial"/>
-            </a:endParaRPr>
-          </a:p>
-        </p:txBody>
-      </p:sp>
+        <p:style>
+          <a:lnRef idx="3">
+            <a:schemeClr val="accent2"/>
+          </a:lnRef>
+          <a:fillRef idx="0">
+            <a:schemeClr val="accent2"/>
+          </a:fillRef>
+          <a:effectRef idx="2">
+            <a:schemeClr val="accent2"/>
+          </a:effectRef>
+          <a:fontRef idx="minor">
+            <a:schemeClr val="tx1"/>
+          </a:fontRef>
+        </p:style>
+      </p:cxnSp>
+      <p:sp>
+        <p:nvSpPr>
+          <p:cNvPr id="23" name="CasellaDiTesto 22">
+            <a:extLst>
+              <a:ext uri="{FF2B5EF4-FFF2-40B4-BE49-F238E27FC236}">
+                <a16:creationId xmlns:a16="http://schemas.microsoft.com/office/drawing/2014/main" id="{4009E49C-8DBD-F544-A0BC-67D7A831691E}"/>
+              </a:ext>
+            </a:extLst>
+          </p:cNvPr>
+          <p:cNvSpPr txBox="1"/>
+          <p:nvPr/>
+        </p:nvSpPr>
+        <p:spPr>
+          <a:xfrm>
+            <a:off x="4003960" y="4276497"/>
+            <a:ext cx="1177639" cy="369332"/>
+          </a:xfrm>
+          <a:prstGeom prst="rect">
+            <a:avLst/>
+          </a:prstGeom>
+          <a:noFill/>
+        </p:spPr>
+        <p:txBody>
+          <a:bodyPr wrap="square" rtlCol="0">
+            <a:spAutoFit/>
+          </a:bodyPr>
+          <a:lstStyle/>
+          <a:p>
+            <a:r>
+              <a:rPr lang="it-IT" dirty="0" err="1">
+                <a:solidFill>
+                  <a:schemeClr val="bg1"/>
+                </a:solidFill>
+                <a:latin typeface="Verdana" panose="020B0604030504040204" pitchFamily="34" charset="0"/>
+                <a:ea typeface="Verdana" panose="020B0604030504040204" pitchFamily="34" charset="0"/>
+                <a:cs typeface="Verdana" panose="020B0604030504040204" pitchFamily="34" charset="0"/>
+              </a:rPr>
+              <a:t>clnt_call</a:t>
+            </a:r>
+            <a:endParaRPr lang="it-IT" dirty="0">
+              <a:solidFill>
+                <a:schemeClr val="bg1"/>
+              </a:solidFill>
+              <a:latin typeface="Verdana" panose="020B0604030504040204" pitchFamily="34" charset="0"/>
+              <a:ea typeface="Verdana" panose="020B0604030504040204" pitchFamily="34" charset="0"/>
+              <a:cs typeface="Verdana" panose="020B0604030504040204" pitchFamily="34" charset="0"/>
+            </a:endParaRPr>
+          </a:p>
+        </p:txBody>
+      </p:sp>
+      <p:cxnSp>
+        <p:nvCxnSpPr>
+          <p:cNvPr id="26" name="Connettore 7 25">
+            <a:extLst>
+              <a:ext uri="{FF2B5EF4-FFF2-40B4-BE49-F238E27FC236}">
+                <a16:creationId xmlns:a16="http://schemas.microsoft.com/office/drawing/2014/main" id="{6AB1FB72-4048-8248-9DCD-F5207A004E4C}"/>
+              </a:ext>
+            </a:extLst>
+          </p:cNvPr>
+          <p:cNvCxnSpPr>
+            <a:cxnSpLocks/>
+            <a:stCxn id="23" idx="3"/>
+            <a:endCxn id="8" idx="2"/>
+          </p:cNvCxnSpPr>
+          <p:nvPr/>
+        </p:nvCxnSpPr>
+        <p:spPr>
+          <a:xfrm flipV="1">
+            <a:off x="5181599" y="3790087"/>
+            <a:ext cx="1773386" cy="671076"/>
+          </a:xfrm>
+          <a:prstGeom prst="curvedConnector2">
+            <a:avLst/>
+          </a:prstGeom>
+          <a:ln>
+            <a:headEnd type="none" w="med" len="med"/>
+            <a:tailEnd type="arrow" w="med" len="med"/>
+          </a:ln>
+        </p:spPr>
+        <p:style>
+          <a:lnRef idx="3">
+            <a:schemeClr val="accent2"/>
+          </a:lnRef>
+          <a:fillRef idx="0">
+            <a:schemeClr val="accent2"/>
+          </a:fillRef>
+          <a:effectRef idx="2">
+            <a:schemeClr val="accent2"/>
+          </a:effectRef>
+          <a:fontRef idx="minor">
+            <a:schemeClr val="tx1"/>
+          </a:fontRef>
+        </p:style>
+      </p:cxnSp>
     </p:spTree>
   </p:cSld>
-  <mc:AlternateContent>
-    <mc:Choice Requires="p14">
-      <p:transition spd="slow" p14:dur="2000"/>
-    </mc:Choice>
-    <mc:Fallback>
-      <p:transition spd="slow"/>
-    </mc:Fallback>
-  </mc:AlternateContent>
+  <p:clrMapOvr>
+    <a:masterClrMapping/>
+  </p:clrMapOvr>
 </p:sld>
 </file>
 
 <file path=ppt/slides/slide4.xml><?xml version="1.0" encoding="utf-8"?>
-<p:sld xmlns:a="http://schemas.openxmlformats.org/drawingml/2006/main" xmlns:p="http://schemas.openxmlformats.org/presentationml/2006/main" xmlns:r="http://schemas.openxmlformats.org/officeDocument/2006/relationships" xmlns:p14="http://schemas.microsoft.com/office/powerpoint/2010/main" xmlns:p15="http://schemas.microsoft.com/office/powerpoint/2012/main" xmlns:mc="http://schemas.openxmlformats.org/markup-compatibility/2006">
+<p:sld xmlns:a="http://schemas.openxmlformats.org/drawingml/2006/main" xmlns:r="http://schemas.openxmlformats.org/officeDocument/2006/relationships" xmlns:p="http://schemas.openxmlformats.org/presentationml/2006/main">
   <p:cSld>
     <p:spTree>
       <p:nvGrpSpPr>
@@ -4355,6 +6156,7 @@
           <a:bodyPr tIns="91440" bIns="91440">
             <a:noAutofit/>
           </a:bodyPr>
+          <a:lstStyle/>
           <a:p>
             <a:pPr>
               <a:lnSpc>
@@ -4362,26 +6164,16 @@
               </a:lnSpc>
             </a:pPr>
             <a:r>
-              <a:rPr b="0" lang="en-US" sz="2800" spc="-1" strike="noStrike">
-                <a:solidFill>
-                  <a:srgbClr val="ffffff"/>
+              <a:rPr lang="en-US" sz="2800" b="0" strike="noStrike" spc="-1">
+                <a:solidFill>
+                  <a:srgbClr val="FFFFFF"/>
                 </a:solidFill>
                 <a:latin typeface="Arial"/>
                 <a:ea typeface="Arial"/>
               </a:rPr>
-              <a:t>Client - </a:t>
-            </a:r>
-            <a:r>
-              <a:rPr b="0" lang="en-US" sz="2800" spc="-1" strike="noStrike">
-                <a:solidFill>
-                  <a:srgbClr val="ffffff"/>
-                </a:solidFill>
-                <a:latin typeface="Arial"/>
-                <a:ea typeface="Arial"/>
-              </a:rPr>
-              <a:t>struttura</a:t>
-            </a:r>
-            <a:endParaRPr b="0" lang="en-US" sz="2800" spc="-1" strike="noStrike">
+              <a:t>Client - struttura</a:t>
+            </a:r>
+            <a:endParaRPr lang="en-US" sz="2800" b="0" strike="noStrike" spc="-1">
               <a:solidFill>
                 <a:srgbClr val="000000"/>
               </a:solidFill>
@@ -4413,6 +6205,7 @@
           <a:bodyPr tIns="91440" bIns="91440">
             <a:noAutofit/>
           </a:bodyPr>
+          <a:lstStyle/>
           <a:p>
             <a:pPr>
               <a:lnSpc>
@@ -4420,16 +6213,46 @@
               </a:lnSpc>
             </a:pPr>
             <a:r>
-              <a:rPr b="0" lang="en-US" sz="1500" spc="-1" strike="noStrike">
-                <a:solidFill>
-                  <a:srgbClr val="adadad"/>
+              <a:rPr lang="en-US" sz="1600" b="1" strike="noStrike" spc="-1" dirty="0" err="1">
+                <a:solidFill>
+                  <a:srgbClr val="ADADAD"/>
                 </a:solidFill>
                 <a:latin typeface="Arial"/>
                 <a:ea typeface="Arial"/>
               </a:rPr>
-              <a:t>Operazioni preliminari:</a:t>
-            </a:r>
-            <a:endParaRPr b="0" lang="en-US" sz="1500" spc="-1" strike="noStrike">
+              <a:t>Operazioni</a:t>
+            </a:r>
+            <a:r>
+              <a:rPr lang="en-US" sz="1600" b="1" strike="noStrike" spc="-1" dirty="0">
+                <a:solidFill>
+                  <a:srgbClr val="ADADAD"/>
+                </a:solidFill>
+                <a:latin typeface="Arial"/>
+                <a:ea typeface="Arial"/>
+              </a:rPr>
+              <a:t> </a:t>
+            </a:r>
+            <a:r>
+              <a:rPr lang="en-US" sz="1600" b="1" strike="noStrike" spc="-1" dirty="0" err="1">
+                <a:solidFill>
+                  <a:srgbClr val="ADADAD"/>
+                </a:solidFill>
+                <a:latin typeface="Arial"/>
+                <a:ea typeface="Arial"/>
+              </a:rPr>
+              <a:t>preliminari</a:t>
+            </a:r>
+            <a:r>
+              <a:rPr lang="en-US" sz="1600" b="1" strike="noStrike" spc="-1" dirty="0">
+                <a:solidFill>
+                  <a:srgbClr val="ADADAD"/>
+                </a:solidFill>
+                <a:latin typeface="Arial"/>
+                <a:ea typeface="Arial"/>
+              </a:rPr>
+              <a:t>:</a:t>
+            </a:r>
+            <a:endParaRPr lang="en-US" sz="1600" b="1" strike="noStrike" spc="-1" dirty="0">
               <a:solidFill>
                 <a:srgbClr val="000000"/>
               </a:solidFill>
@@ -4445,22 +6268,114 @@
                 <a:spcPts val="1599"/>
               </a:spcBef>
               <a:buClr>
-                <a:srgbClr val="adadad"/>
+                <a:srgbClr val="ADADAD"/>
               </a:buClr>
               <a:buFont typeface="Arial"/>
               <a:buChar char="●"/>
             </a:pPr>
             <a:r>
-              <a:rPr b="0" lang="en-US" sz="1500" spc="-1" strike="noStrike">
-                <a:solidFill>
-                  <a:srgbClr val="adadad"/>
+              <a:rPr lang="en-US" sz="1600" b="0" strike="noStrike" spc="-1" dirty="0" err="1">
+                <a:solidFill>
+                  <a:srgbClr val="ADADAD"/>
                 </a:solidFill>
                 <a:latin typeface="Arial"/>
                 <a:ea typeface="Arial"/>
               </a:rPr>
+              <a:t>Creazione</a:t>
+            </a:r>
+            <a:r>
+              <a:rPr lang="en-US" sz="1600" b="0" strike="noStrike" spc="-1" dirty="0">
+                <a:solidFill>
+                  <a:srgbClr val="ADADAD"/>
+                </a:solidFill>
+                <a:latin typeface="Arial"/>
+                <a:ea typeface="Arial"/>
+              </a:rPr>
               <a:t> </a:t>
             </a:r>
-            <a:endParaRPr b="0" lang="en-US" sz="1500" spc="-1" strike="noStrike">
+            <a:r>
+              <a:rPr lang="en-US" sz="1600" b="0" strike="noStrike" spc="-1" dirty="0" err="1">
+                <a:solidFill>
+                  <a:srgbClr val="ADADAD"/>
+                </a:solidFill>
+                <a:latin typeface="Arial"/>
+                <a:ea typeface="Arial"/>
+              </a:rPr>
+              <a:t>struttura</a:t>
+            </a:r>
+            <a:r>
+              <a:rPr lang="en-US" sz="1600" b="0" strike="noStrike" spc="-1" dirty="0">
+                <a:solidFill>
+                  <a:srgbClr val="ADADAD"/>
+                </a:solidFill>
+                <a:latin typeface="Arial"/>
+                <a:ea typeface="Arial"/>
+              </a:rPr>
+              <a:t> CLIENT e “</a:t>
+            </a:r>
+            <a:r>
+              <a:rPr lang="en-US" sz="1600" b="0" strike="noStrike" spc="-1" dirty="0" err="1">
+                <a:solidFill>
+                  <a:srgbClr val="ADADAD"/>
+                </a:solidFill>
+                <a:latin typeface="Arial"/>
+                <a:ea typeface="Arial"/>
+              </a:rPr>
+              <a:t>stringa</a:t>
+            </a:r>
+            <a:r>
+              <a:rPr lang="en-US" sz="1600" b="0" strike="noStrike" spc="-1" dirty="0">
+                <a:solidFill>
+                  <a:srgbClr val="ADADAD"/>
+                </a:solidFill>
+                <a:latin typeface="Arial"/>
+                <a:ea typeface="Arial"/>
+              </a:rPr>
+              <a:t>” server</a:t>
+            </a:r>
+          </a:p>
+          <a:p>
+            <a:pPr marL="457200" indent="-323640">
+              <a:lnSpc>
+                <a:spcPct val="115000"/>
+              </a:lnSpc>
+              <a:spcBef>
+                <a:spcPts val="1599"/>
+              </a:spcBef>
+              <a:buClr>
+                <a:srgbClr val="ADADAD"/>
+              </a:buClr>
+              <a:buFont typeface="Arial"/>
+              <a:buChar char="●"/>
+            </a:pPr>
+            <a:r>
+              <a:rPr lang="en-US" sz="1600" spc="-1" dirty="0" err="1">
+                <a:solidFill>
+                  <a:srgbClr val="ADADAD"/>
+                </a:solidFill>
+                <a:latin typeface="Arial"/>
+              </a:rPr>
+              <a:t>Controllo</a:t>
+            </a:r>
+            <a:r>
+              <a:rPr lang="en-US" sz="1600" spc="-1" dirty="0">
+                <a:solidFill>
+                  <a:srgbClr val="ADADAD"/>
+                </a:solidFill>
+                <a:latin typeface="Arial"/>
+              </a:rPr>
+              <a:t> </a:t>
+            </a:r>
+            <a:r>
+              <a:rPr lang="en-US" sz="1600" spc="-1" dirty="0" err="1">
+                <a:solidFill>
+                  <a:srgbClr val="ADADAD"/>
+                </a:solidFill>
+                <a:latin typeface="Arial"/>
+              </a:rPr>
+              <a:t>parametri</a:t>
+            </a:r>
+            <a:endParaRPr lang="en-US" sz="1600" b="0" strike="noStrike" spc="-1" dirty="0">
               <a:solidFill>
                 <a:srgbClr val="000000"/>
               </a:solidFill>
@@ -4477,16 +6392,66 @@
               </a:spcBef>
             </a:pPr>
             <a:r>
-              <a:rPr b="0" lang="en-US" sz="1500" spc="-1" strike="noStrike">
-                <a:solidFill>
-                  <a:srgbClr val="adadad"/>
+              <a:rPr lang="en-US" sz="1600" b="1" strike="noStrike" spc="-1" dirty="0" err="1">
+                <a:solidFill>
+                  <a:srgbClr val="ADADAD"/>
                 </a:solidFill>
                 <a:latin typeface="Arial"/>
                 <a:ea typeface="Arial"/>
               </a:rPr>
-              <a:t>Struttura ciclica (filtro):</a:t>
-            </a:r>
-            <a:endParaRPr b="0" lang="en-US" sz="1500" spc="-1" strike="noStrike">
+              <a:t>Struttura</a:t>
+            </a:r>
+            <a:r>
+              <a:rPr lang="en-US" sz="1600" b="1" strike="noStrike" spc="-1" dirty="0">
+                <a:solidFill>
+                  <a:srgbClr val="ADADAD"/>
+                </a:solidFill>
+                <a:latin typeface="Arial"/>
+                <a:ea typeface="Arial"/>
+              </a:rPr>
+              <a:t> </a:t>
+            </a:r>
+            <a:r>
+              <a:rPr lang="en-US" sz="1600" b="1" strike="noStrike" spc="-1" dirty="0" err="1">
+                <a:solidFill>
+                  <a:srgbClr val="ADADAD"/>
+                </a:solidFill>
+                <a:latin typeface="Arial"/>
+                <a:ea typeface="Arial"/>
+              </a:rPr>
+              <a:t>ciclica</a:t>
+            </a:r>
+            <a:r>
+              <a:rPr lang="en-US" sz="1600" b="1" strike="noStrike" spc="-1" dirty="0">
+                <a:solidFill>
+                  <a:srgbClr val="ADADAD"/>
+                </a:solidFill>
+                <a:latin typeface="Arial"/>
+                <a:ea typeface="Arial"/>
+              </a:rPr>
+              <a:t> (</a:t>
+            </a:r>
+            <a:r>
+              <a:rPr lang="en-US" sz="1600" b="1" strike="noStrike" spc="-1" dirty="0" err="1">
+                <a:solidFill>
+                  <a:srgbClr val="ADADAD"/>
+                </a:solidFill>
+                <a:latin typeface="Arial"/>
+                <a:ea typeface="Arial"/>
+              </a:rPr>
+              <a:t>filtro</a:t>
+            </a:r>
+            <a:r>
+              <a:rPr lang="en-US" sz="1600" b="1" strike="noStrike" spc="-1" dirty="0">
+                <a:solidFill>
+                  <a:srgbClr val="ADADAD"/>
+                </a:solidFill>
+                <a:latin typeface="Arial"/>
+                <a:ea typeface="Arial"/>
+              </a:rPr>
+              <a:t>):</a:t>
+            </a:r>
+            <a:endParaRPr lang="en-US" sz="1600" b="1" strike="noStrike" spc="-1" dirty="0">
               <a:solidFill>
                 <a:srgbClr val="000000"/>
               </a:solidFill>
@@ -4502,22 +6467,112 @@
                 <a:spcPts val="1599"/>
               </a:spcBef>
               <a:buClr>
-                <a:srgbClr val="adadad"/>
+                <a:srgbClr val="ADADAD"/>
               </a:buClr>
               <a:buFont typeface="Arial"/>
               <a:buAutoNum type="arabicPeriod"/>
             </a:pPr>
             <a:r>
-              <a:rPr b="0" lang="en-US" sz="1500" spc="-1" strike="noStrike">
-                <a:solidFill>
-                  <a:srgbClr val="adadad"/>
+              <a:rPr lang="en-US" sz="1600" b="0" strike="noStrike" spc="-1" dirty="0">
+                <a:solidFill>
+                  <a:srgbClr val="ADADAD"/>
                 </a:solidFill>
                 <a:latin typeface="Arial"/>
                 <a:ea typeface="Arial"/>
               </a:rPr>
               <a:t> </a:t>
             </a:r>
-            <a:endParaRPr b="0" lang="en-US" sz="1500" spc="-1" strike="noStrike">
+            <a:r>
+              <a:rPr lang="en-US" sz="1600" b="0" strike="noStrike" spc="-1" dirty="0" err="1">
+                <a:solidFill>
+                  <a:srgbClr val="ADADAD"/>
+                </a:solidFill>
+                <a:latin typeface="Arial"/>
+                <a:ea typeface="Arial"/>
+              </a:rPr>
+              <a:t>Richiesta</a:t>
+            </a:r>
+            <a:r>
+              <a:rPr lang="en-US" sz="1600" b="0" strike="noStrike" spc="-1" dirty="0">
+                <a:solidFill>
+                  <a:srgbClr val="ADADAD"/>
+                </a:solidFill>
+                <a:latin typeface="Arial"/>
+                <a:ea typeface="Arial"/>
+              </a:rPr>
+              <a:t> </a:t>
+            </a:r>
+            <a:r>
+              <a:rPr lang="en-US" sz="1600" b="0" strike="noStrike" spc="-1" dirty="0" err="1">
+                <a:solidFill>
+                  <a:srgbClr val="ADADAD"/>
+                </a:solidFill>
+                <a:latin typeface="Arial"/>
+                <a:ea typeface="Arial"/>
+              </a:rPr>
+              <a:t>tipologia</a:t>
+            </a:r>
+            <a:r>
+              <a:rPr lang="en-US" sz="1600" b="0" strike="noStrike" spc="-1" dirty="0">
+                <a:solidFill>
+                  <a:srgbClr val="ADADAD"/>
+                </a:solidFill>
+                <a:latin typeface="Arial"/>
+                <a:ea typeface="Arial"/>
+              </a:rPr>
+              <a:t> di </a:t>
+            </a:r>
+            <a:r>
+              <a:rPr lang="en-US" sz="1600" b="0" strike="noStrike" spc="-1" dirty="0" err="1">
+                <a:solidFill>
+                  <a:srgbClr val="ADADAD"/>
+                </a:solidFill>
+                <a:latin typeface="Arial"/>
+                <a:ea typeface="Arial"/>
+              </a:rPr>
+              <a:t>operazione</a:t>
+            </a:r>
+            <a:r>
+              <a:rPr lang="en-US" sz="1600" b="0" strike="noStrike" spc="-1" dirty="0">
+                <a:solidFill>
+                  <a:srgbClr val="ADADAD"/>
+                </a:solidFill>
+                <a:latin typeface="Arial"/>
+                <a:ea typeface="Arial"/>
+              </a:rPr>
+              <a:t> da </a:t>
+            </a:r>
+            <a:r>
+              <a:rPr lang="en-US" sz="1600" b="0" strike="noStrike" spc="-1" dirty="0" err="1">
+                <a:solidFill>
+                  <a:srgbClr val="ADADAD"/>
+                </a:solidFill>
+                <a:latin typeface="Arial"/>
+                <a:ea typeface="Arial"/>
+              </a:rPr>
+              <a:t>effettuare</a:t>
+            </a:r>
+            <a:r>
+              <a:rPr lang="en-US" sz="1600" b="0" strike="noStrike" spc="-1" dirty="0">
+                <a:solidFill>
+                  <a:srgbClr val="ADADAD"/>
+                </a:solidFill>
+                <a:latin typeface="Arial"/>
+                <a:ea typeface="Arial"/>
+              </a:rPr>
+              <a:t> </a:t>
+            </a:r>
+            <a:r>
+              <a:rPr lang="en-US" sz="1600" b="0" strike="noStrike" spc="-1" dirty="0" err="1">
+                <a:solidFill>
+                  <a:srgbClr val="ADADAD"/>
+                </a:solidFill>
+                <a:latin typeface="Arial"/>
+                <a:ea typeface="Arial"/>
+              </a:rPr>
+              <a:t>all’utente</a:t>
+            </a:r>
+            <a:endParaRPr lang="en-US" sz="1600" b="0" strike="noStrike" spc="-1" dirty="0">
               <a:solidFill>
                 <a:srgbClr val="000000"/>
               </a:solidFill>
@@ -4533,22 +6588,152 @@
                 <a:spcPts val="1599"/>
               </a:spcBef>
               <a:buClr>
-                <a:srgbClr val="adadad"/>
+                <a:srgbClr val="ADADAD"/>
               </a:buClr>
               <a:buFont typeface="Arial"/>
               <a:buAutoNum type="arabicPeriod"/>
             </a:pPr>
             <a:r>
-              <a:rPr b="0" lang="en-US" sz="1500" spc="-1" strike="noStrike">
-                <a:solidFill>
-                  <a:srgbClr val="adadad"/>
+              <a:rPr lang="en-US" sz="1600" b="0" strike="noStrike" spc="-1" dirty="0">
+                <a:solidFill>
+                  <a:srgbClr val="ADADAD"/>
                 </a:solidFill>
                 <a:latin typeface="Arial"/>
                 <a:ea typeface="Arial"/>
               </a:rPr>
               <a:t> </a:t>
             </a:r>
-            <a:endParaRPr b="0" lang="en-US" sz="1500" spc="-1" strike="noStrike">
+            <a:r>
+              <a:rPr lang="en-US" sz="1600" b="0" strike="noStrike" spc="-1" dirty="0" err="1">
+                <a:solidFill>
+                  <a:srgbClr val="ADADAD"/>
+                </a:solidFill>
+                <a:latin typeface="Arial"/>
+                <a:ea typeface="Arial"/>
+              </a:rPr>
+              <a:t>Richiesto</a:t>
+            </a:r>
+            <a:r>
+              <a:rPr lang="en-US" sz="1600" b="0" strike="noStrike" spc="-1" dirty="0">
+                <a:solidFill>
+                  <a:srgbClr val="ADADAD"/>
+                </a:solidFill>
+                <a:latin typeface="Arial"/>
+                <a:ea typeface="Arial"/>
+              </a:rPr>
+              <a:t> </a:t>
+            </a:r>
+            <a:r>
+              <a:rPr lang="en-US" sz="1600" b="0" strike="noStrike" spc="-1" dirty="0" err="1">
+                <a:solidFill>
+                  <a:srgbClr val="ADADAD"/>
+                </a:solidFill>
+                <a:latin typeface="Arial"/>
+                <a:ea typeface="Arial"/>
+              </a:rPr>
+              <a:t>nome</a:t>
+            </a:r>
+            <a:r>
+              <a:rPr lang="en-US" sz="1600" b="0" strike="noStrike" spc="-1" dirty="0">
+                <a:solidFill>
+                  <a:srgbClr val="ADADAD"/>
+                </a:solidFill>
+                <a:latin typeface="Arial"/>
+                <a:ea typeface="Arial"/>
+              </a:rPr>
+              <a:t> file </a:t>
+            </a:r>
+            <a:r>
+              <a:rPr lang="en-US" sz="1600" b="0" strike="noStrike" spc="-1" dirty="0" err="1">
+                <a:solidFill>
+                  <a:srgbClr val="ADADAD"/>
+                </a:solidFill>
+                <a:latin typeface="Arial"/>
+                <a:ea typeface="Arial"/>
+              </a:rPr>
+              <a:t>remoto</a:t>
+            </a:r>
+            <a:r>
+              <a:rPr lang="en-US" sz="1600" b="0" strike="noStrike" spc="-1" dirty="0">
+                <a:solidFill>
+                  <a:srgbClr val="ADADAD"/>
+                </a:solidFill>
+                <a:latin typeface="Arial"/>
+                <a:ea typeface="Arial"/>
+              </a:rPr>
+              <a:t> o </a:t>
+            </a:r>
+            <a:r>
+              <a:rPr lang="en-US" sz="1600" b="0" strike="noStrike" spc="-1" dirty="0" err="1">
+                <a:solidFill>
+                  <a:srgbClr val="ADADAD"/>
+                </a:solidFill>
+                <a:latin typeface="Arial"/>
+                <a:ea typeface="Arial"/>
+              </a:rPr>
+              <a:t>nome</a:t>
+            </a:r>
+            <a:r>
+              <a:rPr lang="en-US" sz="1600" b="0" strike="noStrike" spc="-1" dirty="0">
+                <a:solidFill>
+                  <a:srgbClr val="ADADAD"/>
+                </a:solidFill>
+                <a:latin typeface="Arial"/>
+                <a:ea typeface="Arial"/>
+              </a:rPr>
+              <a:t> </a:t>
+            </a:r>
+            <a:r>
+              <a:rPr lang="en-US" sz="1600" b="0" strike="noStrike" spc="-1" dirty="0" err="1">
+                <a:solidFill>
+                  <a:srgbClr val="ADADAD"/>
+                </a:solidFill>
+                <a:latin typeface="Arial"/>
+                <a:ea typeface="Arial"/>
+              </a:rPr>
+              <a:t>direttorio</a:t>
+            </a:r>
+            <a:r>
+              <a:rPr lang="en-US" sz="1600" b="0" strike="noStrike" spc="-1" dirty="0">
+                <a:solidFill>
+                  <a:srgbClr val="ADADAD"/>
+                </a:solidFill>
+                <a:latin typeface="Arial"/>
+                <a:ea typeface="Arial"/>
+              </a:rPr>
+              <a:t> </a:t>
+            </a:r>
+            <a:r>
+              <a:rPr lang="en-US" sz="1600" b="0" strike="noStrike" spc="-1" dirty="0" err="1">
+                <a:solidFill>
+                  <a:srgbClr val="ADADAD"/>
+                </a:solidFill>
+                <a:latin typeface="Arial"/>
+                <a:ea typeface="Arial"/>
+              </a:rPr>
+              <a:t>remoto</a:t>
+            </a:r>
+            <a:r>
+              <a:rPr lang="en-US" sz="1600" b="0" strike="noStrike" spc="-1" dirty="0">
+                <a:solidFill>
+                  <a:srgbClr val="ADADAD"/>
+                </a:solidFill>
+                <a:latin typeface="Arial"/>
+                <a:ea typeface="Arial"/>
+              </a:rPr>
+              <a:t> e </a:t>
+            </a:r>
+            <a:r>
+              <a:rPr lang="en-US" sz="1600" b="0" strike="noStrike" spc="-1" dirty="0" err="1">
+                <a:solidFill>
+                  <a:srgbClr val="ADADAD"/>
+                </a:solidFill>
+                <a:latin typeface="Arial"/>
+                <a:ea typeface="Arial"/>
+              </a:rPr>
+              <a:t>soglia</a:t>
+            </a:r>
+            <a:endParaRPr lang="en-US" sz="1600" b="0" strike="noStrike" spc="-1" dirty="0">
               <a:solidFill>
                 <a:srgbClr val="000000"/>
               </a:solidFill>
@@ -4564,45 +6749,182 @@
                 <a:spcPts val="1599"/>
               </a:spcBef>
               <a:buClr>
-                <a:srgbClr val="adadad"/>
+                <a:srgbClr val="ADADAD"/>
               </a:buClr>
               <a:buFont typeface="Arial"/>
               <a:buAutoNum type="arabicPeriod"/>
             </a:pPr>
             <a:r>
-              <a:rPr b="0" lang="en-US" sz="1500" spc="-1" strike="noStrike">
-                <a:solidFill>
-                  <a:srgbClr val="adadad"/>
+              <a:rPr lang="en-US" sz="1600" b="0" strike="noStrike" spc="-1" dirty="0">
+                <a:solidFill>
+                  <a:srgbClr val="ADADAD"/>
                 </a:solidFill>
                 <a:latin typeface="Arial"/>
                 <a:ea typeface="Arial"/>
               </a:rPr>
               <a:t> </a:t>
             </a:r>
-            <a:endParaRPr b="0" lang="en-US" sz="1500" spc="-1" strike="noStrike">
-              <a:solidFill>
-                <a:srgbClr val="000000"/>
-              </a:solidFill>
-              <a:latin typeface="Arial"/>
+            <a:r>
+              <a:rPr lang="en-US" sz="1600" spc="-1" dirty="0" err="1">
+                <a:solidFill>
+                  <a:srgbClr val="ADADAD"/>
+                </a:solidFill>
+                <a:latin typeface="Arial"/>
+                <a:ea typeface="Arial"/>
+              </a:rPr>
+              <a:t>Invio</a:t>
+            </a:r>
+            <a:r>
+              <a:rPr lang="en-US" sz="1600" spc="-1" dirty="0">
+                <a:solidFill>
+                  <a:srgbClr val="ADADAD"/>
+                </a:solidFill>
+                <a:latin typeface="Arial"/>
+                <a:ea typeface="Arial"/>
+              </a:rPr>
+              <a:t> </a:t>
+            </a:r>
+            <a:r>
+              <a:rPr lang="en-US" sz="1600" spc="-1" dirty="0" err="1">
+                <a:solidFill>
+                  <a:srgbClr val="ADADAD"/>
+                </a:solidFill>
+                <a:latin typeface="Arial"/>
+                <a:ea typeface="Arial"/>
+              </a:rPr>
+              <a:t>richiesta</a:t>
+            </a:r>
+            <a:r>
+              <a:rPr lang="en-US" sz="1600" spc="-1" dirty="0">
+                <a:solidFill>
+                  <a:srgbClr val="ADADAD"/>
+                </a:solidFill>
+                <a:latin typeface="Arial"/>
+                <a:ea typeface="Arial"/>
+              </a:rPr>
+              <a:t> </a:t>
+            </a:r>
+            <a:r>
+              <a:rPr lang="en-US" sz="1600" spc="-1" dirty="0" err="1">
+                <a:solidFill>
+                  <a:srgbClr val="ADADAD"/>
+                </a:solidFill>
+                <a:latin typeface="Arial"/>
+                <a:ea typeface="Arial"/>
+              </a:rPr>
+              <a:t>corrispondente</a:t>
+            </a:r>
+            <a:r>
+              <a:rPr lang="en-US" sz="1600" spc="-1" dirty="0">
+                <a:solidFill>
+                  <a:srgbClr val="ADADAD"/>
+                </a:solidFill>
+                <a:latin typeface="Arial"/>
+                <a:ea typeface="Arial"/>
+              </a:rPr>
+              <a:t> </a:t>
+            </a:r>
+            <a:r>
+              <a:rPr lang="en-US" sz="1600" spc="-1" dirty="0" err="1">
+                <a:solidFill>
+                  <a:srgbClr val="ADADAD"/>
+                </a:solidFill>
+                <a:latin typeface="Arial"/>
+                <a:ea typeface="Arial"/>
+              </a:rPr>
+              <a:t>all’operazione</a:t>
+            </a:r>
+          </a:p>
+          <a:p>
+            <a:pPr marL="457200" indent="-323640">
+              <a:lnSpc>
+                <a:spcPct val="115000"/>
+              </a:lnSpc>
+              <a:spcBef>
+                <a:spcPts val="1599"/>
+              </a:spcBef>
+              <a:buClr>
+                <a:srgbClr val="ADADAD"/>
+              </a:buClr>
+              <a:buFont typeface="Arial"/>
+              <a:buAutoNum type="arabicPeriod"/>
+            </a:pPr>
+            <a:r>
+              <a:rPr lang="en-US" sz="1600" b="0" strike="noStrike" spc="-1" dirty="0" err="1">
+                <a:solidFill>
+                  <a:srgbClr val="ADADAD"/>
+                </a:solidFill>
+                <a:latin typeface="Arial"/>
+              </a:rPr>
+              <a:t>Controllo esito operazione ( != NULL)</a:t>
+            </a:r>
+            <a:r>
+              <a:rPr lang="en-US" sz="1600" spc="-1" dirty="0" err="1">
+                <a:solidFill>
+                  <a:srgbClr val="000000"/>
+                </a:solidFill>
+                <a:latin typeface="Arial"/>
+              </a:rPr>
+              <a:t> </a:t>
+            </a:r>
+            <a:r>
+              <a:rPr lang="en-US" sz="1600" spc="-1" dirty="0" err="1">
+                <a:solidFill>
+                  <a:schemeClr val="bg1">
+                    <a:lumMod val="65000"/>
+                  </a:schemeClr>
+                </a:solidFill>
+                <a:latin typeface="Verdana" panose="020B0604030504040204" pitchFamily="34" charset="0"/>
+                <a:ea typeface="Verdana" panose="020B0604030504040204" pitchFamily="34" charset="0"/>
+                <a:cs typeface="Verdana" panose="020B0604030504040204" pitchFamily="34" charset="0"/>
+              </a:rPr>
+              <a:t>e</a:t>
+            </a:r>
+            <a:r>
+              <a:rPr lang="en-US" sz="1600" spc="-1" dirty="0" err="1">
+                <a:solidFill>
+                  <a:srgbClr val="000000"/>
+                </a:solidFill>
+                <a:latin typeface="Arial"/>
+              </a:rPr>
+              <a:t> </a:t>
+            </a:r>
+            <a:r>
+              <a:rPr lang="en-US" sz="1600" spc="-1" dirty="0" err="1">
+                <a:solidFill>
+                  <a:schemeClr val="bg1">
+                    <a:lumMod val="65000"/>
+                  </a:schemeClr>
+                </a:solidFill>
+                <a:latin typeface="Verdana" panose="020B0604030504040204" pitchFamily="34" charset="0"/>
+                <a:ea typeface="Verdana" panose="020B0604030504040204" pitchFamily="34" charset="0"/>
+                <a:cs typeface="Verdana" panose="020B0604030504040204" pitchFamily="34" charset="0"/>
+              </a:rPr>
+              <a:t>stampa a video</a:t>
+            </a:r>
+            <a:endParaRPr lang="en-US" sz="1600" b="0" strike="noStrike" spc="-1" dirty="0" err="1">
+              <a:solidFill>
+                <a:schemeClr val="bg1">
+                  <a:lumMod val="65000"/>
+                </a:schemeClr>
+              </a:solidFill>
+              <a:latin typeface="Verdana" panose="020B0604030504040204" pitchFamily="34" charset="0"/>
+              <a:ea typeface="Verdana" panose="020B0604030504040204" pitchFamily="34" charset="0"/>
+              <a:cs typeface="Verdana" panose="020B0604030504040204" pitchFamily="34" charset="0"/>
             </a:endParaRPr>
           </a:p>
         </p:txBody>
       </p:sp>
     </p:spTree>
   </p:cSld>
-  <mc:AlternateContent>
-    <mc:Choice Requires="p14">
-      <p:transition spd="slow" p14:dur="2000"/>
-    </mc:Choice>
-    <mc:Fallback>
-      <p:transition spd="slow"/>
-    </mc:Fallback>
-  </mc:AlternateContent>
+  <p:clrMapOvr>
+    <a:masterClrMapping/>
+  </p:clrMapOvr>
 </p:sld>
 </file>
 
 <file path=ppt/slides/slide5.xml><?xml version="1.0" encoding="utf-8"?>
-<p:sld xmlns:a="http://schemas.openxmlformats.org/drawingml/2006/main" xmlns:p="http://schemas.openxmlformats.org/presentationml/2006/main" xmlns:r="http://schemas.openxmlformats.org/officeDocument/2006/relationships" xmlns:p14="http://schemas.microsoft.com/office/powerpoint/2010/main" xmlns:p15="http://schemas.microsoft.com/office/powerpoint/2012/main" xmlns:mc="http://schemas.openxmlformats.org/markup-compatibility/2006">
+<p:sld xmlns:a="http://schemas.openxmlformats.org/drawingml/2006/main" xmlns:r="http://schemas.openxmlformats.org/officeDocument/2006/relationships" xmlns:p="http://schemas.openxmlformats.org/presentationml/2006/main">
   <p:cSld>
     <p:spTree>
       <p:nvGrpSpPr>
@@ -4641,6 +6963,7 @@
           <a:bodyPr tIns="91440" bIns="91440">
             <a:noAutofit/>
           </a:bodyPr>
+          <a:lstStyle/>
           <a:p>
             <a:pPr>
               <a:lnSpc>
@@ -4648,16 +6971,16 @@
               </a:lnSpc>
             </a:pPr>
             <a:r>
-              <a:rPr b="0" lang="en-US" sz="2800" spc="-1" strike="noStrike">
-                <a:solidFill>
-                  <a:srgbClr val="ffffff"/>
+              <a:rPr lang="en-US" sz="2800" b="0" strike="noStrike" spc="-1">
+                <a:solidFill>
+                  <a:srgbClr val="FFFFFF"/>
                 </a:solidFill>
                 <a:latin typeface="Arial"/>
                 <a:ea typeface="Arial"/>
               </a:rPr>
               <a:t>Server - architettura</a:t>
             </a:r>
-            <a:endParaRPr b="0" lang="en-US" sz="2800" spc="-1" strike="noStrike">
+            <a:endParaRPr lang="en-US" sz="2800" b="0" strike="noStrike" spc="-1">
               <a:solidFill>
                 <a:srgbClr val="000000"/>
               </a:solidFill>
@@ -4674,8 +6997,8 @@
         </p:nvSpPr>
         <p:spPr>
           <a:xfrm>
-            <a:off x="1920240" y="2103120"/>
-            <a:ext cx="5568120" cy="1114200"/>
+            <a:off x="311760" y="1177636"/>
+            <a:ext cx="7044120" cy="1394114"/>
           </a:xfrm>
           <a:prstGeom prst="rect">
             <a:avLst/>
@@ -4686,106 +7009,103 @@
           </a:ln>
         </p:spPr>
         <p:txBody>
-          <a:bodyPr lIns="90000" rIns="90000" tIns="45000" bIns="45000">
+          <a:bodyPr lIns="90000" tIns="45000" rIns="90000" bIns="45000">
             <a:noAutofit/>
           </a:bodyPr>
-          <a:p>
-            <a:r>
-              <a:rPr b="0" lang="en-US" sz="1800" spc="-1" strike="noStrike">
-                <a:latin typeface="Arial"/>
-              </a:rPr>
-              <a:t>ANCHE QUI </a:t>
-            </a:r>
-            <a:r>
-              <a:rPr b="0" lang="en-US" sz="1800" spc="-1" strike="noStrike">
-                <a:latin typeface="Arial"/>
-              </a:rPr>
-              <a:t>METTIAMO IL </a:t>
-            </a:r>
-            <a:r>
-              <a:rPr b="0" lang="en-US" sz="1800" spc="-1" strike="noStrike">
-                <a:latin typeface="Arial"/>
-              </a:rPr>
-              <a:t>SOLITO GRAFICO</a:t>
-            </a:r>
-            <a:endParaRPr b="0" lang="en-US" sz="1800" spc="-1" strike="noStrike">
-              <a:latin typeface="Arial"/>
-            </a:endParaRPr>
-          </a:p>
-          <a:p>
-            <a:r>
-              <a:rPr b="0" lang="en-US" sz="1800" spc="-1" strike="noStrike">
-                <a:latin typeface="Arial"/>
-              </a:rPr>
-              <a:t>PER FAR VEDERE LA </a:t>
-            </a:r>
-            <a:r>
-              <a:rPr b="0" lang="en-US" sz="1800" spc="-1" strike="noStrike">
-                <a:latin typeface="Arial"/>
-              </a:rPr>
-              <a:t>SEQUENZA DI </a:t>
-            </a:r>
-            <a:r>
-              <a:rPr b="0" lang="en-US" sz="1800" spc="-1" strike="noStrike">
-                <a:latin typeface="Arial"/>
-              </a:rPr>
-              <a:t>OPERAZIONI</a:t>
-            </a:r>
-            <a:endParaRPr b="0" lang="en-US" sz="1800" spc="-1" strike="noStrike">
-              <a:latin typeface="Arial"/>
-            </a:endParaRPr>
-          </a:p>
-          <a:p>
-            <a:r>
-              <a:rPr b="0" lang="en-US" sz="1800" spc="-1" strike="noStrike">
-                <a:latin typeface="Arial"/>
-              </a:rPr>
-              <a:t>CHE SVOLGE IL </a:t>
-            </a:r>
-            <a:r>
-              <a:rPr b="0" lang="en-US" sz="1800" spc="-1" strike="noStrike">
-                <a:latin typeface="Arial"/>
-              </a:rPr>
-              <a:t>SERVER PER POTER </a:t>
-            </a:r>
-            <a:r>
-              <a:rPr b="0" lang="en-US" sz="1800" spc="-1" strike="noStrike">
-                <a:latin typeface="Arial"/>
-              </a:rPr>
-              <a:t>ESSERE </a:t>
-            </a:r>
-            <a:endParaRPr b="0" lang="en-US" sz="1800" spc="-1" strike="noStrike">
-              <a:latin typeface="Arial"/>
-            </a:endParaRPr>
-          </a:p>
-          <a:p>
-            <a:r>
-              <a:rPr b="0" lang="en-US" sz="1800" spc="-1" strike="noStrike">
-                <a:latin typeface="Arial"/>
-              </a:rPr>
-              <a:t>OPERATIVO</a:t>
-            </a:r>
-            <a:endParaRPr b="0" lang="en-US" sz="1800" spc="-1" strike="noStrike">
-              <a:latin typeface="Arial"/>
-            </a:endParaRPr>
+          <a:lstStyle/>
+          <a:p>
+            <a:r>
+              <a:rPr lang="en-US" sz="2000" spc="-1">
+                <a:solidFill>
+                  <a:schemeClr val="bg1">
+                    <a:lumMod val="65000"/>
+                  </a:schemeClr>
+                </a:solidFill>
+                <a:latin typeface="Verdana" panose="020B0604030504040204" pitchFamily="34" charset="0"/>
+                <a:ea typeface="Verdana" panose="020B0604030504040204" pitchFamily="34" charset="0"/>
+                <a:cs typeface="Verdana" panose="020B0604030504040204" pitchFamily="34" charset="0"/>
+              </a:rPr>
+              <a:t>Per l’architettura del Server ci limitiamo a definire le implementazioni delle procedure. </a:t>
+            </a:r>
+          </a:p>
+          <a:p>
+            <a:r>
+              <a:rPr lang="en-US" sz="2000" spc="-1">
+                <a:solidFill>
+                  <a:schemeClr val="bg1">
+                    <a:lumMod val="65000"/>
+                  </a:schemeClr>
+                </a:solidFill>
+                <a:latin typeface="Verdana" panose="020B0604030504040204" pitchFamily="34" charset="0"/>
+                <a:ea typeface="Verdana" panose="020B0604030504040204" pitchFamily="34" charset="0"/>
+                <a:cs typeface="Verdana" panose="020B0604030504040204" pitchFamily="34" charset="0"/>
+              </a:rPr>
+              <a:t>Nel file XDR vengono definite le procedure remote insieme alle strutture dati necessarie.</a:t>
+            </a:r>
+          </a:p>
+          <a:p>
+            <a:endParaRPr lang="en-US" sz="2000" spc="-1">
+              <a:solidFill>
+                <a:schemeClr val="bg1">
+                  <a:lumMod val="65000"/>
+                </a:schemeClr>
+              </a:solidFill>
+              <a:latin typeface="Verdana" panose="020B0604030504040204" pitchFamily="34" charset="0"/>
+              <a:ea typeface="Verdana" panose="020B0604030504040204" pitchFamily="34" charset="0"/>
+              <a:cs typeface="Verdana" panose="020B0604030504040204" pitchFamily="34" charset="0"/>
+            </a:endParaRPr>
+          </a:p>
+          <a:p>
+            <a:endParaRPr lang="en-US" sz="2000" spc="-1">
+              <a:solidFill>
+                <a:schemeClr val="bg1">
+                  <a:lumMod val="65000"/>
+                </a:schemeClr>
+              </a:solidFill>
+              <a:latin typeface="Verdana" panose="020B0604030504040204" pitchFamily="34" charset="0"/>
+              <a:ea typeface="Verdana" panose="020B0604030504040204" pitchFamily="34" charset="0"/>
+              <a:cs typeface="Verdana" panose="020B0604030504040204" pitchFamily="34" charset="0"/>
+            </a:endParaRPr>
+          </a:p>
+          <a:p>
+            <a:endParaRPr lang="en-US" sz="2000" spc="-1">
+              <a:solidFill>
+                <a:schemeClr val="bg1">
+                  <a:lumMod val="65000"/>
+                </a:schemeClr>
+              </a:solidFill>
+              <a:latin typeface="Verdana" panose="020B0604030504040204" pitchFamily="34" charset="0"/>
+              <a:ea typeface="Verdana" panose="020B0604030504040204" pitchFamily="34" charset="0"/>
+              <a:cs typeface="Verdana" panose="020B0604030504040204" pitchFamily="34" charset="0"/>
+            </a:endParaRPr>
+          </a:p>
+          <a:p>
+            <a:r>
+              <a:rPr lang="en-US" sz="2000" b="0" strike="noStrike" spc="-1">
+                <a:solidFill>
+                  <a:schemeClr val="bg1">
+                    <a:lumMod val="65000"/>
+                  </a:schemeClr>
+                </a:solidFill>
+                <a:latin typeface="Verdana" panose="020B0604030504040204" pitchFamily="34" charset="0"/>
+                <a:ea typeface="Verdana" panose="020B0604030504040204" pitchFamily="34" charset="0"/>
+                <a:cs typeface="Verdana" panose="020B0604030504040204" pitchFamily="34" charset="0"/>
+              </a:rPr>
+              <a:t>QUI POSSIAMO SOTTOLINEARE LE DIFFERENZE CON RMI EVIDENZIANDO CHE NON IMPLEMENTIAMO NOI UN MAIN MA CI LIMITIAMO A DEFINIRE STRUTTURE E PROCEDURE RICHIESTE</a:t>
+            </a:r>
           </a:p>
         </p:txBody>
       </p:sp>
     </p:spTree>
   </p:cSld>
-  <mc:AlternateContent>
-    <mc:Choice Requires="p14">
-      <p:transition spd="slow" p14:dur="2000"/>
-    </mc:Choice>
-    <mc:Fallback>
-      <p:transition spd="slow"/>
-    </mc:Fallback>
-  </mc:AlternateContent>
+  <p:clrMapOvr>
+    <a:masterClrMapping/>
+  </p:clrMapOvr>
 </p:sld>
 </file>
 
 <file path=ppt/slides/slide6.xml><?xml version="1.0" encoding="utf-8"?>
-<p:sld xmlns:a="http://schemas.openxmlformats.org/drawingml/2006/main" xmlns:p="http://schemas.openxmlformats.org/presentationml/2006/main" xmlns:r="http://schemas.openxmlformats.org/officeDocument/2006/relationships" xmlns:p14="http://schemas.microsoft.com/office/powerpoint/2010/main" xmlns:p15="http://schemas.microsoft.com/office/powerpoint/2012/main" xmlns:mc="http://schemas.openxmlformats.org/markup-compatibility/2006">
+<p:sld xmlns:a="http://schemas.openxmlformats.org/drawingml/2006/main" xmlns:r="http://schemas.openxmlformats.org/officeDocument/2006/relationships" xmlns:p="http://schemas.openxmlformats.org/presentationml/2006/main">
   <p:cSld>
     <p:spTree>
       <p:nvGrpSpPr>
@@ -4824,6 +7144,7 @@
           <a:bodyPr tIns="91440" bIns="91440">
             <a:noAutofit/>
           </a:bodyPr>
+          <a:lstStyle/>
           <a:p>
             <a:pPr>
               <a:lnSpc>
@@ -4831,16 +7152,16 @@
               </a:lnSpc>
             </a:pPr>
             <a:r>
-              <a:rPr b="0" lang="en-US" sz="2800" spc="-1" strike="noStrike">
-                <a:solidFill>
-                  <a:srgbClr val="ffffff"/>
+              <a:rPr lang="en-US" sz="2800" b="0" strike="noStrike" spc="-1">
+                <a:solidFill>
+                  <a:srgbClr val="FFFFFF"/>
                 </a:solidFill>
                 <a:latin typeface="Arial"/>
                 <a:ea typeface="Arial"/>
               </a:rPr>
               <a:t>Server - struttura FILE_SCAN()</a:t>
             </a:r>
-            <a:endParaRPr b="0" lang="en-US" sz="2800" spc="-1" strike="noStrike">
+            <a:endParaRPr lang="en-US" sz="2800" b="0" strike="noStrike" spc="-1">
               <a:solidFill>
                 <a:srgbClr val="000000"/>
               </a:solidFill>
@@ -4872,32 +7193,170 @@
           <a:bodyPr tIns="91440" bIns="91440">
             <a:noAutofit/>
           </a:bodyPr>
+          <a:lstStyle/>
           <a:p>
             <a:pPr marL="457200" indent="-380520">
               <a:lnSpc>
                 <a:spcPct val="115000"/>
               </a:lnSpc>
               <a:buClr>
-                <a:srgbClr val="adadad"/>
+                <a:srgbClr val="ADADAD"/>
               </a:buClr>
               <a:buFont typeface="Arial"/>
               <a:buChar char="●"/>
             </a:pPr>
             <a:r>
-              <a:rPr b="0" lang="en-US" sz="2400" spc="-1" strike="noStrike">
-                <a:solidFill>
-                  <a:srgbClr val="adadad"/>
-                </a:solidFill>
-                <a:latin typeface="Arial"/>
-                <a:ea typeface="Arial"/>
-              </a:rPr>
-              <a:t>BLABLA1</a:t>
-            </a:r>
-            <a:endParaRPr b="0" lang="en-US" sz="2400" spc="-1" strike="noStrike">
-              <a:solidFill>
-                <a:srgbClr val="000000"/>
-              </a:solidFill>
-              <a:latin typeface="Arial"/>
+              <a:rPr lang="en-US" sz="2000" spc="-1" dirty="0" err="1">
+                <a:solidFill>
+                  <a:schemeClr val="bg1">
+                    <a:lumMod val="65000"/>
+                  </a:schemeClr>
+                </a:solidFill>
+                <a:latin typeface="Verdana" panose="020B0604030504040204" pitchFamily="34" charset="0"/>
+                <a:ea typeface="Verdana" panose="020B0604030504040204" pitchFamily="34" charset="0"/>
+                <a:cs typeface="Verdana" panose="020B0604030504040204" pitchFamily="34" charset="0"/>
+              </a:rPr>
+              <a:t>Creazione</a:t>
+            </a:r>
+            <a:r>
+              <a:rPr lang="en-US" sz="2000" spc="-1" dirty="0">
+                <a:solidFill>
+                  <a:schemeClr val="bg1">
+                    <a:lumMod val="65000"/>
+                  </a:schemeClr>
+                </a:solidFill>
+                <a:latin typeface="Verdana" panose="020B0604030504040204" pitchFamily="34" charset="0"/>
+                <a:ea typeface="Verdana" panose="020B0604030504040204" pitchFamily="34" charset="0"/>
+                <a:cs typeface="Verdana" panose="020B0604030504040204" pitchFamily="34" charset="0"/>
+              </a:rPr>
+              <a:t> </a:t>
+            </a:r>
+            <a:r>
+              <a:rPr lang="en-US" sz="2000" u="sng" spc="-1" dirty="0" err="1">
+                <a:solidFill>
+                  <a:schemeClr val="bg1">
+                    <a:lumMod val="65000"/>
+                  </a:schemeClr>
+                </a:solidFill>
+                <a:latin typeface="Verdana" panose="020B0604030504040204" pitchFamily="34" charset="0"/>
+                <a:ea typeface="Verdana" panose="020B0604030504040204" pitchFamily="34" charset="0"/>
+                <a:cs typeface="Verdana" panose="020B0604030504040204" pitchFamily="34" charset="0"/>
+              </a:rPr>
+              <a:t>statica</a:t>
+            </a:r>
+            <a:r>
+              <a:rPr lang="en-US" sz="2000" spc="-1" dirty="0">
+                <a:solidFill>
+                  <a:schemeClr val="bg1">
+                    <a:lumMod val="65000"/>
+                  </a:schemeClr>
+                </a:solidFill>
+                <a:latin typeface="Verdana" panose="020B0604030504040204" pitchFamily="34" charset="0"/>
+                <a:ea typeface="Verdana" panose="020B0604030504040204" pitchFamily="34" charset="0"/>
+                <a:cs typeface="Verdana" panose="020B0604030504040204" pitchFamily="34" charset="0"/>
+              </a:rPr>
+              <a:t> </a:t>
+            </a:r>
+            <a:r>
+              <a:rPr lang="en-US" sz="2000" spc="-1" dirty="0" err="1">
+                <a:solidFill>
+                  <a:schemeClr val="bg1">
+                    <a:lumMod val="65000"/>
+                  </a:schemeClr>
+                </a:solidFill>
+                <a:latin typeface="Verdana" panose="020B0604030504040204" pitchFamily="34" charset="0"/>
+                <a:ea typeface="Verdana" panose="020B0604030504040204" pitchFamily="34" charset="0"/>
+                <a:cs typeface="Verdana" panose="020B0604030504040204" pitchFamily="34" charset="0"/>
+              </a:rPr>
+              <a:t>struttura</a:t>
+            </a:r>
+            <a:r>
+              <a:rPr lang="en-US" sz="2000" spc="-1" dirty="0">
+                <a:solidFill>
+                  <a:schemeClr val="bg1">
+                    <a:lumMod val="65000"/>
+                  </a:schemeClr>
+                </a:solidFill>
+                <a:latin typeface="Verdana" panose="020B0604030504040204" pitchFamily="34" charset="0"/>
+                <a:ea typeface="Verdana" panose="020B0604030504040204" pitchFamily="34" charset="0"/>
+                <a:cs typeface="Verdana" panose="020B0604030504040204" pitchFamily="34" charset="0"/>
+              </a:rPr>
+              <a:t> </a:t>
+            </a:r>
+            <a:r>
+              <a:rPr lang="en-US" sz="2000" b="1" spc="-1" dirty="0" err="1">
+                <a:solidFill>
+                  <a:schemeClr val="bg1">
+                    <a:lumMod val="65000"/>
+                  </a:schemeClr>
+                </a:solidFill>
+                <a:latin typeface="Verdana" panose="020B0604030504040204" pitchFamily="34" charset="0"/>
+                <a:ea typeface="Verdana" panose="020B0604030504040204" pitchFamily="34" charset="0"/>
+                <a:cs typeface="Verdana" panose="020B0604030504040204" pitchFamily="34" charset="0"/>
+              </a:rPr>
+              <a:t>OutputFileScan</a:t>
+            </a:r>
+            <a:r>
+              <a:rPr lang="en-US" sz="2000" spc="-1" dirty="0">
+                <a:solidFill>
+                  <a:schemeClr val="bg1">
+                    <a:lumMod val="65000"/>
+                  </a:schemeClr>
+                </a:solidFill>
+                <a:latin typeface="Verdana" panose="020B0604030504040204" pitchFamily="34" charset="0"/>
+                <a:ea typeface="Verdana" panose="020B0604030504040204" pitchFamily="34" charset="0"/>
+                <a:cs typeface="Verdana" panose="020B0604030504040204" pitchFamily="34" charset="0"/>
+              </a:rPr>
+              <a:t> e </a:t>
+            </a:r>
+            <a:r>
+              <a:rPr lang="en-US" sz="2000" spc="-1" dirty="0" err="1">
+                <a:solidFill>
+                  <a:schemeClr val="bg1">
+                    <a:lumMod val="65000"/>
+                  </a:schemeClr>
+                </a:solidFill>
+                <a:latin typeface="Verdana" panose="020B0604030504040204" pitchFamily="34" charset="0"/>
+                <a:ea typeface="Verdana" panose="020B0604030504040204" pitchFamily="34" charset="0"/>
+                <a:cs typeface="Verdana" panose="020B0604030504040204" pitchFamily="34" charset="0"/>
+              </a:rPr>
+              <a:t>sua</a:t>
+            </a:r>
+            <a:r>
+              <a:rPr lang="en-US" sz="2000" spc="-1" dirty="0">
+                <a:solidFill>
+                  <a:schemeClr val="bg1">
+                    <a:lumMod val="65000"/>
+                  </a:schemeClr>
+                </a:solidFill>
+                <a:latin typeface="Verdana" panose="020B0604030504040204" pitchFamily="34" charset="0"/>
+                <a:ea typeface="Verdana" panose="020B0604030504040204" pitchFamily="34" charset="0"/>
+                <a:cs typeface="Verdana" panose="020B0604030504040204" pitchFamily="34" charset="0"/>
+              </a:rPr>
+              <a:t> </a:t>
+            </a:r>
+            <a:r>
+              <a:rPr lang="en-US" sz="2000" spc="-1" dirty="0" err="1">
+                <a:solidFill>
+                  <a:schemeClr val="bg1">
+                    <a:lumMod val="65000"/>
+                  </a:schemeClr>
+                </a:solidFill>
+                <a:latin typeface="Verdana" panose="020B0604030504040204" pitchFamily="34" charset="0"/>
+                <a:ea typeface="Verdana" panose="020B0604030504040204" pitchFamily="34" charset="0"/>
+                <a:cs typeface="Verdana" panose="020B0604030504040204" pitchFamily="34" charset="0"/>
+              </a:rPr>
+              <a:t>inizializzazione</a:t>
+            </a:r>
+            <a:endParaRPr lang="en-US" sz="2000" b="0" strike="noStrike" spc="-1" dirty="0">
+              <a:solidFill>
+                <a:schemeClr val="bg1">
+                  <a:lumMod val="65000"/>
+                </a:schemeClr>
+              </a:solidFill>
+              <a:latin typeface="Verdana" panose="020B0604030504040204" pitchFamily="34" charset="0"/>
+              <a:ea typeface="Verdana" panose="020B0604030504040204" pitchFamily="34" charset="0"/>
+              <a:cs typeface="Verdana" panose="020B0604030504040204" pitchFamily="34" charset="0"/>
             </a:endParaRPr>
           </a:p>
           <a:p>
@@ -4906,26 +7365,72 @@
                 <a:spcPct val="115000"/>
               </a:lnSpc>
               <a:buClr>
-                <a:srgbClr val="adadad"/>
+                <a:srgbClr val="ADADAD"/>
               </a:buClr>
               <a:buFont typeface="Arial"/>
               <a:buChar char="●"/>
             </a:pPr>
             <a:r>
-              <a:rPr b="0" lang="en-US" sz="2400" spc="-1" strike="noStrike">
-                <a:solidFill>
-                  <a:srgbClr val="adadad"/>
-                </a:solidFill>
-                <a:latin typeface="Arial"/>
-                <a:ea typeface="Arial"/>
-              </a:rPr>
-              <a:t>BLABLA2</a:t>
-            </a:r>
-            <a:endParaRPr b="0" lang="en-US" sz="2400" spc="-1" strike="noStrike">
-              <a:solidFill>
-                <a:srgbClr val="000000"/>
-              </a:solidFill>
-              <a:latin typeface="Arial"/>
+              <a:rPr lang="en-US" sz="2000" b="0" strike="noStrike" spc="-1" dirty="0">
+                <a:solidFill>
+                  <a:schemeClr val="bg1">
+                    <a:lumMod val="65000"/>
+                  </a:schemeClr>
+                </a:solidFill>
+                <a:latin typeface="Verdana" panose="020B0604030504040204" pitchFamily="34" charset="0"/>
+                <a:ea typeface="Verdana" panose="020B0604030504040204" pitchFamily="34" charset="0"/>
+                <a:cs typeface="Verdana" panose="020B0604030504040204" pitchFamily="34" charset="0"/>
+              </a:rPr>
+              <a:t>Apertura file e </a:t>
+            </a:r>
+            <a:r>
+              <a:rPr lang="en-US" sz="2000" b="0" strike="noStrike" spc="-1" dirty="0" err="1">
+                <a:solidFill>
+                  <a:schemeClr val="bg1">
+                    <a:lumMod val="65000"/>
+                  </a:schemeClr>
+                </a:solidFill>
+                <a:latin typeface="Verdana" panose="020B0604030504040204" pitchFamily="34" charset="0"/>
+                <a:ea typeface="Verdana" panose="020B0604030504040204" pitchFamily="34" charset="0"/>
+                <a:cs typeface="Verdana" panose="020B0604030504040204" pitchFamily="34" charset="0"/>
+              </a:rPr>
+              <a:t>controllo</a:t>
+            </a:r>
+            <a:r>
+              <a:rPr lang="en-US" sz="2000" b="0" strike="noStrike" spc="-1" dirty="0">
+                <a:solidFill>
+                  <a:schemeClr val="bg1">
+                    <a:lumMod val="65000"/>
+                  </a:schemeClr>
+                </a:solidFill>
+                <a:latin typeface="Verdana" panose="020B0604030504040204" pitchFamily="34" charset="0"/>
+                <a:ea typeface="Verdana" panose="020B0604030504040204" pitchFamily="34" charset="0"/>
+                <a:cs typeface="Verdana" panose="020B0604030504040204" pitchFamily="34" charset="0"/>
+              </a:rPr>
+              <a:t> </a:t>
+            </a:r>
+            <a:r>
+              <a:rPr lang="en-US" sz="2000" b="0" strike="noStrike" spc="-1" dirty="0" err="1">
+                <a:solidFill>
+                  <a:schemeClr val="bg1">
+                    <a:lumMod val="65000"/>
+                  </a:schemeClr>
+                </a:solidFill>
+                <a:latin typeface="Verdana" panose="020B0604030504040204" pitchFamily="34" charset="0"/>
+                <a:ea typeface="Verdana" panose="020B0604030504040204" pitchFamily="34" charset="0"/>
+                <a:cs typeface="Verdana" panose="020B0604030504040204" pitchFamily="34" charset="0"/>
+              </a:rPr>
+              <a:t>errori</a:t>
+            </a:r>
+            <a:endParaRPr lang="en-US" sz="2000" b="0" strike="noStrike" spc="-1" dirty="0">
+              <a:solidFill>
+                <a:schemeClr val="bg1">
+                  <a:lumMod val="65000"/>
+                </a:schemeClr>
+              </a:solidFill>
+              <a:latin typeface="Verdana" panose="020B0604030504040204" pitchFamily="34" charset="0"/>
+              <a:ea typeface="Verdana" panose="020B0604030504040204" pitchFamily="34" charset="0"/>
+              <a:cs typeface="Verdana" panose="020B0604030504040204" pitchFamily="34" charset="0"/>
             </a:endParaRPr>
           </a:p>
           <a:p>
@@ -4934,45 +7439,368 @@
                 <a:spcPct val="115000"/>
               </a:lnSpc>
               <a:buClr>
-                <a:srgbClr val="adadad"/>
+                <a:srgbClr val="ADADAD"/>
               </a:buClr>
               <a:buFont typeface="Arial"/>
               <a:buChar char="●"/>
             </a:pPr>
             <a:r>
-              <a:rPr b="0" lang="en-US" sz="2400" spc="-1" strike="noStrike">
-                <a:solidFill>
-                  <a:srgbClr val="adadad"/>
-                </a:solidFill>
-                <a:latin typeface="Arial"/>
-                <a:ea typeface="Arial"/>
-              </a:rPr>
-              <a:t>BLABLA3</a:t>
-            </a:r>
-            <a:endParaRPr b="0" lang="en-US" sz="2400" spc="-1" strike="noStrike">
-              <a:solidFill>
-                <a:srgbClr val="000000"/>
-              </a:solidFill>
-              <a:latin typeface="Arial"/>
+              <a:rPr lang="en-US" sz="2000" spc="-1" dirty="0">
+                <a:solidFill>
+                  <a:schemeClr val="bg1">
+                    <a:lumMod val="65000"/>
+                  </a:schemeClr>
+                </a:solidFill>
+                <a:latin typeface="Verdana" panose="020B0604030504040204" pitchFamily="34" charset="0"/>
+                <a:ea typeface="Verdana" panose="020B0604030504040204" pitchFamily="34" charset="0"/>
+                <a:cs typeface="Verdana" panose="020B0604030504040204" pitchFamily="34" charset="0"/>
+              </a:rPr>
+              <a:t>Scan </a:t>
+            </a:r>
+            <a:r>
+              <a:rPr lang="en-US" sz="2000" spc="-1" dirty="0" err="1">
+                <a:solidFill>
+                  <a:schemeClr val="bg1">
+                    <a:lumMod val="65000"/>
+                  </a:schemeClr>
+                </a:solidFill>
+                <a:latin typeface="Verdana" panose="020B0604030504040204" pitchFamily="34" charset="0"/>
+                <a:ea typeface="Verdana" panose="020B0604030504040204" pitchFamily="34" charset="0"/>
+                <a:cs typeface="Verdana" panose="020B0604030504040204" pitchFamily="34" charset="0"/>
+              </a:rPr>
+              <a:t>dell’intero</a:t>
+            </a:r>
+            <a:r>
+              <a:rPr lang="en-US" sz="2000" spc="-1" dirty="0">
+                <a:solidFill>
+                  <a:schemeClr val="bg1">
+                    <a:lumMod val="65000"/>
+                  </a:schemeClr>
+                </a:solidFill>
+                <a:latin typeface="Verdana" panose="020B0604030504040204" pitchFamily="34" charset="0"/>
+                <a:ea typeface="Verdana" panose="020B0604030504040204" pitchFamily="34" charset="0"/>
+                <a:cs typeface="Verdana" panose="020B0604030504040204" pitchFamily="34" charset="0"/>
+              </a:rPr>
+              <a:t> file </a:t>
+            </a:r>
+            <a:r>
+              <a:rPr lang="en-US" sz="2000" spc="-1" dirty="0" err="1">
+                <a:solidFill>
+                  <a:schemeClr val="bg1">
+                    <a:lumMod val="65000"/>
+                  </a:schemeClr>
+                </a:solidFill>
+                <a:latin typeface="Verdana" panose="020B0604030504040204" pitchFamily="34" charset="0"/>
+                <a:ea typeface="Verdana" panose="020B0604030504040204" pitchFamily="34" charset="0"/>
+                <a:cs typeface="Verdana" panose="020B0604030504040204" pitchFamily="34" charset="0"/>
+              </a:rPr>
+              <a:t>aggiornando</a:t>
+            </a:r>
+            <a:r>
+              <a:rPr lang="en-US" sz="2000" spc="-1" dirty="0">
+                <a:solidFill>
+                  <a:schemeClr val="bg1">
+                    <a:lumMod val="65000"/>
+                  </a:schemeClr>
+                </a:solidFill>
+                <a:latin typeface="Verdana" panose="020B0604030504040204" pitchFamily="34" charset="0"/>
+                <a:ea typeface="Verdana" panose="020B0604030504040204" pitchFamily="34" charset="0"/>
+                <a:cs typeface="Verdana" panose="020B0604030504040204" pitchFamily="34" charset="0"/>
+              </a:rPr>
+              <a:t> ad ogni carattere letto le </a:t>
+            </a:r>
+            <a:r>
+              <a:rPr lang="en-US" sz="2000" spc="-1" dirty="0" err="1">
+                <a:solidFill>
+                  <a:schemeClr val="bg1">
+                    <a:lumMod val="65000"/>
+                  </a:schemeClr>
+                </a:solidFill>
+                <a:latin typeface="Verdana" panose="020B0604030504040204" pitchFamily="34" charset="0"/>
+                <a:ea typeface="Verdana" panose="020B0604030504040204" pitchFamily="34" charset="0"/>
+                <a:cs typeface="Verdana" panose="020B0604030504040204" pitchFamily="34" charset="0"/>
+              </a:rPr>
+              <a:t>variabili</a:t>
+            </a:r>
+            <a:r>
+              <a:rPr lang="en-US" sz="2000" spc="-1" dirty="0">
+                <a:solidFill>
+                  <a:schemeClr val="bg1">
+                    <a:lumMod val="65000"/>
+                  </a:schemeClr>
+                </a:solidFill>
+                <a:latin typeface="Verdana" panose="020B0604030504040204" pitchFamily="34" charset="0"/>
+                <a:ea typeface="Verdana" panose="020B0604030504040204" pitchFamily="34" charset="0"/>
+                <a:cs typeface="Verdana" panose="020B0604030504040204" pitchFamily="34" charset="0"/>
+              </a:rPr>
+              <a:t> </a:t>
+            </a:r>
+            <a:r>
+              <a:rPr lang="en-US" sz="2000" spc="-1" dirty="0" err="1">
+                <a:solidFill>
+                  <a:schemeClr val="bg1">
+                    <a:lumMod val="65000"/>
+                  </a:schemeClr>
+                </a:solidFill>
+                <a:latin typeface="Verdana" panose="020B0604030504040204" pitchFamily="34" charset="0"/>
+                <a:ea typeface="Verdana" panose="020B0604030504040204" pitchFamily="34" charset="0"/>
+                <a:cs typeface="Verdana" panose="020B0604030504040204" pitchFamily="34" charset="0"/>
+              </a:rPr>
+              <a:t>presenti</a:t>
+            </a:r>
+            <a:r>
+              <a:rPr lang="en-US" sz="2000" spc="-1" dirty="0">
+                <a:solidFill>
+                  <a:schemeClr val="bg1">
+                    <a:lumMod val="65000"/>
+                  </a:schemeClr>
+                </a:solidFill>
+                <a:latin typeface="Verdana" panose="020B0604030504040204" pitchFamily="34" charset="0"/>
+                <a:ea typeface="Verdana" panose="020B0604030504040204" pitchFamily="34" charset="0"/>
+                <a:cs typeface="Verdana" panose="020B0604030504040204" pitchFamily="34" charset="0"/>
+              </a:rPr>
+              <a:t> </a:t>
+            </a:r>
+            <a:r>
+              <a:rPr lang="en-US" sz="2000" spc="-1" dirty="0" err="1">
+                <a:solidFill>
+                  <a:schemeClr val="bg1">
+                    <a:lumMod val="65000"/>
+                  </a:schemeClr>
+                </a:solidFill>
+                <a:latin typeface="Verdana" panose="020B0604030504040204" pitchFamily="34" charset="0"/>
+                <a:ea typeface="Verdana" panose="020B0604030504040204" pitchFamily="34" charset="0"/>
+                <a:cs typeface="Verdana" panose="020B0604030504040204" pitchFamily="34" charset="0"/>
+              </a:rPr>
+              <a:t>nella</a:t>
+            </a:r>
+            <a:r>
+              <a:rPr lang="en-US" sz="2000" spc="-1" dirty="0">
+                <a:solidFill>
+                  <a:schemeClr val="bg1">
+                    <a:lumMod val="65000"/>
+                  </a:schemeClr>
+                </a:solidFill>
+                <a:latin typeface="Verdana" panose="020B0604030504040204" pitchFamily="34" charset="0"/>
+                <a:ea typeface="Verdana" panose="020B0604030504040204" pitchFamily="34" charset="0"/>
+                <a:cs typeface="Verdana" panose="020B0604030504040204" pitchFamily="34" charset="0"/>
+              </a:rPr>
+              <a:t> </a:t>
+            </a:r>
+            <a:r>
+              <a:rPr lang="en-US" sz="2000" spc="-1" dirty="0" err="1">
+                <a:solidFill>
+                  <a:schemeClr val="bg1">
+                    <a:lumMod val="65000"/>
+                  </a:schemeClr>
+                </a:solidFill>
+                <a:latin typeface="Verdana" panose="020B0604030504040204" pitchFamily="34" charset="0"/>
+                <a:ea typeface="Verdana" panose="020B0604030504040204" pitchFamily="34" charset="0"/>
+                <a:cs typeface="Verdana" panose="020B0604030504040204" pitchFamily="34" charset="0"/>
+              </a:rPr>
+              <a:t>struttura</a:t>
+            </a:r>
+            <a:r>
+              <a:rPr lang="en-US" sz="2000" spc="-1" dirty="0">
+                <a:solidFill>
+                  <a:schemeClr val="bg1">
+                    <a:lumMod val="65000"/>
+                  </a:schemeClr>
+                </a:solidFill>
+                <a:latin typeface="Verdana" panose="020B0604030504040204" pitchFamily="34" charset="0"/>
+                <a:ea typeface="Verdana" panose="020B0604030504040204" pitchFamily="34" charset="0"/>
+                <a:cs typeface="Verdana" panose="020B0604030504040204" pitchFamily="34" charset="0"/>
+              </a:rPr>
+              <a:t> </a:t>
+            </a:r>
+            <a:r>
+              <a:rPr lang="en-US" sz="2000" b="1" spc="-1" dirty="0" err="1">
+                <a:solidFill>
+                  <a:schemeClr val="bg1">
+                    <a:lumMod val="65000"/>
+                  </a:schemeClr>
+                </a:solidFill>
+                <a:latin typeface="Verdana" panose="020B0604030504040204" pitchFamily="34" charset="0"/>
+                <a:ea typeface="Verdana" panose="020B0604030504040204" pitchFamily="34" charset="0"/>
+                <a:cs typeface="Verdana" panose="020B0604030504040204" pitchFamily="34" charset="0"/>
+              </a:rPr>
+              <a:t>OutputFileScan</a:t>
+            </a:r>
+            <a:endParaRPr lang="en-US" sz="2000" b="1" spc="-1" dirty="0">
+              <a:solidFill>
+                <a:schemeClr val="bg1">
+                  <a:lumMod val="65000"/>
+                </a:schemeClr>
+              </a:solidFill>
+              <a:latin typeface="Verdana" panose="020B0604030504040204" pitchFamily="34" charset="0"/>
+              <a:ea typeface="Verdana" panose="020B0604030504040204" pitchFamily="34" charset="0"/>
+              <a:cs typeface="Verdana" panose="020B0604030504040204" pitchFamily="34" charset="0"/>
+            </a:endParaRPr>
+          </a:p>
+          <a:p>
+            <a:pPr marL="457200" indent="-380520">
+              <a:lnSpc>
+                <a:spcPct val="115000"/>
+              </a:lnSpc>
+              <a:buClr>
+                <a:srgbClr val="ADADAD"/>
+              </a:buClr>
+              <a:buFont typeface="Arial"/>
+              <a:buChar char="●"/>
+            </a:pPr>
+            <a:r>
+              <a:rPr lang="en-US" sz="2000" b="0" strike="noStrike" spc="-1" dirty="0" err="1">
+                <a:solidFill>
+                  <a:schemeClr val="bg1">
+                    <a:lumMod val="65000"/>
+                  </a:schemeClr>
+                </a:solidFill>
+                <a:latin typeface="Verdana" panose="020B0604030504040204" pitchFamily="34" charset="0"/>
+                <a:ea typeface="Verdana" panose="020B0604030504040204" pitchFamily="34" charset="0"/>
+                <a:cs typeface="Verdana" panose="020B0604030504040204" pitchFamily="34" charset="0"/>
+              </a:rPr>
+              <a:t>Chiusura</a:t>
+            </a:r>
+            <a:r>
+              <a:rPr lang="en-US" sz="2000" b="0" strike="noStrike" spc="-1" dirty="0">
+                <a:solidFill>
+                  <a:schemeClr val="bg1">
+                    <a:lumMod val="65000"/>
+                  </a:schemeClr>
+                </a:solidFill>
+                <a:latin typeface="Verdana" panose="020B0604030504040204" pitchFamily="34" charset="0"/>
+                <a:ea typeface="Verdana" panose="020B0604030504040204" pitchFamily="34" charset="0"/>
+                <a:cs typeface="Verdana" panose="020B0604030504040204" pitchFamily="34" charset="0"/>
+              </a:rPr>
+              <a:t> file e </a:t>
+            </a:r>
+            <a:r>
+              <a:rPr lang="en-US" sz="2000" b="0" strike="noStrike" spc="-1" dirty="0" err="1">
+                <a:solidFill>
+                  <a:schemeClr val="bg1">
+                    <a:lumMod val="65000"/>
+                  </a:schemeClr>
+                </a:solidFill>
+                <a:latin typeface="Verdana" panose="020B0604030504040204" pitchFamily="34" charset="0"/>
+                <a:ea typeface="Verdana" panose="020B0604030504040204" pitchFamily="34" charset="0"/>
+                <a:cs typeface="Verdana" panose="020B0604030504040204" pitchFamily="34" charset="0"/>
+              </a:rPr>
+              <a:t>rest</a:t>
+            </a:r>
+            <a:r>
+              <a:rPr lang="en-US" sz="2000" spc="-1" dirty="0" err="1">
+                <a:solidFill>
+                  <a:schemeClr val="bg1">
+                    <a:lumMod val="65000"/>
+                  </a:schemeClr>
+                </a:solidFill>
+                <a:latin typeface="Verdana" panose="020B0604030504040204" pitchFamily="34" charset="0"/>
+                <a:ea typeface="Verdana" panose="020B0604030504040204" pitchFamily="34" charset="0"/>
+                <a:cs typeface="Verdana" panose="020B0604030504040204" pitchFamily="34" charset="0"/>
+              </a:rPr>
+              <a:t>ituzione</a:t>
+            </a:r>
+            <a:r>
+              <a:rPr lang="en-US" sz="2000" spc="-1" dirty="0">
+                <a:solidFill>
+                  <a:schemeClr val="bg1">
+                    <a:lumMod val="65000"/>
+                  </a:schemeClr>
+                </a:solidFill>
+                <a:latin typeface="Verdana" panose="020B0604030504040204" pitchFamily="34" charset="0"/>
+                <a:ea typeface="Verdana" panose="020B0604030504040204" pitchFamily="34" charset="0"/>
+                <a:cs typeface="Verdana" panose="020B0604030504040204" pitchFamily="34" charset="0"/>
+              </a:rPr>
+              <a:t> del </a:t>
+            </a:r>
+            <a:r>
+              <a:rPr lang="en-US" sz="2000" spc="-1" dirty="0" err="1">
+                <a:solidFill>
+                  <a:schemeClr val="bg1">
+                    <a:lumMod val="65000"/>
+                  </a:schemeClr>
+                </a:solidFill>
+                <a:latin typeface="Verdana" panose="020B0604030504040204" pitchFamily="34" charset="0"/>
+                <a:ea typeface="Verdana" panose="020B0604030504040204" pitchFamily="34" charset="0"/>
+                <a:cs typeface="Verdana" panose="020B0604030504040204" pitchFamily="34" charset="0"/>
+              </a:rPr>
+              <a:t>risultato</a:t>
+            </a:r>
+            <a:r>
+              <a:rPr lang="en-US" sz="2000" spc="-1" dirty="0">
+                <a:solidFill>
+                  <a:schemeClr val="bg1">
+                    <a:lumMod val="65000"/>
+                  </a:schemeClr>
+                </a:solidFill>
+                <a:latin typeface="Verdana" panose="020B0604030504040204" pitchFamily="34" charset="0"/>
+                <a:ea typeface="Verdana" panose="020B0604030504040204" pitchFamily="34" charset="0"/>
+                <a:cs typeface="Verdana" panose="020B0604030504040204" pitchFamily="34" charset="0"/>
+              </a:rPr>
+              <a:t> </a:t>
+            </a:r>
+            <a:r>
+              <a:rPr lang="en-US" sz="2000" u="sng" spc="-1" dirty="0" err="1">
+                <a:solidFill>
+                  <a:schemeClr val="bg1">
+                    <a:lumMod val="65000"/>
+                  </a:schemeClr>
+                </a:solidFill>
+                <a:latin typeface="Verdana" panose="020B0604030504040204" pitchFamily="34" charset="0"/>
+                <a:ea typeface="Verdana" panose="020B0604030504040204" pitchFamily="34" charset="0"/>
+                <a:cs typeface="Verdana" panose="020B0604030504040204" pitchFamily="34" charset="0"/>
+              </a:rPr>
+              <a:t>passato</a:t>
+            </a:r>
+            <a:r>
+              <a:rPr lang="en-US" sz="2000" u="sng" spc="-1" dirty="0">
+                <a:solidFill>
+                  <a:schemeClr val="bg1">
+                    <a:lumMod val="65000"/>
+                  </a:schemeClr>
+                </a:solidFill>
+                <a:latin typeface="Verdana" panose="020B0604030504040204" pitchFamily="34" charset="0"/>
+                <a:ea typeface="Verdana" panose="020B0604030504040204" pitchFamily="34" charset="0"/>
+                <a:cs typeface="Verdana" panose="020B0604030504040204" pitchFamily="34" charset="0"/>
+              </a:rPr>
+              <a:t> per </a:t>
+            </a:r>
+            <a:r>
+              <a:rPr lang="en-US" sz="2000" u="sng" spc="-1" dirty="0" err="1">
+                <a:solidFill>
+                  <a:schemeClr val="bg1">
+                    <a:lumMod val="65000"/>
+                  </a:schemeClr>
+                </a:solidFill>
+                <a:latin typeface="Verdana" panose="020B0604030504040204" pitchFamily="34" charset="0"/>
+                <a:ea typeface="Verdana" panose="020B0604030504040204" pitchFamily="34" charset="0"/>
+                <a:cs typeface="Verdana" panose="020B0604030504040204" pitchFamily="34" charset="0"/>
+              </a:rPr>
+              <a:t>riferimento</a:t>
+            </a:r>
+            <a:endParaRPr lang="en-US" sz="2000" b="0" u="sng" strike="noStrike" spc="-1" dirty="0">
+              <a:solidFill>
+                <a:schemeClr val="bg1">
+                  <a:lumMod val="65000"/>
+                </a:schemeClr>
+              </a:solidFill>
+              <a:latin typeface="Verdana" panose="020B0604030504040204" pitchFamily="34" charset="0"/>
+              <a:ea typeface="Verdana" panose="020B0604030504040204" pitchFamily="34" charset="0"/>
+              <a:cs typeface="Verdana" panose="020B0604030504040204" pitchFamily="34" charset="0"/>
             </a:endParaRPr>
           </a:p>
         </p:txBody>
       </p:sp>
     </p:spTree>
   </p:cSld>
-  <mc:AlternateContent>
-    <mc:Choice Requires="p14">
-      <p:transition spd="slow" p14:dur="2000"/>
-    </mc:Choice>
-    <mc:Fallback>
-      <p:transition spd="slow"/>
-    </mc:Fallback>
-  </mc:AlternateContent>
+  <p:clrMapOvr>
+    <a:masterClrMapping/>
+  </p:clrMapOvr>
 </p:sld>
 </file>
 
 <file path=ppt/slides/slide7.xml><?xml version="1.0" encoding="utf-8"?>
-<p:sld xmlns:a="http://schemas.openxmlformats.org/drawingml/2006/main" xmlns:p="http://schemas.openxmlformats.org/presentationml/2006/main" xmlns:r="http://schemas.openxmlformats.org/officeDocument/2006/relationships" xmlns:p14="http://schemas.microsoft.com/office/powerpoint/2010/main" xmlns:p15="http://schemas.microsoft.com/office/powerpoint/2012/main" xmlns:mc="http://schemas.openxmlformats.org/markup-compatibility/2006">
+<p:sld xmlns:a="http://schemas.openxmlformats.org/drawingml/2006/main" xmlns:r="http://schemas.openxmlformats.org/officeDocument/2006/relationships" xmlns:p="http://schemas.openxmlformats.org/presentationml/2006/main">
   <p:cSld>
     <p:spTree>
       <p:nvGrpSpPr>
@@ -5011,6 +7839,7 @@
           <a:bodyPr tIns="91440" bIns="91440">
             <a:noAutofit/>
           </a:bodyPr>
+          <a:lstStyle/>
           <a:p>
             <a:pPr>
               <a:lnSpc>
@@ -5018,16 +7847,16 @@
               </a:lnSpc>
             </a:pPr>
             <a:r>
-              <a:rPr b="0" lang="en-US" sz="2800" spc="-1" strike="noStrike">
-                <a:solidFill>
-                  <a:srgbClr val="ffffff"/>
+              <a:rPr lang="en-US" sz="2800" b="0" strike="noStrike" spc="-1">
+                <a:solidFill>
+                  <a:srgbClr val="FFFFFF"/>
                 </a:solidFill>
                 <a:latin typeface="Arial"/>
                 <a:ea typeface="Arial"/>
               </a:rPr>
               <a:t>Server - struttura DIR_SCAN()</a:t>
             </a:r>
-            <a:endParaRPr b="0" lang="en-US" sz="2800" spc="-1" strike="noStrike">
+            <a:endParaRPr lang="en-US" sz="2800" b="0" strike="noStrike" spc="-1">
               <a:solidFill>
                 <a:srgbClr val="000000"/>
               </a:solidFill>
@@ -5059,33 +7888,57 @@
           <a:bodyPr tIns="91440" bIns="91440">
             <a:noAutofit/>
           </a:bodyPr>
+          <a:lstStyle/>
           <a:p>
             <a:pPr marL="457200" indent="-355320">
               <a:lnSpc>
                 <a:spcPct val="115000"/>
               </a:lnSpc>
               <a:buClr>
-                <a:srgbClr val="adadad"/>
+                <a:srgbClr val="ADADAD"/>
               </a:buClr>
               <a:buFont typeface="Arial"/>
               <a:buChar char="●"/>
             </a:pPr>
             <a:r>
-              <a:rPr b="0" lang="en-US" sz="2000" spc="-1" strike="noStrike">
-                <a:solidFill>
-                  <a:srgbClr val="adadad"/>
-                </a:solidFill>
-                <a:latin typeface="Arial"/>
-                <a:ea typeface="Arial"/>
-              </a:rPr>
-              <a:t>BLABLA1</a:t>
-            </a:r>
-            <a:endParaRPr b="0" lang="en-US" sz="2000" spc="-1" strike="noStrike">
-              <a:solidFill>
-                <a:srgbClr val="000000"/>
-              </a:solidFill>
-              <a:latin typeface="Arial"/>
-            </a:endParaRPr>
+              <a:rPr lang="en-US" sz="2000" b="0" strike="noStrike" spc="-1">
+                <a:solidFill>
+                  <a:schemeClr val="bg1">
+                    <a:lumMod val="65000"/>
+                  </a:schemeClr>
+                </a:solidFill>
+                <a:latin typeface="Verdana" panose="020B0604030504040204" pitchFamily="34" charset="0"/>
+                <a:ea typeface="Verdana" panose="020B0604030504040204" pitchFamily="34" charset="0"/>
+                <a:cs typeface="Verdana" panose="020B0604030504040204" pitchFamily="34" charset="0"/>
+              </a:rPr>
+              <a:t>Creazione </a:t>
+            </a:r>
+            <a:r>
+              <a:rPr lang="en-US" sz="2000" b="0" u="sng" strike="noStrike" spc="-1">
+                <a:solidFill>
+                  <a:schemeClr val="bg1">
+                    <a:lumMod val="65000"/>
+                  </a:schemeClr>
+                </a:solidFill>
+                <a:latin typeface="Verdana" panose="020B0604030504040204" pitchFamily="34" charset="0"/>
+                <a:ea typeface="Verdana" panose="020B0604030504040204" pitchFamily="34" charset="0"/>
+                <a:cs typeface="Verdana" panose="020B0604030504040204" pitchFamily="34" charset="0"/>
+              </a:rPr>
+              <a:t>statica</a:t>
+            </a:r>
+            <a:r>
+              <a:rPr lang="en-US" sz="2000" b="0" strike="noStrike" spc="-1">
+                <a:solidFill>
+                  <a:schemeClr val="bg1">
+                    <a:lumMod val="65000"/>
+                  </a:schemeClr>
+                </a:solidFill>
+                <a:latin typeface="Verdana" panose="020B0604030504040204" pitchFamily="34" charset="0"/>
+                <a:ea typeface="Verdana" panose="020B0604030504040204" pitchFamily="34" charset="0"/>
+                <a:cs typeface="Verdana" panose="020B0604030504040204" pitchFamily="34" charset="0"/>
+              </a:rPr>
+              <a:t> variabile risultato</a:t>
+            </a:r>
           </a:p>
           <a:p>
             <a:pPr marL="457200" indent="-355320">
@@ -5093,27 +7946,24 @@
                 <a:spcPct val="115000"/>
               </a:lnSpc>
               <a:buClr>
-                <a:srgbClr val="adadad"/>
+                <a:srgbClr val="ADADAD"/>
               </a:buClr>
               <a:buFont typeface="Arial"/>
               <a:buChar char="●"/>
             </a:pPr>
             <a:r>
-              <a:rPr b="0" lang="en-US" sz="2000" spc="-1" strike="noStrike">
-                <a:solidFill>
-                  <a:srgbClr val="adadad"/>
-                </a:solidFill>
-                <a:latin typeface="Arial"/>
-                <a:ea typeface="Arial"/>
-              </a:rPr>
-              <a:t>BLABLA2</a:t>
-            </a:r>
-            <a:endParaRPr b="0" lang="en-US" sz="2000" spc="-1" strike="noStrike">
-              <a:solidFill>
-                <a:srgbClr val="000000"/>
-              </a:solidFill>
-              <a:latin typeface="Arial"/>
-            </a:endParaRPr>
+              <a:rPr lang="en-US" sz="2000" spc="-1">
+                <a:solidFill>
+                  <a:schemeClr val="bg1">
+                    <a:lumMod val="65000"/>
+                  </a:schemeClr>
+                </a:solidFill>
+                <a:latin typeface="Verdana" panose="020B0604030504040204" pitchFamily="34" charset="0"/>
+                <a:ea typeface="Verdana" panose="020B0604030504040204" pitchFamily="34" charset="0"/>
+                <a:cs typeface="Verdana" panose="020B0604030504040204" pitchFamily="34" charset="0"/>
+              </a:rPr>
+              <a:t>Apertura directory desiderata e controllo errori</a:t>
+            </a:r>
           </a:p>
           <a:p>
             <a:pPr marL="457200" indent="-355320">
@@ -5121,45 +7971,136 @@
                 <a:spcPct val="115000"/>
               </a:lnSpc>
               <a:buClr>
-                <a:srgbClr val="adadad"/>
+                <a:srgbClr val="ADADAD"/>
               </a:buClr>
               <a:buFont typeface="Arial"/>
               <a:buChar char="●"/>
             </a:pPr>
             <a:r>
-              <a:rPr b="0" lang="en-US" sz="2000" spc="-1" strike="noStrike">
-                <a:solidFill>
-                  <a:srgbClr val="adadad"/>
-                </a:solidFill>
-                <a:latin typeface="Arial"/>
-                <a:ea typeface="Arial"/>
-              </a:rPr>
-              <a:t>BLABLA3</a:t>
-            </a:r>
-            <a:endParaRPr b="0" lang="en-US" sz="2000" spc="-1" strike="noStrike">
-              <a:solidFill>
-                <a:srgbClr val="000000"/>
-              </a:solidFill>
-              <a:latin typeface="Arial"/>
+              <a:rPr lang="en-US" sz="2000" b="0" strike="noStrike" spc="-1">
+                <a:solidFill>
+                  <a:schemeClr val="bg1">
+                    <a:lumMod val="65000"/>
+                  </a:schemeClr>
+                </a:solidFill>
+                <a:latin typeface="Verdana" panose="020B0604030504040204" pitchFamily="34" charset="0"/>
+                <a:ea typeface="Verdana" panose="020B0604030504040204" pitchFamily="34" charset="0"/>
+                <a:cs typeface="Verdana" panose="020B0604030504040204" pitchFamily="34" charset="0"/>
+              </a:rPr>
+              <a:t>Lettura ciclica degli elementi directory e creazione path in caso l’elemento sia “regular file”</a:t>
+            </a:r>
+          </a:p>
+          <a:p>
+            <a:pPr marL="457200" indent="-355320">
+              <a:lnSpc>
+                <a:spcPct val="115000"/>
+              </a:lnSpc>
+              <a:buClr>
+                <a:srgbClr val="ADADAD"/>
+              </a:buClr>
+              <a:buFont typeface="Arial"/>
+              <a:buChar char="●"/>
+            </a:pPr>
+            <a:r>
+              <a:rPr lang="en-US" sz="2000" b="0" strike="noStrike" spc="-1">
+                <a:solidFill>
+                  <a:schemeClr val="bg1">
+                    <a:lumMod val="65000"/>
+                  </a:schemeClr>
+                </a:solidFill>
+                <a:latin typeface="Verdana" panose="020B0604030504040204" pitchFamily="34" charset="0"/>
+                <a:ea typeface="Verdana" panose="020B0604030504040204" pitchFamily="34" charset="0"/>
+                <a:cs typeface="Verdana" panose="020B0604030504040204" pitchFamily="34" charset="0"/>
+              </a:rPr>
+              <a:t>Calcolo dimensione del file tramite </a:t>
+            </a:r>
+            <a:r>
+              <a:rPr lang="en-US" sz="2000" b="1" strike="noStrike" spc="-1">
+                <a:solidFill>
+                  <a:schemeClr val="bg1">
+                    <a:lumMod val="65000"/>
+                  </a:schemeClr>
+                </a:solidFill>
+                <a:latin typeface="Verdana" panose="020B0604030504040204" pitchFamily="34" charset="0"/>
+                <a:ea typeface="Verdana" panose="020B0604030504040204" pitchFamily="34" charset="0"/>
+                <a:cs typeface="Verdana" panose="020B0604030504040204" pitchFamily="34" charset="0"/>
+              </a:rPr>
+              <a:t>stat</a:t>
+            </a:r>
+            <a:r>
+              <a:rPr lang="en-US" sz="2000" b="0" strike="noStrike" spc="-1">
+                <a:solidFill>
+                  <a:schemeClr val="bg1">
+                    <a:lumMod val="65000"/>
+                  </a:schemeClr>
+                </a:solidFill>
+                <a:latin typeface="Verdana" panose="020B0604030504040204" pitchFamily="34" charset="0"/>
+                <a:ea typeface="Verdana" panose="020B0604030504040204" pitchFamily="34" charset="0"/>
+                <a:cs typeface="Verdana" panose="020B0604030504040204" pitchFamily="34" charset="0"/>
+              </a:rPr>
+              <a:t> e aumento variabile risultato in caso superi la soglia desiderata</a:t>
+            </a:r>
+          </a:p>
+          <a:p>
+            <a:pPr marL="457200" indent="-355320">
+              <a:lnSpc>
+                <a:spcPct val="115000"/>
+              </a:lnSpc>
+              <a:buClr>
+                <a:srgbClr val="ADADAD"/>
+              </a:buClr>
+              <a:buFont typeface="Arial"/>
+              <a:buChar char="●"/>
+            </a:pPr>
+            <a:r>
+              <a:rPr lang="en-US" sz="2000" spc="-1">
+                <a:solidFill>
+                  <a:schemeClr val="bg1">
+                    <a:lumMod val="65000"/>
+                  </a:schemeClr>
+                </a:solidFill>
+                <a:latin typeface="Verdana" panose="020B0604030504040204" pitchFamily="34" charset="0"/>
+                <a:ea typeface="Verdana" panose="020B0604030504040204" pitchFamily="34" charset="0"/>
+                <a:cs typeface="Verdana" panose="020B0604030504040204" pitchFamily="34" charset="0"/>
+              </a:rPr>
+              <a:t>Chiusura directory e restituzione risultato </a:t>
+            </a:r>
+            <a:r>
+              <a:rPr lang="en-US" sz="2000" u="sng" spc="-1">
+                <a:solidFill>
+                  <a:schemeClr val="bg1">
+                    <a:lumMod val="65000"/>
+                  </a:schemeClr>
+                </a:solidFill>
+                <a:latin typeface="Verdana" panose="020B0604030504040204" pitchFamily="34" charset="0"/>
+                <a:ea typeface="Verdana" panose="020B0604030504040204" pitchFamily="34" charset="0"/>
+                <a:cs typeface="Verdana" panose="020B0604030504040204" pitchFamily="34" charset="0"/>
+              </a:rPr>
+              <a:t>passato per riferimento</a:t>
+            </a:r>
+            <a:endParaRPr lang="en-US" sz="2000" b="0" u="sng" strike="noStrike" spc="-1">
+              <a:solidFill>
+                <a:schemeClr val="bg1">
+                  <a:lumMod val="65000"/>
+                </a:schemeClr>
+              </a:solidFill>
+              <a:latin typeface="Verdana" panose="020B0604030504040204" pitchFamily="34" charset="0"/>
+              <a:ea typeface="Verdana" panose="020B0604030504040204" pitchFamily="34" charset="0"/>
+              <a:cs typeface="Verdana" panose="020B0604030504040204" pitchFamily="34" charset="0"/>
             </a:endParaRPr>
           </a:p>
         </p:txBody>
       </p:sp>
     </p:spTree>
   </p:cSld>
-  <mc:AlternateContent>
-    <mc:Choice Requires="p14">
-      <p:transition spd="slow" p14:dur="2000"/>
-    </mc:Choice>
-    <mc:Fallback>
-      <p:transition spd="slow"/>
-    </mc:Fallback>
-  </mc:AlternateContent>
+  <p:clrMapOvr>
+    <a:masterClrMapping/>
+  </p:clrMapOvr>
 </p:sld>
 </file>
 
 <file path=ppt/slides/slide8.xml><?xml version="1.0" encoding="utf-8"?>
-<p:sld xmlns:a="http://schemas.openxmlformats.org/drawingml/2006/main" xmlns:p="http://schemas.openxmlformats.org/presentationml/2006/main" xmlns:r="http://schemas.openxmlformats.org/officeDocument/2006/relationships" xmlns:p14="http://schemas.microsoft.com/office/powerpoint/2010/main" xmlns:p15="http://schemas.microsoft.com/office/powerpoint/2012/main" xmlns:mc="http://schemas.openxmlformats.org/markup-compatibility/2006">
+<p:sld xmlns:a="http://schemas.openxmlformats.org/drawingml/2006/main" xmlns:r="http://schemas.openxmlformats.org/officeDocument/2006/relationships" xmlns:p="http://schemas.openxmlformats.org/presentationml/2006/main">
   <p:cSld>
     <p:spTree>
       <p:nvGrpSpPr>
@@ -5198,6 +8139,7 @@
           <a:bodyPr tIns="91440" bIns="91440">
             <a:noAutofit/>
           </a:bodyPr>
+          <a:lstStyle/>
           <a:p>
             <a:pPr>
               <a:lnSpc>
@@ -5205,16 +8147,16 @@
               </a:lnSpc>
             </a:pPr>
             <a:r>
-              <a:rPr b="0" lang="en-US" sz="2800" spc="-1" strike="noStrike">
-                <a:solidFill>
-                  <a:srgbClr val="ffffff"/>
+              <a:rPr lang="en-US" sz="2800" b="0" strike="noStrike" spc="-1">
+                <a:solidFill>
+                  <a:srgbClr val="FFFFFF"/>
                 </a:solidFill>
                 <a:latin typeface="Arial"/>
                 <a:ea typeface="Arial"/>
               </a:rPr>
               <a:t>Problemi riscontrati </a:t>
             </a:r>
-            <a:endParaRPr b="0" lang="en-US" sz="2800" spc="-1" strike="noStrike">
+            <a:endParaRPr lang="en-US" sz="2800" b="0" strike="noStrike" spc="-1">
               <a:solidFill>
                 <a:srgbClr val="000000"/>
               </a:solidFill>
@@ -5246,6 +8188,7 @@
           <a:bodyPr tIns="91440" bIns="91440">
             <a:noAutofit/>
           </a:bodyPr>
+          <a:lstStyle/>
           <a:p>
             <a:pPr>
               <a:lnSpc>
@@ -5253,16 +8196,16 @@
               </a:lnSpc>
             </a:pPr>
             <a:r>
-              <a:rPr b="0" lang="en-US" sz="1800" spc="-1" strike="noStrike">
-                <a:solidFill>
-                  <a:srgbClr val="adadad"/>
+              <a:rPr lang="en-US" sz="1800" b="0" strike="noStrike" spc="-1">
+                <a:solidFill>
+                  <a:srgbClr val="ADADAD"/>
                 </a:solidFill>
                 <a:latin typeface="Arial"/>
                 <a:ea typeface="Arial"/>
               </a:rPr>
-              <a:t>SOLITE COSE: CONCORRENZA? TEMPI TROPPO LUNGHI PER FILE GRANDI? FACCIAMO DEI TEST?  GESTIAMO TUTTI I CASI DI ERRORE? ETC. </a:t>
-            </a:r>
-            <a:endParaRPr b="0" lang="en-US" sz="1800" spc="-1" strike="noStrike">
+              <a:t>TEMPI TROPPO LUNGHI PER FILE GRANDI? FACCIAMO DEI TEST?  GESTIAMO TUTTI I CASI DI ERRORE? ETC. </a:t>
+            </a:r>
+            <a:endParaRPr lang="en-US" sz="1800" b="0" strike="noStrike" spc="-1">
               <a:solidFill>
                 <a:srgbClr val="000000"/>
               </a:solidFill>
@@ -5281,7 +8224,7 @@
                 <a:spcPts val="1599"/>
               </a:spcAft>
             </a:pPr>
-            <a:endParaRPr b="0" lang="en-US" sz="1800" spc="-1" strike="noStrike">
+            <a:endParaRPr lang="en-US" sz="1800" b="0" strike="noStrike" spc="-1">
               <a:solidFill>
                 <a:srgbClr val="000000"/>
               </a:solidFill>
@@ -5292,19 +8235,14 @@
       </p:sp>
     </p:spTree>
   </p:cSld>
-  <mc:AlternateContent>
-    <mc:Choice Requires="p14">
-      <p:transition spd="slow" p14:dur="2000"/>
-    </mc:Choice>
-    <mc:Fallback>
-      <p:transition spd="slow"/>
-    </mc:Fallback>
-  </mc:AlternateContent>
+  <p:clrMapOvr>
+    <a:masterClrMapping/>
+  </p:clrMapOvr>
 </p:sld>
 </file>
 
 <file path=ppt/slides/slide9.xml><?xml version="1.0" encoding="utf-8"?>
-<p:sld xmlns:a="http://schemas.openxmlformats.org/drawingml/2006/main" xmlns:p="http://schemas.openxmlformats.org/presentationml/2006/main" xmlns:r="http://schemas.openxmlformats.org/officeDocument/2006/relationships" xmlns:p14="http://schemas.microsoft.com/office/powerpoint/2010/main" xmlns:p15="http://schemas.microsoft.com/office/powerpoint/2012/main" xmlns:mc="http://schemas.openxmlformats.org/markup-compatibility/2006">
+<p:sld xmlns:a="http://schemas.openxmlformats.org/drawingml/2006/main" xmlns:r="http://schemas.openxmlformats.org/officeDocument/2006/relationships" xmlns:p="http://schemas.openxmlformats.org/presentationml/2006/main">
   <p:cSld>
     <p:spTree>
       <p:nvGrpSpPr>
@@ -5343,6 +8281,7 @@
           <a:bodyPr tIns="91440" bIns="91440">
             <a:noAutofit/>
           </a:bodyPr>
+          <a:lstStyle/>
           <a:p>
             <a:pPr>
               <a:lnSpc>
@@ -5350,16 +8289,16 @@
               </a:lnSpc>
             </a:pPr>
             <a:r>
-              <a:rPr b="0" lang="en-US" sz="2800" spc="-1" strike="noStrike">
-                <a:solidFill>
-                  <a:srgbClr val="ffffff"/>
+              <a:rPr lang="en-US" sz="2800" b="0" strike="noStrike" spc="-1">
+                <a:solidFill>
+                  <a:srgbClr val="FFFFFF"/>
                 </a:solidFill>
                 <a:latin typeface="Arial"/>
                 <a:ea typeface="Arial"/>
               </a:rPr>
               <a:t>Conclusioni</a:t>
             </a:r>
-            <a:endParaRPr b="0" lang="en-US" sz="2800" spc="-1" strike="noStrike">
+            <a:endParaRPr lang="en-US" sz="2800" b="0" strike="noStrike" spc="-1">
               <a:solidFill>
                 <a:srgbClr val="000000"/>
               </a:solidFill>
@@ -5376,7 +8315,7 @@
         </p:nvSpPr>
         <p:spPr>
           <a:xfrm>
-            <a:off x="311760" y="1302840"/>
+            <a:off x="311760" y="956473"/>
             <a:ext cx="8520120" cy="3503520"/>
           </a:xfrm>
           <a:prstGeom prst="rect">
@@ -5391,45 +8330,7 @@
           <a:bodyPr tIns="91440" bIns="91440">
             <a:noAutofit/>
           </a:bodyPr>
-          <a:p>
-            <a:pPr>
-              <a:lnSpc>
-                <a:spcPct val="115000"/>
-              </a:lnSpc>
-            </a:pPr>
-            <a:r>
-              <a:rPr b="0" lang="en-US" sz="1400" spc="-1" strike="noStrike">
-                <a:solidFill>
-                  <a:srgbClr val="adadad"/>
-                </a:solidFill>
-                <a:latin typeface="Arial"/>
-                <a:ea typeface="Arial"/>
-              </a:rPr>
-              <a:t>RICAPITOLIAMO  LE ENTITA’ IN GIOCO COME AL SOLITO PER DARE UNA VISONE </a:t>
-            </a:r>
-            <a:endParaRPr b="0" lang="en-US" sz="1400" spc="-1" strike="noStrike">
-              <a:solidFill>
-                <a:srgbClr val="000000"/>
-              </a:solidFill>
-              <a:latin typeface="Arial"/>
-            </a:endParaRPr>
-          </a:p>
-          <a:p>
-            <a:pPr>
-              <a:lnSpc>
-                <a:spcPct val="115000"/>
-              </a:lnSpc>
-              <a:spcBef>
-                <a:spcPts val="1599"/>
-              </a:spcBef>
-            </a:pPr>
-            <a:endParaRPr b="0" lang="en-US" sz="1400" spc="-1" strike="noStrike">
-              <a:solidFill>
-                <a:srgbClr val="000000"/>
-              </a:solidFill>
-              <a:latin typeface="Arial"/>
-            </a:endParaRPr>
-          </a:p>
+          <a:lstStyle/>
           <a:p>
             <a:pPr>
               <a:lnSpc>
@@ -5442,25 +8343,115 @@
                 <a:spcPts val="1599"/>
               </a:spcAft>
             </a:pPr>
-            <a:endParaRPr b="0" lang="en-US" sz="1400" spc="-1" strike="noStrike">
-              <a:solidFill>
-                <a:srgbClr val="000000"/>
-              </a:solidFill>
-              <a:latin typeface="Arial"/>
-            </a:endParaRPr>
+            <a:r>
+              <a:rPr lang="en-US" b="0" strike="noStrike" spc="-1">
+                <a:solidFill>
+                  <a:schemeClr val="bg1">
+                    <a:lumMod val="65000"/>
+                  </a:schemeClr>
+                </a:solidFill>
+                <a:latin typeface="Verdana" panose="020B0604030504040204" pitchFamily="34" charset="0"/>
+                <a:ea typeface="Verdana" panose="020B0604030504040204" pitchFamily="34" charset="0"/>
+                <a:cs typeface="Verdana" panose="020B0604030504040204" pitchFamily="34" charset="0"/>
+              </a:rPr>
+              <a:t>Tramite RPCGEN vengono processati i costrutti specificati sul file xdr generando automaticamente gli stub di Client e Server, file header e file xdr.</a:t>
+            </a:r>
+          </a:p>
+          <a:p>
+            <a:pPr>
+              <a:lnSpc>
+                <a:spcPct val="115000"/>
+              </a:lnSpc>
+              <a:spcBef>
+                <a:spcPts val="1599"/>
+              </a:spcBef>
+              <a:spcAft>
+                <a:spcPts val="1599"/>
+              </a:spcAft>
+            </a:pPr>
+            <a:r>
+              <a:rPr lang="en-US" spc="-1">
+                <a:solidFill>
+                  <a:schemeClr val="bg1">
+                    <a:lumMod val="65000"/>
+                  </a:schemeClr>
+                </a:solidFill>
+                <a:latin typeface="Verdana" panose="020B0604030504040204" pitchFamily="34" charset="0"/>
+                <a:ea typeface="Verdana" panose="020B0604030504040204" pitchFamily="34" charset="0"/>
+                <a:cs typeface="Verdana" panose="020B0604030504040204" pitchFamily="34" charset="0"/>
+              </a:rPr>
+              <a:t>Il Server registra i suoi servizi tramite </a:t>
+            </a:r>
+            <a:r>
+              <a:rPr lang="en-US" b="1" spc="-1">
+                <a:solidFill>
+                  <a:schemeClr val="bg1">
+                    <a:lumMod val="65000"/>
+                  </a:schemeClr>
+                </a:solidFill>
+                <a:latin typeface="Verdana" panose="020B0604030504040204" pitchFamily="34" charset="0"/>
+                <a:ea typeface="Verdana" panose="020B0604030504040204" pitchFamily="34" charset="0"/>
+                <a:cs typeface="Verdana" panose="020B0604030504040204" pitchFamily="34" charset="0"/>
+              </a:rPr>
+              <a:t>portmapper</a:t>
+            </a:r>
+            <a:r>
+              <a:rPr lang="en-US" spc="-1">
+                <a:solidFill>
+                  <a:schemeClr val="bg1">
+                    <a:lumMod val="65000"/>
+                  </a:schemeClr>
+                </a:solidFill>
+                <a:latin typeface="Verdana" panose="020B0604030504040204" pitchFamily="34" charset="0"/>
+                <a:ea typeface="Verdana" panose="020B0604030504040204" pitchFamily="34" charset="0"/>
+                <a:cs typeface="Verdana" panose="020B0604030504040204" pitchFamily="34" charset="0"/>
+              </a:rPr>
+              <a:t> e si pone in attesa infinita (svc_run)</a:t>
+            </a:r>
+            <a:endParaRPr lang="en-US" b="1" spc="-1">
+              <a:solidFill>
+                <a:schemeClr val="bg1">
+                  <a:lumMod val="65000"/>
+                </a:schemeClr>
+              </a:solidFill>
+              <a:latin typeface="Verdana" panose="020B0604030504040204" pitchFamily="34" charset="0"/>
+              <a:ea typeface="Verdana" panose="020B0604030504040204" pitchFamily="34" charset="0"/>
+              <a:cs typeface="Verdana" panose="020B0604030504040204" pitchFamily="34" charset="0"/>
+            </a:endParaRPr>
+          </a:p>
+          <a:p>
+            <a:pPr>
+              <a:lnSpc>
+                <a:spcPct val="115000"/>
+              </a:lnSpc>
+              <a:spcBef>
+                <a:spcPts val="1599"/>
+              </a:spcBef>
+              <a:spcAft>
+                <a:spcPts val="1599"/>
+              </a:spcAft>
+            </a:pPr>
+            <a:r>
+              <a:rPr lang="en-US" spc="-1">
+                <a:solidFill>
+                  <a:schemeClr val="bg1">
+                    <a:lumMod val="65000"/>
+                  </a:schemeClr>
+                </a:solidFill>
+                <a:latin typeface="Verdana" panose="020B0604030504040204" pitchFamily="34" charset="0"/>
+                <a:ea typeface="Verdana" panose="020B0604030504040204" pitchFamily="34" charset="0"/>
+                <a:cs typeface="Verdana" panose="020B0604030504040204" pitchFamily="34" charset="0"/>
+              </a:rPr>
+              <a:t>Per ogni chiamata ricevuta dallo stub del Client viene avviata la procedura di Dispatching mediante la quale viene scelta e gestita la procedura richiesta, trattando correttamente i parametri di input ed output.</a:t>
+            </a:r>
           </a:p>
         </p:txBody>
       </p:sp>
     </p:spTree>
   </p:cSld>
-  <mc:AlternateContent>
-    <mc:Choice Requires="p14">
-      <p:transition spd="slow" p14:dur="2000"/>
-    </mc:Choice>
-    <mc:Fallback>
-      <p:transition spd="slow"/>
-    </mc:Fallback>
-  </mc:AlternateContent>
+  <p:clrMapOvr>
+    <a:masterClrMapping/>
+  </p:clrMapOvr>
 </p:sld>
 </file>
 
@@ -5478,31 +8469,31 @@
         <a:srgbClr val="303030"/>
       </a:dk2>
       <a:lt2>
-        <a:srgbClr val="adadad"/>
+        <a:srgbClr val="ADADAD"/>
       </a:lt2>
       <a:accent1>
         <a:srgbClr val="009688"/>
       </a:accent1>
       <a:accent2>
-        <a:srgbClr val="eeeeee"/>
+        <a:srgbClr val="EEEEEE"/>
       </a:accent2>
       <a:accent3>
-        <a:srgbClr val="78909c"/>
+        <a:srgbClr val="78909C"/>
       </a:accent3>
       <a:accent4>
-        <a:srgbClr val="ffab40"/>
+        <a:srgbClr val="FFAB40"/>
       </a:accent4>
       <a:accent5>
-        <a:srgbClr val="4dd0e1"/>
+        <a:srgbClr val="4DD0E1"/>
       </a:accent5>
       <a:accent6>
-        <a:srgbClr val="eeff41"/>
+        <a:srgbClr val="EEFF41"/>
       </a:accent6>
       <a:hlink>
-        <a:srgbClr val="4dd0e1"/>
+        <a:srgbClr val="4DD0E1"/>
       </a:hlink>
       <a:folHlink>
-        <a:srgbClr val="4dd0e1"/>
+        <a:srgbClr val="4DD0E1"/>
       </a:folHlink>
     </a:clrScheme>
     <a:fontScheme name="Office">
@@ -5687,6 +8678,8 @@
       </a:bgFillStyleLst>
     </a:fmtScheme>
   </a:themeElements>
+  <a:objectDefaults/>
+  <a:extraClrSchemeLst/>
 </a:theme>
 </file>
 
@@ -5704,31 +8697,31 @@
         <a:srgbClr val="303030"/>
       </a:dk2>
       <a:lt2>
-        <a:srgbClr val="adadad"/>
+        <a:srgbClr val="ADADAD"/>
       </a:lt2>
       <a:accent1>
         <a:srgbClr val="009688"/>
       </a:accent1>
       <a:accent2>
-        <a:srgbClr val="eeeeee"/>
+        <a:srgbClr val="EEEEEE"/>
       </a:accent2>
       <a:accent3>
-        <a:srgbClr val="78909c"/>
+        <a:srgbClr val="78909C"/>
       </a:accent3>
       <a:accent4>
-        <a:srgbClr val="ffab40"/>
+        <a:srgbClr val="FFAB40"/>
       </a:accent4>
       <a:accent5>
-        <a:srgbClr val="4dd0e1"/>
+        <a:srgbClr val="4DD0E1"/>
       </a:accent5>
       <a:accent6>
-        <a:srgbClr val="eeff41"/>
+        <a:srgbClr val="EEFF41"/>
       </a:accent6>
       <a:hlink>
-        <a:srgbClr val="4dd0e1"/>
+        <a:srgbClr val="4DD0E1"/>
       </a:hlink>
       <a:folHlink>
-        <a:srgbClr val="4dd0e1"/>
+        <a:srgbClr val="4DD0E1"/>
       </a:folHlink>
     </a:clrScheme>
     <a:fontScheme name="Office">
@@ -5913,5 +8906,7 @@
       </a:bgFillStyleLst>
     </a:fmtScheme>
   </a:themeElements>
+  <a:objectDefaults/>
+  <a:extraClrSchemeLst/>
 </a:theme>
 </file>
--- a/PresentazioneEs6.pptx
+++ b/PresentazioneEs6.pptx
@@ -13,8 +13,7 @@
     <p:sldId id="260" r:id="rId7"/>
     <p:sldId id="261" r:id="rId8"/>
     <p:sldId id="262" r:id="rId9"/>
-    <p:sldId id="263" r:id="rId10"/>
-    <p:sldId id="264" r:id="rId11"/>
+    <p:sldId id="264" r:id="rId10"/>
   </p:sldIdLst>
   <p:sldSz cx="9144000" cy="5143500" type="screen16x9"/>
   <p:notesSz cx="6858000" cy="9144000"/>
@@ -6108,6 +6107,142 @@
           </a:fontRef>
         </p:style>
       </p:cxnSp>
+      <p:sp>
+        <p:nvSpPr>
+          <p:cNvPr id="32" name="CasellaDiTesto 31">
+            <a:extLst>
+              <a:ext uri="{FF2B5EF4-FFF2-40B4-BE49-F238E27FC236}">
+                <a16:creationId xmlns:a16="http://schemas.microsoft.com/office/drawing/2014/main" id="{300EE29A-9EB0-CD42-8BD4-5A2634411822}"/>
+              </a:ext>
+            </a:extLst>
+          </p:cNvPr>
+          <p:cNvSpPr txBox="1"/>
+          <p:nvPr/>
+        </p:nvSpPr>
+        <p:spPr>
+          <a:xfrm>
+            <a:off x="3618768" y="4578241"/>
+            <a:ext cx="2017296" cy="369332"/>
+          </a:xfrm>
+          <a:prstGeom prst="rect">
+            <a:avLst/>
+          </a:prstGeom>
+          <a:noFill/>
+        </p:spPr>
+        <p:txBody>
+          <a:bodyPr wrap="square" rtlCol="0">
+            <a:spAutoFit/>
+          </a:bodyPr>
+          <a:lstStyle/>
+          <a:p>
+            <a:r>
+              <a:rPr lang="it-IT" dirty="0" err="1">
+                <a:solidFill>
+                  <a:schemeClr val="bg1"/>
+                </a:solidFill>
+                <a:latin typeface="Verdana" panose="020B0604030504040204" pitchFamily="34" charset="0"/>
+                <a:ea typeface="Verdana" panose="020B0604030504040204" pitchFamily="34" charset="0"/>
+                <a:cs typeface="Verdana" panose="020B0604030504040204" pitchFamily="34" charset="0"/>
+              </a:rPr>
+              <a:t>svc_sendreply</a:t>
+            </a:r>
+            <a:endParaRPr lang="it-IT" dirty="0">
+              <a:solidFill>
+                <a:schemeClr val="bg1"/>
+              </a:solidFill>
+              <a:latin typeface="Verdana" panose="020B0604030504040204" pitchFamily="34" charset="0"/>
+              <a:ea typeface="Verdana" panose="020B0604030504040204" pitchFamily="34" charset="0"/>
+              <a:cs typeface="Verdana" panose="020B0604030504040204" pitchFamily="34" charset="0"/>
+            </a:endParaRPr>
+          </a:p>
+        </p:txBody>
+      </p:sp>
+      <p:cxnSp>
+        <p:nvCxnSpPr>
+          <p:cNvPr id="33" name="Connettore 7 32">
+            <a:extLst>
+              <a:ext uri="{FF2B5EF4-FFF2-40B4-BE49-F238E27FC236}">
+                <a16:creationId xmlns:a16="http://schemas.microsoft.com/office/drawing/2014/main" id="{26773B38-F676-0F44-869E-EAAA392CA5F6}"/>
+              </a:ext>
+            </a:extLst>
+          </p:cNvPr>
+          <p:cNvCxnSpPr>
+            <a:cxnSpLocks/>
+            <a:stCxn id="8" idx="2"/>
+          </p:cNvCxnSpPr>
+          <p:nvPr/>
+        </p:nvCxnSpPr>
+        <p:spPr>
+          <a:xfrm rot="5400000">
+            <a:off x="5707941" y="3515865"/>
+            <a:ext cx="972822" cy="1521266"/>
+          </a:xfrm>
+          <a:prstGeom prst="curvedConnector2">
+            <a:avLst/>
+          </a:prstGeom>
+          <a:ln>
+            <a:headEnd type="none" w="med" len="med"/>
+            <a:tailEnd type="arrow" w="med" len="med"/>
+          </a:ln>
+        </p:spPr>
+        <p:style>
+          <a:lnRef idx="3">
+            <a:schemeClr val="accent2"/>
+          </a:lnRef>
+          <a:fillRef idx="0">
+            <a:schemeClr val="accent2"/>
+          </a:fillRef>
+          <a:effectRef idx="2">
+            <a:schemeClr val="accent2"/>
+          </a:effectRef>
+          <a:fontRef idx="minor">
+            <a:schemeClr val="tx1"/>
+          </a:fontRef>
+        </p:style>
+      </p:cxnSp>
+      <p:cxnSp>
+        <p:nvCxnSpPr>
+          <p:cNvPr id="35" name="Connettore 7 34">
+            <a:extLst>
+              <a:ext uri="{FF2B5EF4-FFF2-40B4-BE49-F238E27FC236}">
+                <a16:creationId xmlns:a16="http://schemas.microsoft.com/office/drawing/2014/main" id="{333AF077-6452-EA42-A54A-DA1496FC1D45}"/>
+              </a:ext>
+            </a:extLst>
+          </p:cNvPr>
+          <p:cNvCxnSpPr>
+            <a:stCxn id="32" idx="1"/>
+            <a:endCxn id="4" idx="2"/>
+          </p:cNvCxnSpPr>
+          <p:nvPr/>
+        </p:nvCxnSpPr>
+        <p:spPr>
+          <a:xfrm rot="10800000">
+            <a:off x="2189016" y="3790087"/>
+            <a:ext cx="1429753" cy="972820"/>
+          </a:xfrm>
+          <a:prstGeom prst="curvedConnector2">
+            <a:avLst/>
+          </a:prstGeom>
+          <a:ln>
+            <a:headEnd type="none" w="med" len="med"/>
+            <a:tailEnd type="arrow" w="med" len="med"/>
+          </a:ln>
+        </p:spPr>
+        <p:style>
+          <a:lnRef idx="3">
+            <a:schemeClr val="accent2"/>
+          </a:lnRef>
+          <a:fillRef idx="0">
+            <a:schemeClr val="accent2"/>
+          </a:fillRef>
+          <a:effectRef idx="2">
+            <a:schemeClr val="accent2"/>
+          </a:effectRef>
+          <a:fontRef idx="minor">
+            <a:schemeClr val="tx1"/>
+          </a:fontRef>
+        </p:style>
+      </p:cxnSp>
     </p:spTree>
   </p:cSld>
   <p:clrMapOvr>
@@ -6900,7 +7035,7 @@
                 <a:ea typeface="Verdana" panose="020B0604030504040204" pitchFamily="34" charset="0"/>
                 <a:cs typeface="Verdana" panose="020B0604030504040204" pitchFamily="34" charset="0"/>
               </a:rPr>
-              <a:t>stampa a video</a:t>
+              <a:t>solo a questo punto dereferenzio e stampo a video</a:t>
             </a:r>
             <a:endParaRPr lang="en-US" sz="1600" b="0" strike="noStrike" spc="-1" dirty="0" err="1">
               <a:solidFill>
@@ -7056,6 +7191,21 @@
             </a:endParaRPr>
           </a:p>
           <a:p>
+            <a:r>
+              <a:rPr lang="en-US" sz="2000" spc="-1">
+                <a:solidFill>
+                  <a:schemeClr val="bg1">
+                    <a:lumMod val="65000"/>
+                  </a:schemeClr>
+                </a:solidFill>
+                <a:latin typeface="Verdana" panose="020B0604030504040204" pitchFamily="34" charset="0"/>
+                <a:ea typeface="Verdana" panose="020B0604030504040204" pitchFamily="34" charset="0"/>
+                <a:cs typeface="Verdana" panose="020B0604030504040204" pitchFamily="34" charset="0"/>
+              </a:rPr>
+              <a:t>Comando RPCGEN genera automaticamente lo stub e le funzioni di conversione XDR.</a:t>
+            </a:r>
+          </a:p>
+          <a:p>
             <a:endParaRPr lang="en-US" sz="2000" spc="-1">
               <a:solidFill>
                 <a:schemeClr val="bg1">
@@ -7068,6 +7218,21 @@
             </a:endParaRPr>
           </a:p>
           <a:p>
+            <a:r>
+              <a:rPr lang="en-US" sz="2000" spc="-1">
+                <a:solidFill>
+                  <a:schemeClr val="bg1">
+                    <a:lumMod val="65000"/>
+                  </a:schemeClr>
+                </a:solidFill>
+                <a:latin typeface="Verdana" panose="020B0604030504040204" pitchFamily="34" charset="0"/>
+                <a:ea typeface="Verdana" panose="020B0604030504040204" pitchFamily="34" charset="0"/>
+                <a:cs typeface="Verdana" panose="020B0604030504040204" pitchFamily="34" charset="0"/>
+              </a:rPr>
+              <a:t>Al termine dell’esecuzione di una procedura remota il Server effettua la deallocazione dei parametri in ingresso forniti dal Client (allocazione eseguita automaticamente dal supporto)</a:t>
+            </a:r>
+          </a:p>
+          <a:p>
             <a:endParaRPr lang="en-US" sz="2000" spc="-1">
               <a:solidFill>
                 <a:schemeClr val="bg1">
@@ -7078,21 +7243,6 @@
               <a:ea typeface="Verdana" panose="020B0604030504040204" pitchFamily="34" charset="0"/>
               <a:cs typeface="Verdana" panose="020B0604030504040204" pitchFamily="34" charset="0"/>
             </a:endParaRPr>
-          </a:p>
-          <a:p>
-            <a:r>
-              <a:rPr lang="en-US" sz="2000" b="0" strike="noStrike" spc="-1">
-                <a:solidFill>
-                  <a:schemeClr val="bg1">
-                    <a:lumMod val="65000"/>
-                  </a:schemeClr>
-                </a:solidFill>
-                <a:latin typeface="Verdana" panose="020B0604030504040204" pitchFamily="34" charset="0"/>
-                <a:ea typeface="Verdana" panose="020B0604030504040204" pitchFamily="34" charset="0"/>
-                <a:cs typeface="Verdana" panose="020B0604030504040204" pitchFamily="34" charset="0"/>
-              </a:rPr>
-              <a:t>QUI POSSIAMO SOTTOLINEARE LE DIFFERENZE CON RMI EVIDENZIANDO CHE NON IMPLEMENTIAMO NOI UN MAIN MA CI LIMITIAMO A DEFINIRE STRUTTURE E PROCEDURE RICHIESTE</a:t>
-            </a:r>
           </a:p>
         </p:txBody>
       </p:sp>
@@ -8118,13 +8268,13 @@
       </p:grpSpPr>
       <p:sp>
         <p:nvSpPr>
-          <p:cNvPr id="91" name="TextShape 1"/>
+          <p:cNvPr id="93" name="TextShape 1"/>
           <p:cNvSpPr txBox="1"/>
           <p:nvPr/>
         </p:nvSpPr>
         <p:spPr>
           <a:xfrm>
-            <a:off x="311760" y="444960"/>
+            <a:off x="311760" y="270720"/>
             <a:ext cx="8520120" cy="572400"/>
           </a:xfrm>
           <a:prstGeom prst="rect">
@@ -8154,7 +8304,7 @@
                 <a:latin typeface="Arial"/>
                 <a:ea typeface="Arial"/>
               </a:rPr>
-              <a:t>Problemi riscontrati </a:t>
+              <a:t>Conclusioni</a:t>
             </a:r>
             <a:endParaRPr lang="en-US" sz="2800" b="0" strike="noStrike" spc="-1">
               <a:solidFill>
@@ -8167,14 +8317,14 @@
       </p:sp>
       <p:sp>
         <p:nvSpPr>
-          <p:cNvPr id="92" name="TextShape 2"/>
+          <p:cNvPr id="94" name="TextShape 2"/>
           <p:cNvSpPr txBox="1"/>
           <p:nvPr/>
         </p:nvSpPr>
         <p:spPr>
           <a:xfrm>
-            <a:off x="311760" y="1152360"/>
-            <a:ext cx="8520120" cy="3416040"/>
+            <a:off x="311760" y="956473"/>
+            <a:ext cx="8520120" cy="3503520"/>
           </a:xfrm>
           <a:prstGeom prst="rect">
             <a:avLst/>
@@ -8189,29 +8339,6 @@
             <a:noAutofit/>
           </a:bodyPr>
           <a:lstStyle/>
-          <a:p>
-            <a:pPr>
-              <a:lnSpc>
-                <a:spcPct val="115000"/>
-              </a:lnSpc>
-            </a:pPr>
-            <a:r>
-              <a:rPr lang="en-US" sz="1800" b="0" strike="noStrike" spc="-1">
-                <a:solidFill>
-                  <a:srgbClr val="ADADAD"/>
-                </a:solidFill>
-                <a:latin typeface="Arial"/>
-                <a:ea typeface="Arial"/>
-              </a:rPr>
-              <a:t>TEMPI TROPPO LUNGHI PER FILE GRANDI? FACCIAMO DEI TEST?  GESTIAMO TUTTI I CASI DI ERRORE? ETC. </a:t>
-            </a:r>
-            <a:endParaRPr lang="en-US" sz="1800" b="0" strike="noStrike" spc="-1">
-              <a:solidFill>
-                <a:srgbClr val="000000"/>
-              </a:solidFill>
-              <a:latin typeface="Arial"/>
-            </a:endParaRPr>
-          </a:p>
           <a:p>
             <a:pPr>
               <a:lnSpc>
@@ -8224,113 +8351,20 @@
                 <a:spcPts val="1599"/>
               </a:spcAft>
             </a:pPr>
-            <a:endParaRPr lang="en-US" sz="1800" b="0" strike="noStrike" spc="-1">
-              <a:solidFill>
-                <a:srgbClr val="000000"/>
-              </a:solidFill>
-              <a:latin typeface="Arial"/>
-            </a:endParaRPr>
-          </a:p>
-        </p:txBody>
-      </p:sp>
-    </p:spTree>
-  </p:cSld>
-  <p:clrMapOvr>
-    <a:masterClrMapping/>
-  </p:clrMapOvr>
-</p:sld>
-</file>
-
-<file path=ppt/slides/slide9.xml><?xml version="1.0" encoding="utf-8"?>
-<p:sld xmlns:a="http://schemas.openxmlformats.org/drawingml/2006/main" xmlns:r="http://schemas.openxmlformats.org/officeDocument/2006/relationships" xmlns:p="http://schemas.openxmlformats.org/presentationml/2006/main">
-  <p:cSld>
-    <p:spTree>
-      <p:nvGrpSpPr>
-        <p:cNvPr id="1" name=""/>
-        <p:cNvGrpSpPr/>
-        <p:nvPr/>
-      </p:nvGrpSpPr>
-      <p:grpSpPr>
-        <a:xfrm>
-          <a:off x="0" y="0"/>
-          <a:ext cx="0" cy="0"/>
-          <a:chOff x="0" y="0"/>
-          <a:chExt cx="0" cy="0"/>
-        </a:xfrm>
-      </p:grpSpPr>
-      <p:sp>
-        <p:nvSpPr>
-          <p:cNvPr id="93" name="TextShape 1"/>
-          <p:cNvSpPr txBox="1"/>
-          <p:nvPr/>
-        </p:nvSpPr>
-        <p:spPr>
-          <a:xfrm>
-            <a:off x="311760" y="270720"/>
-            <a:ext cx="8520120" cy="572400"/>
-          </a:xfrm>
-          <a:prstGeom prst="rect">
-            <a:avLst/>
-          </a:prstGeom>
-          <a:noFill/>
-          <a:ln>
-            <a:noFill/>
-          </a:ln>
-        </p:spPr>
-        <p:txBody>
-          <a:bodyPr tIns="91440" bIns="91440">
-            <a:noAutofit/>
-          </a:bodyPr>
-          <a:lstStyle/>
-          <a:p>
-            <a:pPr>
-              <a:lnSpc>
-                <a:spcPct val="100000"/>
-              </a:lnSpc>
-            </a:pPr>
-            <a:r>
-              <a:rPr lang="en-US" sz="2800" b="0" strike="noStrike" spc="-1">
-                <a:solidFill>
-                  <a:srgbClr val="FFFFFF"/>
-                </a:solidFill>
-                <a:latin typeface="Arial"/>
-                <a:ea typeface="Arial"/>
-              </a:rPr>
-              <a:t>Conclusioni</a:t>
-            </a:r>
-            <a:endParaRPr lang="en-US" sz="2800" b="0" strike="noStrike" spc="-1">
-              <a:solidFill>
-                <a:srgbClr val="000000"/>
-              </a:solidFill>
-              <a:latin typeface="Arial"/>
-            </a:endParaRPr>
-          </a:p>
-        </p:txBody>
-      </p:sp>
-      <p:sp>
-        <p:nvSpPr>
-          <p:cNvPr id="94" name="TextShape 2"/>
-          <p:cNvSpPr txBox="1"/>
-          <p:nvPr/>
-        </p:nvSpPr>
-        <p:spPr>
-          <a:xfrm>
-            <a:off x="311760" y="956473"/>
-            <a:ext cx="8520120" cy="3503520"/>
-          </a:xfrm>
-          <a:prstGeom prst="rect">
-            <a:avLst/>
-          </a:prstGeom>
-          <a:noFill/>
-          <a:ln>
-            <a:noFill/>
-          </a:ln>
-        </p:spPr>
-        <p:txBody>
-          <a:bodyPr tIns="91440" bIns="91440">
-            <a:noAutofit/>
-          </a:bodyPr>
-          <a:lstStyle/>
+            <a:r>
+              <a:rPr lang="en-US" b="0" strike="noStrike" spc="-1">
+                <a:solidFill>
+                  <a:schemeClr val="bg1">
+                    <a:lumMod val="65000"/>
+                  </a:schemeClr>
+                </a:solidFill>
+                <a:latin typeface="Verdana" panose="020B0604030504040204" pitchFamily="34" charset="0"/>
+                <a:ea typeface="Verdana" panose="020B0604030504040204" pitchFamily="34" charset="0"/>
+                <a:cs typeface="Verdana" panose="020B0604030504040204" pitchFamily="34" charset="0"/>
+              </a:rPr>
+              <a:t>Tramite RPCGEN vengono processati i costrutti specificati sul file xdr generando automaticamente gli stub di Client e Server, file header e file xdr.</a:t>
+            </a:r>
+          </a:p>
           <a:p>
             <a:pPr>
               <a:lnSpc>
@@ -8344,7 +8378,7 @@
               </a:spcAft>
             </a:pPr>
             <a:r>
-              <a:rPr lang="en-US" b="0" strike="noStrike" spc="-1">
+              <a:rPr lang="en-US" spc="-1">
                 <a:solidFill>
                   <a:schemeClr val="bg1">
                     <a:lumMod val="65000"/>
@@ -8354,8 +8388,44 @@
                 <a:ea typeface="Verdana" panose="020B0604030504040204" pitchFamily="34" charset="0"/>
                 <a:cs typeface="Verdana" panose="020B0604030504040204" pitchFamily="34" charset="0"/>
               </a:rPr>
-              <a:t>Tramite RPCGEN vengono processati i costrutti specificati sul file xdr generando automaticamente gli stub di Client e Server, file header e file xdr.</a:t>
-            </a:r>
+              <a:t>Il Server registra i suoi servizi tramite </a:t>
+            </a:r>
+            <a:r>
+              <a:rPr lang="en-US" b="1" spc="-1">
+                <a:solidFill>
+                  <a:schemeClr val="bg1">
+                    <a:lumMod val="65000"/>
+                  </a:schemeClr>
+                </a:solidFill>
+                <a:latin typeface="Verdana" panose="020B0604030504040204" pitchFamily="34" charset="0"/>
+                <a:ea typeface="Verdana" panose="020B0604030504040204" pitchFamily="34" charset="0"/>
+                <a:cs typeface="Verdana" panose="020B0604030504040204" pitchFamily="34" charset="0"/>
+              </a:rPr>
+              <a:t>portmapper</a:t>
+            </a:r>
+            <a:r>
+              <a:rPr lang="en-US" spc="-1">
+                <a:solidFill>
+                  <a:schemeClr val="bg1">
+                    <a:lumMod val="65000"/>
+                  </a:schemeClr>
+                </a:solidFill>
+                <a:latin typeface="Verdana" panose="020B0604030504040204" pitchFamily="34" charset="0"/>
+                <a:ea typeface="Verdana" panose="020B0604030504040204" pitchFamily="34" charset="0"/>
+                <a:cs typeface="Verdana" panose="020B0604030504040204" pitchFamily="34" charset="0"/>
+              </a:rPr>
+              <a:t> e si pone in attesa infinita (svc_run)</a:t>
+            </a:r>
+            <a:endParaRPr lang="en-US" b="1" spc="-1">
+              <a:solidFill>
+                <a:schemeClr val="bg1">
+                  <a:lumMod val="65000"/>
+                </a:schemeClr>
+              </a:solidFill>
+              <a:latin typeface="Verdana" panose="020B0604030504040204" pitchFamily="34" charset="0"/>
+              <a:ea typeface="Verdana" panose="020B0604030504040204" pitchFamily="34" charset="0"/>
+              <a:cs typeface="Verdana" panose="020B0604030504040204" pitchFamily="34" charset="0"/>
+            </a:endParaRPr>
           </a:p>
           <a:p>
             <a:pPr>
@@ -8380,10 +8450,10 @@
                 <a:ea typeface="Verdana" panose="020B0604030504040204" pitchFamily="34" charset="0"/>
                 <a:cs typeface="Verdana" panose="020B0604030504040204" pitchFamily="34" charset="0"/>
               </a:rPr>
-              <a:t>Il Server registra i suoi servizi tramite </a:t>
-            </a:r>
-            <a:r>
-              <a:rPr lang="en-US" b="1" spc="-1">
+              <a:t>Per ogni chiamata ricevuta dallo </a:t>
+            </a:r>
+            <a:r>
+              <a:rPr lang="en-US" u="sng" spc="-1">
                 <a:solidFill>
                   <a:schemeClr val="bg1">
                     <a:lumMod val="65000"/>
@@ -8393,7 +8463,7 @@
                 <a:ea typeface="Verdana" panose="020B0604030504040204" pitchFamily="34" charset="0"/>
                 <a:cs typeface="Verdana" panose="020B0604030504040204" pitchFamily="34" charset="0"/>
               </a:rPr>
-              <a:t>portmapper</a:t>
+              <a:t>stub del Client</a:t>
             </a:r>
             <a:r>
               <a:rPr lang="en-US" spc="-1">
@@ -8406,43 +8476,7 @@
                 <a:ea typeface="Verdana" panose="020B0604030504040204" pitchFamily="34" charset="0"/>
                 <a:cs typeface="Verdana" panose="020B0604030504040204" pitchFamily="34" charset="0"/>
               </a:rPr>
-              <a:t> e si pone in attesa infinita (svc_run)</a:t>
-            </a:r>
-            <a:endParaRPr lang="en-US" b="1" spc="-1">
-              <a:solidFill>
-                <a:schemeClr val="bg1">
-                  <a:lumMod val="65000"/>
-                </a:schemeClr>
-              </a:solidFill>
-              <a:latin typeface="Verdana" panose="020B0604030504040204" pitchFamily="34" charset="0"/>
-              <a:ea typeface="Verdana" panose="020B0604030504040204" pitchFamily="34" charset="0"/>
-              <a:cs typeface="Verdana" panose="020B0604030504040204" pitchFamily="34" charset="0"/>
-            </a:endParaRPr>
-          </a:p>
-          <a:p>
-            <a:pPr>
-              <a:lnSpc>
-                <a:spcPct val="115000"/>
-              </a:lnSpc>
-              <a:spcBef>
-                <a:spcPts val="1599"/>
-              </a:spcBef>
-              <a:spcAft>
-                <a:spcPts val="1599"/>
-              </a:spcAft>
-            </a:pPr>
-            <a:r>
-              <a:rPr lang="en-US" spc="-1">
-                <a:solidFill>
-                  <a:schemeClr val="bg1">
-                    <a:lumMod val="65000"/>
-                  </a:schemeClr>
-                </a:solidFill>
-                <a:latin typeface="Verdana" panose="020B0604030504040204" pitchFamily="34" charset="0"/>
-                <a:ea typeface="Verdana" panose="020B0604030504040204" pitchFamily="34" charset="0"/>
-                <a:cs typeface="Verdana" panose="020B0604030504040204" pitchFamily="34" charset="0"/>
-              </a:rPr>
-              <a:t>Per ogni chiamata ricevuta dallo stub del Client viene avviata la procedura di Dispatching mediante la quale viene scelta e gestita la procedura richiesta, trattando correttamente i parametri di input ed output.</a:t>
+              <a:t> viene avviata la procedura di Dispatching mediante la quale viene scelta e gestita la procedura richiesta, trattando correttamente i parametri di input ed output.</a:t>
             </a:r>
           </a:p>
         </p:txBody>
